--- a/cceug2 scenarios.pptx
+++ b/cceug2 scenarios.pptx
@@ -5992,7 +5992,7 @@
           <a:graphicData uri="http://schemas.openxmlformats.org/presentationml/2006/ole">
             <mc:AlternateContent xmlns:mc="http://schemas.openxmlformats.org/markup-compatibility/2006">
               <mc:Choice xmlns:v="urn:schemas-microsoft-com:vml" Requires="v">
-                <p:oleObj spid="_x0000_s341007" name="Equation" r:id="rId5" imgW="2184120" imgH="863280" progId="Equation.DSMT4">
+                <p:oleObj spid="_x0000_s341008" name="Equation" r:id="rId5" imgW="2184120" imgH="863280" progId="Equation.DSMT4">
                   <p:embed/>
                 </p:oleObj>
               </mc:Choice>

--- a/cceug2 scenarios.pptx
+++ b/cceug2 scenarios.pptx
@@ -5,10 +5,10 @@
     <p:sldMasterId id="2147483648" r:id="rId1"/>
   </p:sldMasterIdLst>
   <p:notesMasterIdLst>
-    <p:notesMasterId r:id="rId30"/>
+    <p:notesMasterId r:id="rId33"/>
   </p:notesMasterIdLst>
   <p:handoutMasterIdLst>
-    <p:handoutMasterId r:id="rId31"/>
+    <p:handoutMasterId r:id="rId34"/>
   </p:handoutMasterIdLst>
   <p:sldIdLst>
     <p:sldId id="257" r:id="rId2"/>
@@ -17,9 +17,9 @@
     <p:sldId id="350" r:id="rId5"/>
     <p:sldId id="279" r:id="rId6"/>
     <p:sldId id="347" r:id="rId7"/>
-    <p:sldId id="348" r:id="rId8"/>
-    <p:sldId id="368" r:id="rId9"/>
-    <p:sldId id="369" r:id="rId10"/>
+    <p:sldId id="368" r:id="rId8"/>
+    <p:sldId id="369" r:id="rId9"/>
+    <p:sldId id="348" r:id="rId10"/>
     <p:sldId id="352" r:id="rId11"/>
     <p:sldId id="329" r:id="rId12"/>
     <p:sldId id="336" r:id="rId13"/>
@@ -28,17 +28,20 @@
     <p:sldId id="356" r:id="rId16"/>
     <p:sldId id="357" r:id="rId17"/>
     <p:sldId id="358" r:id="rId18"/>
-    <p:sldId id="359" r:id="rId19"/>
-    <p:sldId id="360" r:id="rId20"/>
-    <p:sldId id="361" r:id="rId21"/>
-    <p:sldId id="362" r:id="rId22"/>
-    <p:sldId id="363" r:id="rId23"/>
-    <p:sldId id="364" r:id="rId24"/>
-    <p:sldId id="365" r:id="rId25"/>
-    <p:sldId id="366" r:id="rId26"/>
-    <p:sldId id="340" r:id="rId27"/>
-    <p:sldId id="341" r:id="rId28"/>
-    <p:sldId id="342" r:id="rId29"/>
+    <p:sldId id="372" r:id="rId19"/>
+    <p:sldId id="359" r:id="rId20"/>
+    <p:sldId id="360" r:id="rId21"/>
+    <p:sldId id="361" r:id="rId22"/>
+    <p:sldId id="362" r:id="rId23"/>
+    <p:sldId id="363" r:id="rId24"/>
+    <p:sldId id="364" r:id="rId25"/>
+    <p:sldId id="365" r:id="rId26"/>
+    <p:sldId id="366" r:id="rId27"/>
+    <p:sldId id="340" r:id="rId28"/>
+    <p:sldId id="341" r:id="rId29"/>
+    <p:sldId id="370" r:id="rId30"/>
+    <p:sldId id="353" r:id="rId31"/>
+    <p:sldId id="371" r:id="rId32"/>
   </p:sldIdLst>
   <p:sldSz cx="9144000" cy="6858000" type="screen4x3"/>
   <p:notesSz cx="6797675" cy="9874250"/>
@@ -1050,7 +1053,7 @@
             <a:fld id="{43D62AB2-8421-41A9-9BF8-FA1FECBCC7F9}" type="slidenum">
               <a:rPr lang="en-US"/>
               <a:pPr/>
-              <a:t>18</a:t>
+              <a:t>19</a:t>
             </a:fld>
             <a:endParaRPr lang="en-US"/>
           </a:p>
@@ -1139,7 +1142,7 @@
             <a:fld id="{7286F291-D27F-43C8-9EAD-383A857905A9}" type="slidenum">
               <a:rPr lang="en-US"/>
               <a:pPr/>
-              <a:t>19</a:t>
+              <a:t>20</a:t>
             </a:fld>
             <a:endParaRPr lang="en-US"/>
           </a:p>
@@ -1228,7 +1231,7 @@
             <a:fld id="{7286F291-D27F-43C8-9EAD-383A857905A9}" type="slidenum">
               <a:rPr lang="en-US"/>
               <a:pPr/>
-              <a:t>21</a:t>
+              <a:t>22</a:t>
             </a:fld>
             <a:endParaRPr lang="en-US"/>
           </a:p>
@@ -1317,7 +1320,7 @@
             <a:fld id="{7286F291-D27F-43C8-9EAD-383A857905A9}" type="slidenum">
               <a:rPr lang="en-US"/>
               <a:pPr/>
-              <a:t>23</a:t>
+              <a:t>24</a:t>
             </a:fld>
             <a:endParaRPr lang="en-US"/>
           </a:p>
@@ -1406,7 +1409,7 @@
             <a:fld id="{7286F291-D27F-43C8-9EAD-383A857905A9}" type="slidenum">
               <a:rPr lang="en-US"/>
               <a:pPr/>
-              <a:t>25</a:t>
+              <a:t>26</a:t>
             </a:fld>
             <a:endParaRPr lang="en-US"/>
           </a:p>
@@ -1495,7 +1498,7 @@
             <a:fld id="{7ACE61C9-784A-41C7-BC0C-8E273A5957C8}" type="slidenum">
               <a:rPr lang="en-US"/>
               <a:pPr/>
-              <a:t>26</a:t>
+              <a:t>27</a:t>
             </a:fld>
             <a:endParaRPr lang="en-US"/>
           </a:p>
@@ -1584,7 +1587,7 @@
             <a:fld id="{8307142B-F28F-4031-907D-50F50F305A82}" type="slidenum">
               <a:rPr lang="en-US"/>
               <a:pPr/>
-              <a:t>27</a:t>
+              <a:t>28</a:t>
             </a:fld>
             <a:endParaRPr lang="en-US"/>
           </a:p>
@@ -1673,7 +1676,7 @@
             <a:fld id="{AE799912-76B0-4CF1-BA82-633D43A960C4}" type="slidenum">
               <a:rPr lang="en-US"/>
               <a:pPr/>
-              <a:t>28</a:t>
+              <a:t>29</a:t>
             </a:fld>
             <a:endParaRPr lang="en-US"/>
           </a:p>
@@ -1715,7 +1718,96 @@
     </p:spTree>
     <p:extLst>
       <p:ext uri="{BB962C8B-B14F-4D97-AF65-F5344CB8AC3E}">
-        <p14:creationId xmlns:p14="http://schemas.microsoft.com/office/powerpoint/2010/main" val="2052562354"/>
+        <p14:creationId xmlns:p14="http://schemas.microsoft.com/office/powerpoint/2010/main" val="3381542124"/>
+      </p:ext>
+    </p:extLst>
+  </p:cSld>
+  <p:clrMapOvr>
+    <a:masterClrMapping/>
+  </p:clrMapOvr>
+</p:notes>
+</file>
+
+<file path=ppt/notesSlides/notesSlide19.xml><?xml version="1.0" encoding="utf-8"?>
+<p:notes xmlns:a="http://schemas.openxmlformats.org/drawingml/2006/main" xmlns:r="http://schemas.openxmlformats.org/officeDocument/2006/relationships" xmlns:p="http://schemas.openxmlformats.org/presentationml/2006/main">
+  <p:cSld>
+    <p:spTree>
+      <p:nvGrpSpPr>
+        <p:cNvPr id="1" name=""/>
+        <p:cNvGrpSpPr/>
+        <p:nvPr/>
+      </p:nvGrpSpPr>
+      <p:grpSpPr>
+        <a:xfrm>
+          <a:off x="0" y="0"/>
+          <a:ext cx="0" cy="0"/>
+          <a:chOff x="0" y="0"/>
+          <a:chExt cx="0" cy="0"/>
+        </a:xfrm>
+      </p:grpSpPr>
+      <p:sp>
+        <p:nvSpPr>
+          <p:cNvPr id="7" name="Rectangle 7"/>
+          <p:cNvSpPr>
+            <a:spLocks noGrp="1" noChangeArrowheads="1"/>
+          </p:cNvSpPr>
+          <p:nvPr>
+            <p:ph type="sldNum" sz="quarter" idx="5"/>
+          </p:nvPr>
+        </p:nvSpPr>
+        <p:spPr>
+          <a:ln/>
+        </p:spPr>
+        <p:txBody>
+          <a:bodyPr/>
+          <a:lstStyle/>
+          <a:p>
+            <a:fld id="{AE799912-76B0-4CF1-BA82-633D43A960C4}" type="slidenum">
+              <a:rPr lang="en-US"/>
+              <a:pPr/>
+              <a:t>31</a:t>
+            </a:fld>
+            <a:endParaRPr lang="en-US"/>
+          </a:p>
+        </p:txBody>
+      </p:sp>
+      <p:sp>
+        <p:nvSpPr>
+          <p:cNvPr id="282626" name="Rectangle 2"/>
+          <p:cNvSpPr>
+            <a:spLocks noGrp="1" noRot="1" noChangeAspect="1" noChangeArrowheads="1" noTextEdit="1"/>
+          </p:cNvSpPr>
+          <p:nvPr>
+            <p:ph type="sldImg"/>
+          </p:nvPr>
+        </p:nvSpPr>
+        <p:spPr>
+          <a:ln/>
+        </p:spPr>
+      </p:sp>
+      <p:sp>
+        <p:nvSpPr>
+          <p:cNvPr id="282627" name="Rectangle 3"/>
+          <p:cNvSpPr>
+            <a:spLocks noGrp="1" noChangeArrowheads="1"/>
+          </p:cNvSpPr>
+          <p:nvPr>
+            <p:ph type="body" idx="1"/>
+          </p:nvPr>
+        </p:nvSpPr>
+        <p:spPr/>
+        <p:txBody>
+          <a:bodyPr/>
+          <a:lstStyle/>
+          <a:p>
+            <a:endParaRPr lang="en-US"/>
+          </a:p>
+        </p:txBody>
+      </p:sp>
+    </p:spTree>
+    <p:extLst>
+      <p:ext uri="{BB962C8B-B14F-4D97-AF65-F5344CB8AC3E}">
+        <p14:creationId xmlns:p14="http://schemas.microsoft.com/office/powerpoint/2010/main" val="1633800538"/>
       </p:ext>
     </p:extLst>
   </p:cSld>
@@ -2029,7 +2121,7 @@
             <a:fld id="{DAE39910-F767-4728-992D-36980DC7C0D4}" type="slidenum">
               <a:rPr lang="en-GB"/>
               <a:pPr/>
-              <a:t>7</a:t>
+              <a:t>9</a:t>
             </a:fld>
             <a:endParaRPr lang="en-GB"/>
           </a:p>
@@ -5992,7 +6084,7 @@
           <a:graphicData uri="http://schemas.openxmlformats.org/presentationml/2006/ole">
             <mc:AlternateContent xmlns:mc="http://schemas.openxmlformats.org/markup-compatibility/2006">
               <mc:Choice xmlns:v="urn:schemas-microsoft-com:vml" Requires="v">
-                <p:oleObj spid="_x0000_s341008" name="Equation" r:id="rId5" imgW="2184120" imgH="863280" progId="Equation.DSMT4">
+                <p:oleObj spid="_x0000_s341017" name="Equation" r:id="rId5" imgW="2184120" imgH="863280" progId="Equation.DSMT4">
                   <p:embed/>
                 </p:oleObj>
               </mc:Choice>
@@ -8099,144 +8191,46 @@
           <a:chExt cx="0" cy="0"/>
         </a:xfrm>
       </p:grpSpPr>
-      <p:sp>
-        <p:nvSpPr>
-          <p:cNvPr id="216066" name="Rectangle 2"/>
-          <p:cNvSpPr>
-            <a:spLocks noGrp="1" noChangeArrowheads="1"/>
-          </p:cNvSpPr>
-          <p:nvPr>
-            <p:ph type="title"/>
-          </p:nvPr>
-        </p:nvSpPr>
+      <p:pic>
+        <p:nvPicPr>
+          <p:cNvPr id="3" name="Picture 2" descr="Chart, line chart&#10;&#10;Description automatically generated">
+            <a:extLst>
+              <a:ext uri="{FF2B5EF4-FFF2-40B4-BE49-F238E27FC236}">
+                <a16:creationId xmlns:a16="http://schemas.microsoft.com/office/drawing/2014/main" id="{6D2C29DC-BC67-496A-B1B2-BE74B169AE69}"/>
+              </a:ext>
+            </a:extLst>
+          </p:cNvPr>
+          <p:cNvPicPr>
+            <a:picLocks noChangeAspect="1"/>
+          </p:cNvPicPr>
+          <p:nvPr/>
+        </p:nvPicPr>
+        <p:blipFill>
+          <a:blip r:embed="rId2">
+            <a:extLst>
+              <a:ext uri="{28A0092B-C50C-407E-A947-70E740481C1C}">
+                <a14:useLocalDpi xmlns:a14="http://schemas.microsoft.com/office/drawing/2010/main" val="0"/>
+              </a:ext>
+            </a:extLst>
+          </a:blip>
+          <a:stretch>
+            <a:fillRect/>
+          </a:stretch>
+        </p:blipFill>
         <p:spPr>
           <a:xfrm>
-            <a:off x="685800" y="0"/>
-            <a:ext cx="7772400" cy="1143000"/>
+            <a:off x="600026" y="0"/>
+            <a:ext cx="7943948" cy="6858000"/>
           </a:xfrm>
-        </p:spPr>
-        <p:txBody>
-          <a:bodyPr/>
-          <a:lstStyle/>
-          <a:p>
-            <a:r>
-              <a:rPr lang="de-DE" sz="3600" dirty="0">
-                <a:latin typeface="Candara" panose="020E0502030303020204" pitchFamily="34" charset="0"/>
-              </a:rPr>
-              <a:t>Save Energy</a:t>
-            </a:r>
-            <a:endParaRPr lang="en-GB" sz="3600" dirty="0">
-              <a:latin typeface="Candara" panose="020E0502030303020204" pitchFamily="34" charset="0"/>
-            </a:endParaRPr>
-          </a:p>
-        </p:txBody>
-      </p:sp>
-      <p:sp>
-        <p:nvSpPr>
-          <p:cNvPr id="216067" name="Rectangle 3"/>
-          <p:cNvSpPr>
-            <a:spLocks noGrp="1" noChangeArrowheads="1"/>
-          </p:cNvSpPr>
-          <p:nvPr>
-            <p:ph type="body" idx="1"/>
-          </p:nvPr>
-        </p:nvSpPr>
-        <p:spPr>
-          <a:xfrm>
-            <a:off x="685800" y="1143000"/>
-            <a:ext cx="7772400" cy="4800600"/>
-          </a:xfrm>
-        </p:spPr>
-        <p:txBody>
-          <a:bodyPr/>
-          <a:lstStyle/>
-          <a:p>
-            <a:pPr>
-              <a:lnSpc>
-                <a:spcPct val="90000"/>
-              </a:lnSpc>
-            </a:pPr>
-            <a:r>
-              <a:rPr lang="de-DE" sz="2800" dirty="0">
-                <a:latin typeface="Candara" panose="020E0502030303020204" pitchFamily="34" charset="0"/>
-              </a:rPr>
-              <a:t>Energy savings come through technological change and behavioural change</a:t>
-            </a:r>
-          </a:p>
-          <a:p>
-            <a:pPr>
-              <a:lnSpc>
-                <a:spcPct val="90000"/>
-              </a:lnSpc>
-            </a:pPr>
-            <a:r>
-              <a:rPr lang="de-DE" sz="2800" dirty="0">
-                <a:latin typeface="Candara" panose="020E0502030303020204" pitchFamily="34" charset="0"/>
-              </a:rPr>
-              <a:t>For a single product, new models tend to be more efficient, but the technological advance may be used to increase comfort</a:t>
-            </a:r>
-          </a:p>
-          <a:p>
-            <a:pPr>
-              <a:lnSpc>
-                <a:spcPct val="90000"/>
-              </a:lnSpc>
-            </a:pPr>
-            <a:r>
-              <a:rPr lang="de-DE" sz="2800" dirty="0">
-                <a:latin typeface="Candara" panose="020E0502030303020204" pitchFamily="34" charset="0"/>
-              </a:rPr>
-              <a:t>A lot of energy is wasted</a:t>
-            </a:r>
-          </a:p>
-          <a:p>
-            <a:pPr lvl="1">
-              <a:lnSpc>
-                <a:spcPct val="90000"/>
-              </a:lnSpc>
-            </a:pPr>
-            <a:r>
-              <a:rPr lang="de-DE" sz="2400" dirty="0">
-                <a:latin typeface="Candara" panose="020E0502030303020204" pitchFamily="34" charset="0"/>
-              </a:rPr>
-              <a:t>Habits are hard to change</a:t>
-            </a:r>
-          </a:p>
-          <a:p>
-            <a:pPr lvl="1">
-              <a:lnSpc>
-                <a:spcPct val="90000"/>
-              </a:lnSpc>
-            </a:pPr>
-            <a:r>
-              <a:rPr lang="de-DE" sz="2400" dirty="0">
-                <a:latin typeface="Candara" panose="020E0502030303020204" pitchFamily="34" charset="0"/>
-              </a:rPr>
-              <a:t>Principal/agent problems</a:t>
-            </a:r>
-          </a:p>
-          <a:p>
-            <a:pPr>
-              <a:lnSpc>
-                <a:spcPct val="90000"/>
-              </a:lnSpc>
-            </a:pPr>
-            <a:r>
-              <a:rPr lang="de-DE" sz="2800" dirty="0">
-                <a:latin typeface="Candara" panose="020E0502030303020204" pitchFamily="34" charset="0"/>
-              </a:rPr>
-              <a:t>The demand for energy services is even harder to change</a:t>
-            </a:r>
-            <a:endParaRPr lang="en-GB" sz="2800" dirty="0">
-              <a:latin typeface="Candara" panose="020E0502030303020204" pitchFamily="34" charset="0"/>
-            </a:endParaRPr>
-          </a:p>
-        </p:txBody>
-      </p:sp>
+          <a:prstGeom prst="rect">
+            <a:avLst/>
+          </a:prstGeom>
+        </p:spPr>
+      </p:pic>
     </p:spTree>
     <p:extLst>
       <p:ext uri="{BB962C8B-B14F-4D97-AF65-F5344CB8AC3E}">
-        <p14:creationId xmlns:p14="http://schemas.microsoft.com/office/powerpoint/2010/main" val="1982565526"/>
+        <p14:creationId xmlns:p14="http://schemas.microsoft.com/office/powerpoint/2010/main" val="2306904160"/>
       </p:ext>
     </p:extLst>
   </p:cSld>
@@ -8265,7 +8259,7 @@
       </p:grpSpPr>
       <p:sp>
         <p:nvSpPr>
-          <p:cNvPr id="217090" name="Rectangle 2"/>
+          <p:cNvPr id="216066" name="Rectangle 2"/>
           <p:cNvSpPr>
             <a:spLocks noGrp="1" noChangeArrowheads="1"/>
           </p:cNvSpPr>
@@ -8287,7 +8281,7 @@
               <a:rPr lang="de-DE" sz="3600" dirty="0">
                 <a:latin typeface="Candara" panose="020E0502030303020204" pitchFamily="34" charset="0"/>
               </a:rPr>
-              <a:t>Switch Energy</a:t>
+              <a:t>Save Energy</a:t>
             </a:r>
             <a:endParaRPr lang="en-GB" sz="3600" dirty="0">
               <a:latin typeface="Candara" panose="020E0502030303020204" pitchFamily="34" charset="0"/>
@@ -8297,7 +8291,7 @@
       </p:sp>
       <p:sp>
         <p:nvSpPr>
-          <p:cNvPr id="217091" name="Rectangle 3"/>
+          <p:cNvPr id="216067" name="Rectangle 3"/>
           <p:cNvSpPr>
             <a:spLocks noGrp="1" noChangeArrowheads="1"/>
           </p:cNvSpPr>
@@ -8307,8 +8301,8 @@
         </p:nvSpPr>
         <p:spPr>
           <a:xfrm>
-            <a:off x="685800" y="990600"/>
-            <a:ext cx="7772400" cy="5257800"/>
+            <a:off x="685800" y="1143000"/>
+            <a:ext cx="7772400" cy="4800600"/>
           </a:xfrm>
         </p:spPr>
         <p:txBody>
@@ -8324,7 +8318,7 @@
               <a:rPr lang="de-DE" sz="2800" dirty="0">
                 <a:latin typeface="Candara" panose="020E0502030303020204" pitchFamily="34" charset="0"/>
               </a:rPr>
-              <a:t>Switching away from oil, gas and coal to nuclear, hydro, wind, solar and biomass is technically feasible</a:t>
+              <a:t>Energy savings come through technological change and behavioural change</a:t>
             </a:r>
           </a:p>
           <a:p>
@@ -8335,14 +8329,9 @@
             </a:pPr>
             <a:r>
               <a:rPr lang="de-DE" sz="2800" dirty="0">
-                <a:solidFill>
-                  <a:schemeClr val="bg1">
-                    <a:lumMod val="65000"/>
-                  </a:schemeClr>
-                </a:solidFill>
-                <a:latin typeface="Candara" panose="020E0502030303020204" pitchFamily="34" charset="0"/>
-              </a:rPr>
-              <a:t>Nuclear and hydro are difficult politically and socially</a:t>
+                <a:latin typeface="Candara" panose="020E0502030303020204" pitchFamily="34" charset="0"/>
+              </a:rPr>
+              <a:t>For a single product, new models tend to be more efficient, but the technological advance may be used to increase comfort</a:t>
             </a:r>
           </a:p>
           <a:p>
@@ -8353,14 +8342,35 @@
             </a:pPr>
             <a:r>
               <a:rPr lang="de-DE" sz="2800" dirty="0">
-                <a:solidFill>
-                  <a:schemeClr val="bg1">
-                    <a:lumMod val="65000"/>
-                  </a:schemeClr>
-                </a:solidFill>
-                <a:latin typeface="Candara" panose="020E0502030303020204" pitchFamily="34" charset="0"/>
-              </a:rPr>
-              <a:t>Wind is expensive and visually intrusive</a:t>
+                <a:latin typeface="Candara" panose="020E0502030303020204" pitchFamily="34" charset="0"/>
+              </a:rPr>
+              <a:t>A lot of energy is wasted</a:t>
+            </a:r>
+          </a:p>
+          <a:p>
+            <a:pPr lvl="1">
+              <a:lnSpc>
+                <a:spcPct val="90000"/>
+              </a:lnSpc>
+            </a:pPr>
+            <a:r>
+              <a:rPr lang="de-DE" sz="2400" dirty="0">
+                <a:latin typeface="Candara" panose="020E0502030303020204" pitchFamily="34" charset="0"/>
+              </a:rPr>
+              <a:t>Habits are hard to change</a:t>
+            </a:r>
+          </a:p>
+          <a:p>
+            <a:pPr lvl="1">
+              <a:lnSpc>
+                <a:spcPct val="90000"/>
+              </a:lnSpc>
+            </a:pPr>
+            <a:r>
+              <a:rPr lang="de-DE" sz="2400" dirty="0">
+                <a:latin typeface="Candara" panose="020E0502030303020204" pitchFamily="34" charset="0"/>
+              </a:rPr>
+              <a:t>Principal/agent problems</a:t>
             </a:r>
           </a:p>
           <a:p>
@@ -8371,57 +8381,11 @@
             </a:pPr>
             <a:r>
               <a:rPr lang="de-DE" sz="2800" dirty="0">
-                <a:solidFill>
-                  <a:schemeClr val="bg1">
-                    <a:lumMod val="65000"/>
-                  </a:schemeClr>
-                </a:solidFill>
-                <a:latin typeface="Candara" panose="020E0502030303020204" pitchFamily="34" charset="0"/>
-              </a:rPr>
-              <a:t>Solar is more expensive still, except in some niche markets</a:t>
-            </a:r>
-          </a:p>
-          <a:p>
-            <a:pPr>
-              <a:lnSpc>
-                <a:spcPct val="90000"/>
-              </a:lnSpc>
-            </a:pPr>
-            <a:r>
-              <a:rPr lang="de-DE" sz="2800" dirty="0">
-                <a:solidFill>
-                  <a:schemeClr val="bg1">
-                    <a:lumMod val="65000"/>
-                  </a:schemeClr>
-                </a:solidFill>
-                <a:latin typeface="Candara" panose="020E0502030303020204" pitchFamily="34" charset="0"/>
-              </a:rPr>
-              <a:t>Both wind and solar require storage and transport</a:t>
-            </a:r>
-          </a:p>
-          <a:p>
-            <a:pPr>
-              <a:lnSpc>
-                <a:spcPct val="90000"/>
-              </a:lnSpc>
-            </a:pPr>
-            <a:r>
-              <a:rPr lang="de-DE" sz="2800" dirty="0">
-                <a:solidFill>
-                  <a:schemeClr val="bg1">
-                    <a:lumMod val="65000"/>
-                  </a:schemeClr>
-                </a:solidFill>
-                <a:latin typeface="Candara" panose="020E0502030303020204" pitchFamily="34" charset="0"/>
-              </a:rPr>
-              <a:t>Biomass is too expensive, and bad for health, environment and food production</a:t>
+                <a:latin typeface="Candara" panose="020E0502030303020204" pitchFamily="34" charset="0"/>
+              </a:rPr>
+              <a:t>The demand for energy services is even harder to change</a:t>
             </a:r>
             <a:endParaRPr lang="en-GB" sz="2800" dirty="0">
-              <a:solidFill>
-                <a:schemeClr val="bg1">
-                  <a:lumMod val="65000"/>
-                </a:schemeClr>
-              </a:solidFill>
               <a:latin typeface="Candara" panose="020E0502030303020204" pitchFamily="34" charset="0"/>
             </a:endParaRPr>
           </a:p>
@@ -8430,7 +8394,7 @@
     </p:spTree>
     <p:extLst>
       <p:ext uri="{BB962C8B-B14F-4D97-AF65-F5344CB8AC3E}">
-        <p14:creationId xmlns:p14="http://schemas.microsoft.com/office/powerpoint/2010/main" val="4021569742"/>
+        <p14:creationId xmlns:p14="http://schemas.microsoft.com/office/powerpoint/2010/main" val="1982565526"/>
       </p:ext>
     </p:extLst>
   </p:cSld>
@@ -8670,6 +8634,200 @@
 </file>
 
 <file path=ppt/slides/slide20.xml><?xml version="1.0" encoding="utf-8"?>
+<p:sld xmlns:a="http://schemas.openxmlformats.org/drawingml/2006/main" xmlns:r="http://schemas.openxmlformats.org/officeDocument/2006/relationships" xmlns:p="http://schemas.openxmlformats.org/presentationml/2006/main">
+  <p:cSld>
+    <p:spTree>
+      <p:nvGrpSpPr>
+        <p:cNvPr id="1" name=""/>
+        <p:cNvGrpSpPr/>
+        <p:nvPr/>
+      </p:nvGrpSpPr>
+      <p:grpSpPr>
+        <a:xfrm>
+          <a:off x="0" y="0"/>
+          <a:ext cx="0" cy="0"/>
+          <a:chOff x="0" y="0"/>
+          <a:chExt cx="0" cy="0"/>
+        </a:xfrm>
+      </p:grpSpPr>
+      <p:sp>
+        <p:nvSpPr>
+          <p:cNvPr id="217090" name="Rectangle 2"/>
+          <p:cNvSpPr>
+            <a:spLocks noGrp="1" noChangeArrowheads="1"/>
+          </p:cNvSpPr>
+          <p:nvPr>
+            <p:ph type="title"/>
+          </p:nvPr>
+        </p:nvSpPr>
+        <p:spPr>
+          <a:xfrm>
+            <a:off x="685800" y="0"/>
+            <a:ext cx="7772400" cy="1143000"/>
+          </a:xfrm>
+        </p:spPr>
+        <p:txBody>
+          <a:bodyPr/>
+          <a:lstStyle/>
+          <a:p>
+            <a:r>
+              <a:rPr lang="de-DE" sz="3600" dirty="0">
+                <a:latin typeface="Candara" panose="020E0502030303020204" pitchFamily="34" charset="0"/>
+              </a:rPr>
+              <a:t>Switch Energy</a:t>
+            </a:r>
+            <a:endParaRPr lang="en-GB" sz="3600" dirty="0">
+              <a:latin typeface="Candara" panose="020E0502030303020204" pitchFamily="34" charset="0"/>
+            </a:endParaRPr>
+          </a:p>
+        </p:txBody>
+      </p:sp>
+      <p:sp>
+        <p:nvSpPr>
+          <p:cNvPr id="217091" name="Rectangle 3"/>
+          <p:cNvSpPr>
+            <a:spLocks noGrp="1" noChangeArrowheads="1"/>
+          </p:cNvSpPr>
+          <p:nvPr>
+            <p:ph type="body" idx="1"/>
+          </p:nvPr>
+        </p:nvSpPr>
+        <p:spPr>
+          <a:xfrm>
+            <a:off x="685800" y="990600"/>
+            <a:ext cx="7772400" cy="5257800"/>
+          </a:xfrm>
+        </p:spPr>
+        <p:txBody>
+          <a:bodyPr/>
+          <a:lstStyle/>
+          <a:p>
+            <a:pPr>
+              <a:lnSpc>
+                <a:spcPct val="90000"/>
+              </a:lnSpc>
+            </a:pPr>
+            <a:r>
+              <a:rPr lang="de-DE" sz="2800" dirty="0">
+                <a:latin typeface="Candara" panose="020E0502030303020204" pitchFamily="34" charset="0"/>
+              </a:rPr>
+              <a:t>Switching away from oil, gas and coal to nuclear, hydro, wind, solar and biomass is technically feasible</a:t>
+            </a:r>
+          </a:p>
+          <a:p>
+            <a:pPr>
+              <a:lnSpc>
+                <a:spcPct val="90000"/>
+              </a:lnSpc>
+            </a:pPr>
+            <a:r>
+              <a:rPr lang="de-DE" sz="2800" dirty="0">
+                <a:solidFill>
+                  <a:schemeClr val="bg1">
+                    <a:lumMod val="65000"/>
+                  </a:schemeClr>
+                </a:solidFill>
+                <a:latin typeface="Candara" panose="020E0502030303020204" pitchFamily="34" charset="0"/>
+              </a:rPr>
+              <a:t>Nuclear and hydro are difficult politically and socially</a:t>
+            </a:r>
+          </a:p>
+          <a:p>
+            <a:pPr>
+              <a:lnSpc>
+                <a:spcPct val="90000"/>
+              </a:lnSpc>
+            </a:pPr>
+            <a:r>
+              <a:rPr lang="de-DE" sz="2800" dirty="0">
+                <a:solidFill>
+                  <a:schemeClr val="bg1">
+                    <a:lumMod val="65000"/>
+                  </a:schemeClr>
+                </a:solidFill>
+                <a:latin typeface="Candara" panose="020E0502030303020204" pitchFamily="34" charset="0"/>
+              </a:rPr>
+              <a:t>Wind is expensive and visually intrusive</a:t>
+            </a:r>
+          </a:p>
+          <a:p>
+            <a:pPr>
+              <a:lnSpc>
+                <a:spcPct val="90000"/>
+              </a:lnSpc>
+            </a:pPr>
+            <a:r>
+              <a:rPr lang="de-DE" sz="2800" dirty="0">
+                <a:solidFill>
+                  <a:schemeClr val="bg1">
+                    <a:lumMod val="65000"/>
+                  </a:schemeClr>
+                </a:solidFill>
+                <a:latin typeface="Candara" panose="020E0502030303020204" pitchFamily="34" charset="0"/>
+              </a:rPr>
+              <a:t>Solar is more expensive still, except in some niche markets</a:t>
+            </a:r>
+          </a:p>
+          <a:p>
+            <a:pPr>
+              <a:lnSpc>
+                <a:spcPct val="90000"/>
+              </a:lnSpc>
+            </a:pPr>
+            <a:r>
+              <a:rPr lang="de-DE" sz="2800" dirty="0">
+                <a:solidFill>
+                  <a:schemeClr val="bg1">
+                    <a:lumMod val="65000"/>
+                  </a:schemeClr>
+                </a:solidFill>
+                <a:latin typeface="Candara" panose="020E0502030303020204" pitchFamily="34" charset="0"/>
+              </a:rPr>
+              <a:t>Both wind and solar require storage and transport</a:t>
+            </a:r>
+          </a:p>
+          <a:p>
+            <a:pPr>
+              <a:lnSpc>
+                <a:spcPct val="90000"/>
+              </a:lnSpc>
+            </a:pPr>
+            <a:r>
+              <a:rPr lang="de-DE" sz="2800" dirty="0">
+                <a:solidFill>
+                  <a:schemeClr val="bg1">
+                    <a:lumMod val="65000"/>
+                  </a:schemeClr>
+                </a:solidFill>
+                <a:latin typeface="Candara" panose="020E0502030303020204" pitchFamily="34" charset="0"/>
+              </a:rPr>
+              <a:t>Biomass is too expensive, and bad for health, environment and food production</a:t>
+            </a:r>
+            <a:endParaRPr lang="en-GB" sz="2800" dirty="0">
+              <a:solidFill>
+                <a:schemeClr val="bg1">
+                  <a:lumMod val="65000"/>
+                </a:schemeClr>
+              </a:solidFill>
+              <a:latin typeface="Candara" panose="020E0502030303020204" pitchFamily="34" charset="0"/>
+            </a:endParaRPr>
+          </a:p>
+        </p:txBody>
+      </p:sp>
+    </p:spTree>
+    <p:extLst>
+      <p:ext uri="{BB962C8B-B14F-4D97-AF65-F5344CB8AC3E}">
+        <p14:creationId xmlns:p14="http://schemas.microsoft.com/office/powerpoint/2010/main" val="4021569742"/>
+      </p:ext>
+    </p:extLst>
+  </p:cSld>
+  <p:clrMapOvr>
+    <a:masterClrMapping/>
+  </p:clrMapOvr>
+</p:sld>
+</file>
+
+<file path=ppt/slides/slide21.xml><?xml version="1.0" encoding="utf-8"?>
 <p:sld xmlns:a="http://schemas.openxmlformats.org/drawingml/2006/main" xmlns:r="http://schemas.openxmlformats.org/officeDocument/2006/relationships" xmlns:p="http://schemas.openxmlformats.org/presentationml/2006/main">
   <p:cSld>
     <p:spTree>
@@ -8732,188 +8890,6 @@
 </p:sld>
 </file>
 
-<file path=ppt/slides/slide21.xml><?xml version="1.0" encoding="utf-8"?>
-<p:sld xmlns:a="http://schemas.openxmlformats.org/drawingml/2006/main" xmlns:r="http://schemas.openxmlformats.org/officeDocument/2006/relationships" xmlns:p="http://schemas.openxmlformats.org/presentationml/2006/main">
-  <p:cSld>
-    <p:spTree>
-      <p:nvGrpSpPr>
-        <p:cNvPr id="1" name=""/>
-        <p:cNvGrpSpPr/>
-        <p:nvPr/>
-      </p:nvGrpSpPr>
-      <p:grpSpPr>
-        <a:xfrm>
-          <a:off x="0" y="0"/>
-          <a:ext cx="0" cy="0"/>
-          <a:chOff x="0" y="0"/>
-          <a:chExt cx="0" cy="0"/>
-        </a:xfrm>
-      </p:grpSpPr>
-      <p:sp>
-        <p:nvSpPr>
-          <p:cNvPr id="217090" name="Rectangle 2"/>
-          <p:cNvSpPr>
-            <a:spLocks noGrp="1" noChangeArrowheads="1"/>
-          </p:cNvSpPr>
-          <p:nvPr>
-            <p:ph type="title"/>
-          </p:nvPr>
-        </p:nvSpPr>
-        <p:spPr>
-          <a:xfrm>
-            <a:off x="685800" y="0"/>
-            <a:ext cx="7772400" cy="1143000"/>
-          </a:xfrm>
-        </p:spPr>
-        <p:txBody>
-          <a:bodyPr/>
-          <a:lstStyle/>
-          <a:p>
-            <a:r>
-              <a:rPr lang="de-DE" sz="3600" dirty="0">
-                <a:latin typeface="Candara" panose="020E0502030303020204" pitchFamily="34" charset="0"/>
-              </a:rPr>
-              <a:t>Switch Energy</a:t>
-            </a:r>
-            <a:endParaRPr lang="en-GB" sz="3600" dirty="0">
-              <a:latin typeface="Candara" panose="020E0502030303020204" pitchFamily="34" charset="0"/>
-            </a:endParaRPr>
-          </a:p>
-        </p:txBody>
-      </p:sp>
-      <p:sp>
-        <p:nvSpPr>
-          <p:cNvPr id="217091" name="Rectangle 3"/>
-          <p:cNvSpPr>
-            <a:spLocks noGrp="1" noChangeArrowheads="1"/>
-          </p:cNvSpPr>
-          <p:nvPr>
-            <p:ph type="body" idx="1"/>
-          </p:nvPr>
-        </p:nvSpPr>
-        <p:spPr>
-          <a:xfrm>
-            <a:off x="685800" y="990600"/>
-            <a:ext cx="7772400" cy="5257800"/>
-          </a:xfrm>
-        </p:spPr>
-        <p:txBody>
-          <a:bodyPr/>
-          <a:lstStyle/>
-          <a:p>
-            <a:pPr>
-              <a:lnSpc>
-                <a:spcPct val="90000"/>
-              </a:lnSpc>
-            </a:pPr>
-            <a:r>
-              <a:rPr lang="de-DE" sz="2800" dirty="0">
-                <a:latin typeface="Candara" panose="020E0502030303020204" pitchFamily="34" charset="0"/>
-              </a:rPr>
-              <a:t>Switching away from oil, gas and coal to nuclear, hydro, wind, solar and biomass is technically feasible</a:t>
-            </a:r>
-          </a:p>
-          <a:p>
-            <a:pPr>
-              <a:lnSpc>
-                <a:spcPct val="90000"/>
-              </a:lnSpc>
-            </a:pPr>
-            <a:r>
-              <a:rPr lang="de-DE" sz="2800" dirty="0">
-                <a:latin typeface="Candara" panose="020E0502030303020204" pitchFamily="34" charset="0"/>
-              </a:rPr>
-              <a:t>Nuclear and hydro are difficult politically and socially</a:t>
-            </a:r>
-          </a:p>
-          <a:p>
-            <a:pPr>
-              <a:lnSpc>
-                <a:spcPct val="90000"/>
-              </a:lnSpc>
-            </a:pPr>
-            <a:r>
-              <a:rPr lang="de-DE" sz="2800" dirty="0">
-                <a:latin typeface="Candara" panose="020E0502030303020204" pitchFamily="34" charset="0"/>
-              </a:rPr>
-              <a:t>Wind is expensive and visually intrusive</a:t>
-            </a:r>
-          </a:p>
-          <a:p>
-            <a:pPr>
-              <a:lnSpc>
-                <a:spcPct val="90000"/>
-              </a:lnSpc>
-            </a:pPr>
-            <a:r>
-              <a:rPr lang="de-DE" sz="2800" dirty="0">
-                <a:latin typeface="Candara" panose="020E0502030303020204" pitchFamily="34" charset="0"/>
-              </a:rPr>
-              <a:t>Solar is expensive and has a waste problem</a:t>
-            </a:r>
-          </a:p>
-          <a:p>
-            <a:pPr>
-              <a:lnSpc>
-                <a:spcPct val="90000"/>
-              </a:lnSpc>
-            </a:pPr>
-            <a:r>
-              <a:rPr lang="de-DE" sz="2800" dirty="0">
-                <a:solidFill>
-                  <a:schemeClr val="tx1">
-                    <a:lumMod val="50000"/>
-                    <a:lumOff val="50000"/>
-                  </a:schemeClr>
-                </a:solidFill>
-                <a:latin typeface="Candara" panose="020E0502030303020204" pitchFamily="34" charset="0"/>
-              </a:rPr>
-              <a:t>Both wind and solar require storage and transport</a:t>
-            </a:r>
-          </a:p>
-          <a:p>
-            <a:pPr>
-              <a:lnSpc>
-                <a:spcPct val="90000"/>
-              </a:lnSpc>
-            </a:pPr>
-            <a:r>
-              <a:rPr lang="de-DE" sz="2800" dirty="0">
-                <a:solidFill>
-                  <a:schemeClr val="tx1">
-                    <a:lumMod val="50000"/>
-                    <a:lumOff val="50000"/>
-                  </a:schemeClr>
-                </a:solidFill>
-                <a:latin typeface="Candara" panose="020E0502030303020204" pitchFamily="34" charset="0"/>
-              </a:rPr>
-              <a:t>Biomass is too expensive, and bad for health, environment and food production</a:t>
-            </a:r>
-            <a:endParaRPr lang="en-GB" sz="2800" dirty="0">
-              <a:solidFill>
-                <a:schemeClr val="tx1">
-                  <a:lumMod val="50000"/>
-                  <a:lumOff val="50000"/>
-                </a:schemeClr>
-              </a:solidFill>
-              <a:latin typeface="Candara" panose="020E0502030303020204" pitchFamily="34" charset="0"/>
-            </a:endParaRPr>
-          </a:p>
-        </p:txBody>
-      </p:sp>
-    </p:spTree>
-    <p:extLst>
-      <p:ext uri="{BB962C8B-B14F-4D97-AF65-F5344CB8AC3E}">
-        <p14:creationId xmlns:p14="http://schemas.microsoft.com/office/powerpoint/2010/main" val="2985985855"/>
-      </p:ext>
-    </p:extLst>
-  </p:cSld>
-  <p:clrMapOvr>
-    <a:masterClrMapping/>
-  </p:clrMapOvr>
-</p:sld>
-</file>
-
 <file path=ppt/slides/slide22.xml><?xml version="1.0" encoding="utf-8"?>
 <p:sld xmlns:a="http://schemas.openxmlformats.org/drawingml/2006/main" xmlns:r="http://schemas.openxmlformats.org/officeDocument/2006/relationships" xmlns:p="http://schemas.openxmlformats.org/presentationml/2006/main">
   <p:cSld>
@@ -8931,46 +8907,186 @@
           <a:chExt cx="0" cy="0"/>
         </a:xfrm>
       </p:grpSpPr>
-      <p:pic>
-        <p:nvPicPr>
-          <p:cNvPr id="3" name="Picture 2">
-            <a:extLst>
-              <a:ext uri="{FF2B5EF4-FFF2-40B4-BE49-F238E27FC236}">
-                <a16:creationId xmlns:a16="http://schemas.microsoft.com/office/drawing/2014/main" id="{6DA7F175-E238-4D72-8F8F-CDE43CAB679B}"/>
-              </a:ext>
-            </a:extLst>
-          </p:cNvPr>
-          <p:cNvPicPr>
-            <a:picLocks noChangeAspect="1"/>
-          </p:cNvPicPr>
-          <p:nvPr/>
-        </p:nvPicPr>
-        <p:blipFill>
-          <a:blip r:embed="rId2">
-            <a:extLst>
-              <a:ext uri="{28A0092B-C50C-407E-A947-70E740481C1C}">
-                <a14:useLocalDpi xmlns:a14="http://schemas.microsoft.com/office/drawing/2010/main" val="0"/>
-              </a:ext>
-            </a:extLst>
-          </a:blip>
-          <a:stretch>
-            <a:fillRect/>
-          </a:stretch>
-        </p:blipFill>
+      <p:sp>
+        <p:nvSpPr>
+          <p:cNvPr id="217090" name="Rectangle 2"/>
+          <p:cNvSpPr>
+            <a:spLocks noGrp="1" noChangeArrowheads="1"/>
+          </p:cNvSpPr>
+          <p:nvPr>
+            <p:ph type="title"/>
+          </p:nvPr>
+        </p:nvSpPr>
         <p:spPr>
           <a:xfrm>
-            <a:off x="0" y="0"/>
-            <a:ext cx="9144000" cy="6411358"/>
+            <a:off x="685800" y="0"/>
+            <a:ext cx="7772400" cy="1143000"/>
           </a:xfrm>
-          <a:prstGeom prst="rect">
-            <a:avLst/>
-          </a:prstGeom>
-        </p:spPr>
-      </p:pic>
+        </p:spPr>
+        <p:txBody>
+          <a:bodyPr/>
+          <a:lstStyle/>
+          <a:p>
+            <a:r>
+              <a:rPr lang="de-DE" sz="3600" dirty="0">
+                <a:latin typeface="Candara" panose="020E0502030303020204" pitchFamily="34" charset="0"/>
+              </a:rPr>
+              <a:t>Switch Energy</a:t>
+            </a:r>
+            <a:endParaRPr lang="en-GB" sz="3600" dirty="0">
+              <a:latin typeface="Candara" panose="020E0502030303020204" pitchFamily="34" charset="0"/>
+            </a:endParaRPr>
+          </a:p>
+        </p:txBody>
+      </p:sp>
+      <p:sp>
+        <p:nvSpPr>
+          <p:cNvPr id="217091" name="Rectangle 3"/>
+          <p:cNvSpPr>
+            <a:spLocks noGrp="1" noChangeArrowheads="1"/>
+          </p:cNvSpPr>
+          <p:nvPr>
+            <p:ph type="body" idx="1"/>
+          </p:nvPr>
+        </p:nvSpPr>
+        <p:spPr>
+          <a:xfrm>
+            <a:off x="685800" y="990600"/>
+            <a:ext cx="7772400" cy="5257800"/>
+          </a:xfrm>
+        </p:spPr>
+        <p:txBody>
+          <a:bodyPr/>
+          <a:lstStyle/>
+          <a:p>
+            <a:pPr>
+              <a:lnSpc>
+                <a:spcPct val="90000"/>
+              </a:lnSpc>
+            </a:pPr>
+            <a:r>
+              <a:rPr lang="de-DE" sz="2800" dirty="0">
+                <a:latin typeface="Candara" panose="020E0502030303020204" pitchFamily="34" charset="0"/>
+              </a:rPr>
+              <a:t>Switching away from oil, gas and coal to nuclear, hydro, wind, solar and biomass is technically feasible</a:t>
+            </a:r>
+          </a:p>
+          <a:p>
+            <a:pPr>
+              <a:lnSpc>
+                <a:spcPct val="90000"/>
+              </a:lnSpc>
+            </a:pPr>
+            <a:r>
+              <a:rPr lang="de-DE" sz="2800" dirty="0">
+                <a:latin typeface="Candara" panose="020E0502030303020204" pitchFamily="34" charset="0"/>
+              </a:rPr>
+              <a:t>Nuclear and hydro are difficult politically and socially</a:t>
+            </a:r>
+          </a:p>
+          <a:p>
+            <a:pPr>
+              <a:lnSpc>
+                <a:spcPct val="90000"/>
+              </a:lnSpc>
+            </a:pPr>
+            <a:r>
+              <a:rPr lang="de-DE" sz="2800" dirty="0">
+                <a:latin typeface="Candara" panose="020E0502030303020204" pitchFamily="34" charset="0"/>
+              </a:rPr>
+              <a:t>Wind is </a:t>
+            </a:r>
+            <a:r>
+              <a:rPr lang="de-DE" sz="2800" strike="sngStrike" dirty="0">
+                <a:latin typeface="Candara" panose="020E0502030303020204" pitchFamily="34" charset="0"/>
+              </a:rPr>
+              <a:t>expensive and </a:t>
+            </a:r>
+            <a:r>
+              <a:rPr lang="de-DE" sz="2800" dirty="0">
+                <a:latin typeface="Candara" panose="020E0502030303020204" pitchFamily="34" charset="0"/>
+              </a:rPr>
+              <a:t>visually intrusive</a:t>
+            </a:r>
+          </a:p>
+          <a:p>
+            <a:pPr>
+              <a:lnSpc>
+                <a:spcPct val="90000"/>
+              </a:lnSpc>
+            </a:pPr>
+            <a:r>
+              <a:rPr lang="de-DE" sz="2800" dirty="0">
+                <a:latin typeface="Candara" panose="020E0502030303020204" pitchFamily="34" charset="0"/>
+              </a:rPr>
+              <a:t>Solar </a:t>
+            </a:r>
+            <a:r>
+              <a:rPr lang="de-DE" sz="2800" strike="sngStrike" dirty="0">
+                <a:latin typeface="Candara" panose="020E0502030303020204" pitchFamily="34" charset="0"/>
+              </a:rPr>
+              <a:t>is expensive and </a:t>
+            </a:r>
+            <a:r>
+              <a:rPr lang="de-DE" sz="2800" dirty="0">
+                <a:latin typeface="Candara" panose="020E0502030303020204" pitchFamily="34" charset="0"/>
+              </a:rPr>
+              <a:t>has a waste problem</a:t>
+            </a:r>
+          </a:p>
+          <a:p>
+            <a:pPr>
+              <a:lnSpc>
+                <a:spcPct val="90000"/>
+              </a:lnSpc>
+            </a:pPr>
+            <a:r>
+              <a:rPr lang="de-DE" sz="2800" dirty="0">
+                <a:solidFill>
+                  <a:schemeClr val="tx1">
+                    <a:lumMod val="50000"/>
+                    <a:lumOff val="50000"/>
+                  </a:schemeClr>
+                </a:solidFill>
+                <a:latin typeface="Candara" panose="020E0502030303020204" pitchFamily="34" charset="0"/>
+              </a:rPr>
+              <a:t>Both wind and solar require storage and transport</a:t>
+            </a:r>
+          </a:p>
+          <a:p>
+            <a:pPr>
+              <a:lnSpc>
+                <a:spcPct val="90000"/>
+              </a:lnSpc>
+            </a:pPr>
+            <a:r>
+              <a:rPr lang="de-DE" sz="2800" dirty="0">
+                <a:solidFill>
+                  <a:schemeClr val="tx1">
+                    <a:lumMod val="50000"/>
+                    <a:lumOff val="50000"/>
+                  </a:schemeClr>
+                </a:solidFill>
+                <a:latin typeface="Candara" panose="020E0502030303020204" pitchFamily="34" charset="0"/>
+              </a:rPr>
+              <a:t>Biomass is too expensive, and bad for health, environment and food production</a:t>
+            </a:r>
+            <a:endParaRPr lang="en-GB" sz="2800" dirty="0">
+              <a:solidFill>
+                <a:schemeClr val="tx1">
+                  <a:lumMod val="50000"/>
+                  <a:lumOff val="50000"/>
+                </a:schemeClr>
+              </a:solidFill>
+              <a:latin typeface="Candara" panose="020E0502030303020204" pitchFamily="34" charset="0"/>
+            </a:endParaRPr>
+          </a:p>
+        </p:txBody>
+      </p:sp>
     </p:spTree>
     <p:extLst>
       <p:ext uri="{BB962C8B-B14F-4D97-AF65-F5344CB8AC3E}">
-        <p14:creationId xmlns:p14="http://schemas.microsoft.com/office/powerpoint/2010/main" val="4226743949"/>
+        <p14:creationId xmlns:p14="http://schemas.microsoft.com/office/powerpoint/2010/main" val="2985985855"/>
       </p:ext>
     </p:extLst>
   </p:cSld>
@@ -8997,6 +9113,72 @@
           <a:chExt cx="0" cy="0"/>
         </a:xfrm>
       </p:grpSpPr>
+      <p:pic>
+        <p:nvPicPr>
+          <p:cNvPr id="4" name="Picture 3" descr="Line chart&#10;&#10;Description automatically generated">
+            <a:extLst>
+              <a:ext uri="{FF2B5EF4-FFF2-40B4-BE49-F238E27FC236}">
+                <a16:creationId xmlns:a16="http://schemas.microsoft.com/office/drawing/2014/main" id="{5BD26505-FFB8-457F-8C0E-41851E50A5AA}"/>
+              </a:ext>
+            </a:extLst>
+          </p:cNvPr>
+          <p:cNvPicPr>
+            <a:picLocks noChangeAspect="1"/>
+          </p:cNvPicPr>
+          <p:nvPr/>
+        </p:nvPicPr>
+        <p:blipFill>
+          <a:blip r:embed="rId2">
+            <a:extLst>
+              <a:ext uri="{28A0092B-C50C-407E-A947-70E740481C1C}">
+                <a14:useLocalDpi xmlns:a14="http://schemas.microsoft.com/office/drawing/2010/main" val="0"/>
+              </a:ext>
+            </a:extLst>
+          </a:blip>
+          <a:stretch>
+            <a:fillRect/>
+          </a:stretch>
+        </p:blipFill>
+        <p:spPr>
+          <a:xfrm>
+            <a:off x="422031" y="0"/>
+            <a:ext cx="8299938" cy="6858000"/>
+          </a:xfrm>
+          <a:prstGeom prst="rect">
+            <a:avLst/>
+          </a:prstGeom>
+        </p:spPr>
+      </p:pic>
+    </p:spTree>
+    <p:extLst>
+      <p:ext uri="{BB962C8B-B14F-4D97-AF65-F5344CB8AC3E}">
+        <p14:creationId xmlns:p14="http://schemas.microsoft.com/office/powerpoint/2010/main" val="4226743949"/>
+      </p:ext>
+    </p:extLst>
+  </p:cSld>
+  <p:clrMapOvr>
+    <a:masterClrMapping/>
+  </p:clrMapOvr>
+</p:sld>
+</file>
+
+<file path=ppt/slides/slide24.xml><?xml version="1.0" encoding="utf-8"?>
+<p:sld xmlns:a="http://schemas.openxmlformats.org/drawingml/2006/main" xmlns:r="http://schemas.openxmlformats.org/officeDocument/2006/relationships" xmlns:p="http://schemas.openxmlformats.org/presentationml/2006/main">
+  <p:cSld>
+    <p:spTree>
+      <p:nvGrpSpPr>
+        <p:cNvPr id="1" name=""/>
+        <p:cNvGrpSpPr/>
+        <p:nvPr/>
+      </p:nvGrpSpPr>
+      <p:grpSpPr>
+        <a:xfrm>
+          <a:off x="0" y="0"/>
+          <a:ext cx="0" cy="0"/>
+          <a:chOff x="0" y="0"/>
+          <a:chExt cx="0" cy="0"/>
+        </a:xfrm>
+      </p:grpSpPr>
       <p:sp>
         <p:nvSpPr>
           <p:cNvPr id="217090" name="Rectangle 2"/>
@@ -9084,7 +9266,19 @@
               <a:rPr lang="de-DE" sz="2800" dirty="0">
                 <a:latin typeface="Candara" panose="020E0502030303020204" pitchFamily="34" charset="0"/>
               </a:rPr>
-              <a:t>Wind is expensive and visually intrusive</a:t>
+              <a:t>Wind is </a:t>
+            </a:r>
+            <a:r>
+              <a:rPr lang="de-DE" sz="2800" strike="sngStrike" dirty="0">
+                <a:latin typeface="Candara" panose="020E0502030303020204" pitchFamily="34" charset="0"/>
+              </a:rPr>
+              <a:t>expensive and </a:t>
+            </a:r>
+            <a:r>
+              <a:rPr lang="de-DE" sz="2800" dirty="0">
+                <a:latin typeface="Candara" panose="020E0502030303020204" pitchFamily="34" charset="0"/>
+              </a:rPr>
+              <a:t>visually intrusive</a:t>
             </a:r>
           </a:p>
           <a:p>
@@ -9097,7 +9291,19 @@
               <a:rPr lang="de-DE" sz="2800" dirty="0">
                 <a:latin typeface="Candara" panose="020E0502030303020204" pitchFamily="34" charset="0"/>
               </a:rPr>
-              <a:t>Solar is expensive and has a waste problem</a:t>
+              <a:t>Solar </a:t>
+            </a:r>
+            <a:r>
+              <a:rPr lang="de-DE" sz="2800" strike="sngStrike" dirty="0">
+                <a:latin typeface="Candara" panose="020E0502030303020204" pitchFamily="34" charset="0"/>
+              </a:rPr>
+              <a:t>is expensive and </a:t>
+            </a:r>
+            <a:r>
+              <a:rPr lang="de-DE" sz="2800" dirty="0">
+                <a:latin typeface="Candara" panose="020E0502030303020204" pitchFamily="34" charset="0"/>
+              </a:rPr>
+              <a:t>has a waste problem</a:t>
             </a:r>
           </a:p>
           <a:p>
@@ -9144,7 +9350,7 @@
 </p:sld>
 </file>
 
-<file path=ppt/slides/slide24.xml><?xml version="1.0" encoding="utf-8"?>
+<file path=ppt/slides/slide25.xml><?xml version="1.0" encoding="utf-8"?>
 <p:sld xmlns:a="http://schemas.openxmlformats.org/drawingml/2006/main" xmlns:r="http://schemas.openxmlformats.org/officeDocument/2006/relationships" xmlns:p="http://schemas.openxmlformats.org/presentationml/2006/main">
   <p:cSld>
     <p:spTree>
@@ -9210,170 +9416,6 @@
 </p:sld>
 </file>
 
-<file path=ppt/slides/slide25.xml><?xml version="1.0" encoding="utf-8"?>
-<p:sld xmlns:a="http://schemas.openxmlformats.org/drawingml/2006/main" xmlns:r="http://schemas.openxmlformats.org/officeDocument/2006/relationships" xmlns:p="http://schemas.openxmlformats.org/presentationml/2006/main">
-  <p:cSld>
-    <p:spTree>
-      <p:nvGrpSpPr>
-        <p:cNvPr id="1" name=""/>
-        <p:cNvGrpSpPr/>
-        <p:nvPr/>
-      </p:nvGrpSpPr>
-      <p:grpSpPr>
-        <a:xfrm>
-          <a:off x="0" y="0"/>
-          <a:ext cx="0" cy="0"/>
-          <a:chOff x="0" y="0"/>
-          <a:chExt cx="0" cy="0"/>
-        </a:xfrm>
-      </p:grpSpPr>
-      <p:sp>
-        <p:nvSpPr>
-          <p:cNvPr id="217090" name="Rectangle 2"/>
-          <p:cNvSpPr>
-            <a:spLocks noGrp="1" noChangeArrowheads="1"/>
-          </p:cNvSpPr>
-          <p:nvPr>
-            <p:ph type="title"/>
-          </p:nvPr>
-        </p:nvSpPr>
-        <p:spPr>
-          <a:xfrm>
-            <a:off x="685800" y="0"/>
-            <a:ext cx="7772400" cy="1143000"/>
-          </a:xfrm>
-        </p:spPr>
-        <p:txBody>
-          <a:bodyPr/>
-          <a:lstStyle/>
-          <a:p>
-            <a:r>
-              <a:rPr lang="de-DE" sz="3600" dirty="0">
-                <a:latin typeface="Candara" panose="020E0502030303020204" pitchFamily="34" charset="0"/>
-              </a:rPr>
-              <a:t>Switch Energy</a:t>
-            </a:r>
-            <a:endParaRPr lang="en-GB" sz="3600" dirty="0">
-              <a:latin typeface="Candara" panose="020E0502030303020204" pitchFamily="34" charset="0"/>
-            </a:endParaRPr>
-          </a:p>
-        </p:txBody>
-      </p:sp>
-      <p:sp>
-        <p:nvSpPr>
-          <p:cNvPr id="217091" name="Rectangle 3"/>
-          <p:cNvSpPr>
-            <a:spLocks noGrp="1" noChangeArrowheads="1"/>
-          </p:cNvSpPr>
-          <p:nvPr>
-            <p:ph type="body" idx="1"/>
-          </p:nvPr>
-        </p:nvSpPr>
-        <p:spPr>
-          <a:xfrm>
-            <a:off x="685800" y="990600"/>
-            <a:ext cx="7772400" cy="5257800"/>
-          </a:xfrm>
-        </p:spPr>
-        <p:txBody>
-          <a:bodyPr/>
-          <a:lstStyle/>
-          <a:p>
-            <a:pPr>
-              <a:lnSpc>
-                <a:spcPct val="90000"/>
-              </a:lnSpc>
-            </a:pPr>
-            <a:r>
-              <a:rPr lang="de-DE" sz="2800" dirty="0">
-                <a:latin typeface="Candara" panose="020E0502030303020204" pitchFamily="34" charset="0"/>
-              </a:rPr>
-              <a:t>Switching away from oil, gas and coal to nuclear, hydro, wind, solar and biomass is technically feasible</a:t>
-            </a:r>
-          </a:p>
-          <a:p>
-            <a:pPr>
-              <a:lnSpc>
-                <a:spcPct val="90000"/>
-              </a:lnSpc>
-            </a:pPr>
-            <a:r>
-              <a:rPr lang="de-DE" sz="2800" dirty="0">
-                <a:latin typeface="Candara" panose="020E0502030303020204" pitchFamily="34" charset="0"/>
-              </a:rPr>
-              <a:t>Nuclear and hydro are difficult politically and socially</a:t>
-            </a:r>
-          </a:p>
-          <a:p>
-            <a:pPr>
-              <a:lnSpc>
-                <a:spcPct val="90000"/>
-              </a:lnSpc>
-            </a:pPr>
-            <a:r>
-              <a:rPr lang="de-DE" sz="2800" dirty="0">
-                <a:latin typeface="Candara" panose="020E0502030303020204" pitchFamily="34" charset="0"/>
-              </a:rPr>
-              <a:t>Wind is expensive and visually intrusive</a:t>
-            </a:r>
-          </a:p>
-          <a:p>
-            <a:pPr>
-              <a:lnSpc>
-                <a:spcPct val="90000"/>
-              </a:lnSpc>
-            </a:pPr>
-            <a:r>
-              <a:rPr lang="de-DE" sz="2800" dirty="0">
-                <a:latin typeface="Candara" panose="020E0502030303020204" pitchFamily="34" charset="0"/>
-              </a:rPr>
-              <a:t>Solar is expensive and has a waste problem</a:t>
-            </a:r>
-          </a:p>
-          <a:p>
-            <a:pPr>
-              <a:lnSpc>
-                <a:spcPct val="90000"/>
-              </a:lnSpc>
-            </a:pPr>
-            <a:r>
-              <a:rPr lang="de-DE" sz="2800" dirty="0">
-                <a:latin typeface="Candara" panose="020E0502030303020204" pitchFamily="34" charset="0"/>
-              </a:rPr>
-              <a:t>Both wind and solar require storage and transport</a:t>
-            </a:r>
-          </a:p>
-          <a:p>
-            <a:pPr>
-              <a:lnSpc>
-                <a:spcPct val="90000"/>
-              </a:lnSpc>
-            </a:pPr>
-            <a:r>
-              <a:rPr lang="de-DE" sz="2800" dirty="0">
-                <a:latin typeface="Candara" panose="020E0502030303020204" pitchFamily="34" charset="0"/>
-              </a:rPr>
-              <a:t>Biomass is too expensive, and bad for health, environment and food production</a:t>
-            </a:r>
-            <a:endParaRPr lang="en-GB" sz="2800" dirty="0">
-              <a:latin typeface="Candara" panose="020E0502030303020204" pitchFamily="34" charset="0"/>
-            </a:endParaRPr>
-          </a:p>
-        </p:txBody>
-      </p:sp>
-    </p:spTree>
-    <p:extLst>
-      <p:ext uri="{BB962C8B-B14F-4D97-AF65-F5344CB8AC3E}">
-        <p14:creationId xmlns:p14="http://schemas.microsoft.com/office/powerpoint/2010/main" val="4010054551"/>
-      </p:ext>
-    </p:extLst>
-  </p:cSld>
-  <p:clrMapOvr>
-    <a:masterClrMapping/>
-  </p:clrMapOvr>
-</p:sld>
-</file>
-
 <file path=ppt/slides/slide26.xml><?xml version="1.0" encoding="utf-8"?>
 <p:sld xmlns:a="http://schemas.openxmlformats.org/drawingml/2006/main" xmlns:r="http://schemas.openxmlformats.org/officeDocument/2006/relationships" xmlns:p="http://schemas.openxmlformats.org/presentationml/2006/main">
   <p:cSld>
@@ -9393,7 +9435,7 @@
       </p:grpSpPr>
       <p:sp>
         <p:nvSpPr>
-          <p:cNvPr id="277506" name="Rectangle 2"/>
+          <p:cNvPr id="217090" name="Rectangle 2"/>
           <p:cNvSpPr>
             <a:spLocks noGrp="1" noChangeArrowheads="1"/>
           </p:cNvSpPr>
@@ -9415,7 +9457,7 @@
               <a:rPr lang="de-DE" sz="3600" dirty="0">
                 <a:latin typeface="Candara" panose="020E0502030303020204" pitchFamily="34" charset="0"/>
               </a:rPr>
-              <a:t>Carbon Sinks</a:t>
+              <a:t>Switch Energy</a:t>
             </a:r>
             <a:endParaRPr lang="en-GB" sz="3600" dirty="0">
               <a:latin typeface="Candara" panose="020E0502030303020204" pitchFamily="34" charset="0"/>
@@ -9425,7 +9467,7 @@
       </p:sp>
       <p:sp>
         <p:nvSpPr>
-          <p:cNvPr id="277507" name="Rectangle 3"/>
+          <p:cNvPr id="217091" name="Rectangle 3"/>
           <p:cNvSpPr>
             <a:spLocks noGrp="1" noChangeArrowheads="1"/>
           </p:cNvSpPr>
@@ -9436,7 +9478,7 @@
         <p:spPr>
           <a:xfrm>
             <a:off x="685800" y="990600"/>
-            <a:ext cx="7772400" cy="4419600"/>
+            <a:ext cx="7772400" cy="5257800"/>
           </a:xfrm>
         </p:spPr>
         <p:txBody>
@@ -9452,7 +9494,7 @@
               <a:rPr lang="de-DE" sz="2800" dirty="0">
                 <a:latin typeface="Candara" panose="020E0502030303020204" pitchFamily="34" charset="0"/>
               </a:rPr>
-              <a:t>As deforestation is a source of carbon dioxide emissions, afforestation is a sink</a:t>
+              <a:t>Switching away from oil, gas and coal to nuclear, hydro, wind, solar and biomass is technically feasible</a:t>
             </a:r>
           </a:p>
           <a:p>
@@ -9465,7 +9507,7 @@
               <a:rPr lang="de-DE" sz="2800" dirty="0">
                 <a:latin typeface="Candara" panose="020E0502030303020204" pitchFamily="34" charset="0"/>
               </a:rPr>
-              <a:t>Note that the forests of North America and Europe are growing back</a:t>
+              <a:t>Nuclear and hydro are difficult politically and socially</a:t>
             </a:r>
           </a:p>
           <a:p>
@@ -9478,7 +9520,70 @@
               <a:rPr lang="de-DE" sz="2800" dirty="0">
                 <a:latin typeface="Candara" panose="020E0502030303020204" pitchFamily="34" charset="0"/>
               </a:rPr>
-              <a:t>If slowing deforestation in the tropics were easy, it would have been done for other reasons</a:t>
+              <a:t>Wind is </a:t>
+            </a:r>
+            <a:r>
+              <a:rPr lang="de-DE" sz="2800" strike="sngStrike" dirty="0">
+                <a:latin typeface="Candara" panose="020E0502030303020204" pitchFamily="34" charset="0"/>
+              </a:rPr>
+              <a:t>expensive and </a:t>
+            </a:r>
+            <a:r>
+              <a:rPr lang="de-DE" sz="2800" dirty="0">
+                <a:latin typeface="Candara" panose="020E0502030303020204" pitchFamily="34" charset="0"/>
+              </a:rPr>
+              <a:t>visually intrusive</a:t>
+            </a:r>
+          </a:p>
+          <a:p>
+            <a:pPr>
+              <a:lnSpc>
+                <a:spcPct val="90000"/>
+              </a:lnSpc>
+            </a:pPr>
+            <a:r>
+              <a:rPr lang="de-DE" sz="2800" dirty="0">
+                <a:latin typeface="Candara" panose="020E0502030303020204" pitchFamily="34" charset="0"/>
+              </a:rPr>
+              <a:t>Solar is </a:t>
+            </a:r>
+            <a:r>
+              <a:rPr lang="de-DE" sz="2800" strike="sngStrike" dirty="0">
+                <a:latin typeface="Candara" panose="020E0502030303020204" pitchFamily="34" charset="0"/>
+              </a:rPr>
+              <a:t>expensive and </a:t>
+            </a:r>
+            <a:r>
+              <a:rPr lang="de-DE" sz="2800" dirty="0">
+                <a:latin typeface="Candara" panose="020E0502030303020204" pitchFamily="34" charset="0"/>
+              </a:rPr>
+              <a:t>has a waste problem</a:t>
+            </a:r>
+          </a:p>
+          <a:p>
+            <a:pPr>
+              <a:lnSpc>
+                <a:spcPct val="90000"/>
+              </a:lnSpc>
+            </a:pPr>
+            <a:r>
+              <a:rPr lang="de-DE" sz="2800" dirty="0">
+                <a:latin typeface="Candara" panose="020E0502030303020204" pitchFamily="34" charset="0"/>
+              </a:rPr>
+              <a:t>Both wind and solar require storage and transport</a:t>
+            </a:r>
+          </a:p>
+          <a:p>
+            <a:pPr>
+              <a:lnSpc>
+                <a:spcPct val="90000"/>
+              </a:lnSpc>
+            </a:pPr>
+            <a:r>
+              <a:rPr lang="de-DE" sz="2800" dirty="0">
+                <a:latin typeface="Candara" panose="020E0502030303020204" pitchFamily="34" charset="0"/>
+              </a:rPr>
+              <a:t>Biomass is too expensive, and bad for health, environment and food production</a:t>
             </a:r>
             <a:endParaRPr lang="en-GB" sz="2800" dirty="0">
               <a:latin typeface="Candara" panose="020E0502030303020204" pitchFamily="34" charset="0"/>
@@ -9487,6 +9592,11 @@
         </p:txBody>
       </p:sp>
     </p:spTree>
+    <p:extLst>
+      <p:ext uri="{BB962C8B-B14F-4D97-AF65-F5344CB8AC3E}">
+        <p14:creationId xmlns:p14="http://schemas.microsoft.com/office/powerpoint/2010/main" val="4010054551"/>
+      </p:ext>
+    </p:extLst>
   </p:cSld>
   <p:clrMapOvr>
     <a:masterClrMapping/>
@@ -9513,7 +9623,7 @@
       </p:grpSpPr>
       <p:sp>
         <p:nvSpPr>
-          <p:cNvPr id="279554" name="Rectangle 2"/>
+          <p:cNvPr id="277506" name="Rectangle 2"/>
           <p:cNvSpPr>
             <a:spLocks noGrp="1" noChangeArrowheads="1"/>
           </p:cNvSpPr>
@@ -9535,7 +9645,7 @@
               <a:rPr lang="de-DE" sz="3600" dirty="0">
                 <a:latin typeface="Candara" panose="020E0502030303020204" pitchFamily="34" charset="0"/>
               </a:rPr>
-              <a:t>Carbon Capture and Storage</a:t>
+              <a:t>Carbon Sinks</a:t>
             </a:r>
             <a:endParaRPr lang="en-GB" sz="3600" dirty="0">
               <a:latin typeface="Candara" panose="020E0502030303020204" pitchFamily="34" charset="0"/>
@@ -9545,7 +9655,7 @@
       </p:sp>
       <p:sp>
         <p:nvSpPr>
-          <p:cNvPr id="279555" name="Rectangle 3"/>
+          <p:cNvPr id="277507" name="Rectangle 3"/>
           <p:cNvSpPr>
             <a:spLocks noGrp="1" noChangeArrowheads="1"/>
           </p:cNvSpPr>
@@ -9556,7 +9666,7 @@
         <p:spPr>
           <a:xfrm>
             <a:off x="685800" y="990600"/>
-            <a:ext cx="7772400" cy="4876800"/>
+            <a:ext cx="7772400" cy="4419600"/>
           </a:xfrm>
         </p:spPr>
         <p:txBody>
@@ -9572,7 +9682,7 @@
               <a:rPr lang="de-DE" sz="2800" dirty="0">
                 <a:latin typeface="Candara" panose="020E0502030303020204" pitchFamily="34" charset="0"/>
               </a:rPr>
-              <a:t>Take the CO2 out of the exhaust gas, and stick it in the ground</a:t>
+              <a:t>As deforestation is a source of carbon dioxide emissions, afforestation is a sink</a:t>
             </a:r>
           </a:p>
           <a:p>
@@ -9585,7 +9695,7 @@
               <a:rPr lang="de-DE" sz="2800" dirty="0">
                 <a:latin typeface="Candara" panose="020E0502030303020204" pitchFamily="34" charset="0"/>
               </a:rPr>
-              <a:t>Proven technology: soda, beer,  greenhouses, and enhanced oil recovery</a:t>
+              <a:t>Note that the forests of North America and Europe are growing back</a:t>
             </a:r>
           </a:p>
           <a:p>
@@ -9598,46 +9708,7 @@
               <a:rPr lang="de-DE" sz="2800" dirty="0">
                 <a:latin typeface="Candara" panose="020E0502030303020204" pitchFamily="34" charset="0"/>
               </a:rPr>
-              <a:t>However, abatement requires purpose-build storage at a much larger scale</a:t>
-            </a:r>
-          </a:p>
-          <a:p>
-            <a:pPr>
-              <a:lnSpc>
-                <a:spcPct val="90000"/>
-              </a:lnSpc>
-            </a:pPr>
-            <a:r>
-              <a:rPr lang="de-DE" sz="2800" dirty="0">
-                <a:latin typeface="Candara" panose="020E0502030303020204" pitchFamily="34" charset="0"/>
-              </a:rPr>
-              <a:t>Retrofit expensive, so for new power stations only</a:t>
-            </a:r>
-          </a:p>
-          <a:p>
-            <a:pPr>
-              <a:lnSpc>
-                <a:spcPct val="90000"/>
-              </a:lnSpc>
-            </a:pPr>
-            <a:r>
-              <a:rPr lang="de-DE" sz="2800" dirty="0">
-                <a:latin typeface="Candara" panose="020E0502030303020204" pitchFamily="34" charset="0"/>
-              </a:rPr>
-              <a:t>Issues with efficiency, cost, safety</a:t>
-            </a:r>
-          </a:p>
-          <a:p>
-            <a:pPr>
-              <a:lnSpc>
-                <a:spcPct val="90000"/>
-              </a:lnSpc>
-            </a:pPr>
-            <a:r>
-              <a:rPr lang="de-DE" sz="2800" dirty="0">
-                <a:latin typeface="Candara" panose="020E0502030303020204" pitchFamily="34" charset="0"/>
-              </a:rPr>
-              <a:t>End-of-pipe technology</a:t>
+              <a:t>If slowing deforestation in the tropics were easy, it would have been done for other reasons</a:t>
             </a:r>
             <a:endParaRPr lang="en-GB" sz="2800" dirty="0">
               <a:latin typeface="Candara" panose="020E0502030303020204" pitchFamily="34" charset="0"/>
@@ -9672,7 +9743,7 @@
       </p:grpSpPr>
       <p:sp>
         <p:nvSpPr>
-          <p:cNvPr id="281602" name="Rectangle 2"/>
+          <p:cNvPr id="279554" name="Rectangle 2"/>
           <p:cNvSpPr>
             <a:spLocks noGrp="1" noChangeArrowheads="1"/>
           </p:cNvSpPr>
@@ -9694,6 +9765,165 @@
               <a:rPr lang="de-DE" sz="3600" dirty="0">
                 <a:latin typeface="Candara" panose="020E0502030303020204" pitchFamily="34" charset="0"/>
               </a:rPr>
+              <a:t>Carbon Capture and Storage</a:t>
+            </a:r>
+            <a:endParaRPr lang="en-GB" sz="3600" dirty="0">
+              <a:latin typeface="Candara" panose="020E0502030303020204" pitchFamily="34" charset="0"/>
+            </a:endParaRPr>
+          </a:p>
+        </p:txBody>
+      </p:sp>
+      <p:sp>
+        <p:nvSpPr>
+          <p:cNvPr id="279555" name="Rectangle 3"/>
+          <p:cNvSpPr>
+            <a:spLocks noGrp="1" noChangeArrowheads="1"/>
+          </p:cNvSpPr>
+          <p:nvPr>
+            <p:ph type="body" idx="1"/>
+          </p:nvPr>
+        </p:nvSpPr>
+        <p:spPr>
+          <a:xfrm>
+            <a:off x="685800" y="990600"/>
+            <a:ext cx="7772400" cy="4876800"/>
+          </a:xfrm>
+        </p:spPr>
+        <p:txBody>
+          <a:bodyPr/>
+          <a:lstStyle/>
+          <a:p>
+            <a:pPr>
+              <a:lnSpc>
+                <a:spcPct val="90000"/>
+              </a:lnSpc>
+            </a:pPr>
+            <a:r>
+              <a:rPr lang="de-DE" sz="2800" dirty="0">
+                <a:latin typeface="Candara" panose="020E0502030303020204" pitchFamily="34" charset="0"/>
+              </a:rPr>
+              <a:t>Take the CO2 out of the exhaust gas, and stick it in the ground</a:t>
+            </a:r>
+          </a:p>
+          <a:p>
+            <a:pPr>
+              <a:lnSpc>
+                <a:spcPct val="90000"/>
+              </a:lnSpc>
+            </a:pPr>
+            <a:r>
+              <a:rPr lang="de-DE" sz="2800" dirty="0">
+                <a:latin typeface="Candara" panose="020E0502030303020204" pitchFamily="34" charset="0"/>
+              </a:rPr>
+              <a:t>Proven technology: soda, beer,  greenhouses, and enhanced oil recovery</a:t>
+            </a:r>
+          </a:p>
+          <a:p>
+            <a:pPr>
+              <a:lnSpc>
+                <a:spcPct val="90000"/>
+              </a:lnSpc>
+            </a:pPr>
+            <a:r>
+              <a:rPr lang="de-DE" sz="2800" dirty="0">
+                <a:latin typeface="Candara" panose="020E0502030303020204" pitchFamily="34" charset="0"/>
+              </a:rPr>
+              <a:t>However, abatement requires purpose-build storage at a much larger scale</a:t>
+            </a:r>
+          </a:p>
+          <a:p>
+            <a:pPr>
+              <a:lnSpc>
+                <a:spcPct val="90000"/>
+              </a:lnSpc>
+            </a:pPr>
+            <a:r>
+              <a:rPr lang="de-DE" sz="2800" dirty="0">
+                <a:latin typeface="Candara" panose="020E0502030303020204" pitchFamily="34" charset="0"/>
+              </a:rPr>
+              <a:t>Retrofit expensive, so for new power stations only</a:t>
+            </a:r>
+          </a:p>
+          <a:p>
+            <a:pPr>
+              <a:lnSpc>
+                <a:spcPct val="90000"/>
+              </a:lnSpc>
+            </a:pPr>
+            <a:r>
+              <a:rPr lang="de-DE" sz="2800" dirty="0">
+                <a:latin typeface="Candara" panose="020E0502030303020204" pitchFamily="34" charset="0"/>
+              </a:rPr>
+              <a:t>Issues with efficiency, cost, safety</a:t>
+            </a:r>
+          </a:p>
+          <a:p>
+            <a:pPr>
+              <a:lnSpc>
+                <a:spcPct val="90000"/>
+              </a:lnSpc>
+            </a:pPr>
+            <a:r>
+              <a:rPr lang="de-DE" sz="2800" dirty="0">
+                <a:latin typeface="Candara" panose="020E0502030303020204" pitchFamily="34" charset="0"/>
+              </a:rPr>
+              <a:t>End-of-pipe technology</a:t>
+            </a:r>
+            <a:endParaRPr lang="en-GB" sz="2800" dirty="0">
+              <a:latin typeface="Candara" panose="020E0502030303020204" pitchFamily="34" charset="0"/>
+            </a:endParaRPr>
+          </a:p>
+        </p:txBody>
+      </p:sp>
+    </p:spTree>
+  </p:cSld>
+  <p:clrMapOvr>
+    <a:masterClrMapping/>
+  </p:clrMapOvr>
+</p:sld>
+</file>
+
+<file path=ppt/slides/slide29.xml><?xml version="1.0" encoding="utf-8"?>
+<p:sld xmlns:a="http://schemas.openxmlformats.org/drawingml/2006/main" xmlns:r="http://schemas.openxmlformats.org/officeDocument/2006/relationships" xmlns:p="http://schemas.openxmlformats.org/presentationml/2006/main">
+  <p:cSld>
+    <p:spTree>
+      <p:nvGrpSpPr>
+        <p:cNvPr id="1" name=""/>
+        <p:cNvGrpSpPr/>
+        <p:nvPr/>
+      </p:nvGrpSpPr>
+      <p:grpSpPr>
+        <a:xfrm>
+          <a:off x="0" y="0"/>
+          <a:ext cx="0" cy="0"/>
+          <a:chOff x="0" y="0"/>
+          <a:chExt cx="0" cy="0"/>
+        </a:xfrm>
+      </p:grpSpPr>
+      <p:sp>
+        <p:nvSpPr>
+          <p:cNvPr id="281602" name="Rectangle 2"/>
+          <p:cNvSpPr>
+            <a:spLocks noGrp="1" noChangeArrowheads="1"/>
+          </p:cNvSpPr>
+          <p:nvPr>
+            <p:ph type="title"/>
+          </p:nvPr>
+        </p:nvSpPr>
+        <p:spPr>
+          <a:xfrm>
+            <a:off x="685800" y="0"/>
+            <a:ext cx="7772400" cy="1143000"/>
+          </a:xfrm>
+        </p:spPr>
+        <p:txBody>
+          <a:bodyPr/>
+          <a:lstStyle/>
+          <a:p>
+            <a:r>
+              <a:rPr lang="de-DE" sz="3600" dirty="0">
+                <a:latin typeface="Candara" panose="020E0502030303020204" pitchFamily="34" charset="0"/>
+              </a:rPr>
               <a:t>Geoengineering</a:t>
             </a:r>
             <a:endParaRPr lang="en-GB" sz="3600" dirty="0">
@@ -9768,6 +9998,12 @@
             </a:pPr>
             <a:r>
               <a:rPr lang="de-DE" sz="2800" dirty="0">
+                <a:solidFill>
+                  <a:schemeClr val="tx1">
+                    <a:lumMod val="50000"/>
+                    <a:lumOff val="50000"/>
+                  </a:schemeClr>
+                </a:solidFill>
                 <a:latin typeface="Candara" panose="020E0502030303020204" pitchFamily="34" charset="0"/>
               </a:rPr>
               <a:t>Great uncertainty</a:t>
@@ -9781,6 +10017,12 @@
             </a:pPr>
             <a:r>
               <a:rPr lang="de-DE" sz="2800" dirty="0">
+                <a:solidFill>
+                  <a:schemeClr val="tx1">
+                    <a:lumMod val="50000"/>
+                    <a:lumOff val="50000"/>
+                  </a:schemeClr>
+                </a:solidFill>
                 <a:latin typeface="Candara" panose="020E0502030303020204" pitchFamily="34" charset="0"/>
               </a:rPr>
               <a:t>Previous experiments went wrong (quite so)</a:t>
@@ -9794,6 +10036,12 @@
             </a:pPr>
             <a:r>
               <a:rPr lang="de-DE" sz="2800" dirty="0">
+                <a:solidFill>
+                  <a:schemeClr val="tx1">
+                    <a:lumMod val="50000"/>
+                    <a:lumOff val="50000"/>
+                  </a:schemeClr>
+                </a:solidFill>
                 <a:latin typeface="Candara" panose="020E0502030303020204" pitchFamily="34" charset="0"/>
               </a:rPr>
               <a:t>Nonetheless, most of this is cheap and simple</a:t>
@@ -9807,11 +10055,23 @@
             </a:pPr>
             <a:r>
               <a:rPr lang="de-DE" sz="2800" dirty="0">
+                <a:solidFill>
+                  <a:schemeClr val="tx1">
+                    <a:lumMod val="50000"/>
+                    <a:lumOff val="50000"/>
+                  </a:schemeClr>
+                </a:solidFill>
                 <a:latin typeface="Candara" panose="020E0502030303020204" pitchFamily="34" charset="0"/>
               </a:rPr>
               <a:t>Unclear who will/should decide on geoengineering</a:t>
             </a:r>
             <a:endParaRPr lang="en-GB" sz="2800" dirty="0">
+              <a:solidFill>
+                <a:schemeClr val="tx1">
+                  <a:lumMod val="50000"/>
+                  <a:lumOff val="50000"/>
+                </a:schemeClr>
+              </a:solidFill>
               <a:latin typeface="Candara" panose="020E0502030303020204" pitchFamily="34" charset="0"/>
             </a:endParaRPr>
           </a:p>
@@ -9882,6 +10142,243 @@
     <p:extLst>
       <p:ext uri="{BB962C8B-B14F-4D97-AF65-F5344CB8AC3E}">
         <p14:creationId xmlns:p14="http://schemas.microsoft.com/office/powerpoint/2010/main" val="2162467227"/>
+      </p:ext>
+    </p:extLst>
+  </p:cSld>
+  <p:clrMapOvr>
+    <a:masterClrMapping/>
+  </p:clrMapOvr>
+</p:sld>
+</file>
+
+<file path=ppt/slides/slide30.xml><?xml version="1.0" encoding="utf-8"?>
+<p:sld xmlns:a="http://schemas.openxmlformats.org/drawingml/2006/main" xmlns:r="http://schemas.openxmlformats.org/officeDocument/2006/relationships" xmlns:p="http://schemas.openxmlformats.org/presentationml/2006/main">
+  <p:cSld>
+    <p:spTree>
+      <p:nvGrpSpPr>
+        <p:cNvPr id="1" name=""/>
+        <p:cNvGrpSpPr/>
+        <p:nvPr/>
+      </p:nvGrpSpPr>
+      <p:grpSpPr>
+        <a:xfrm>
+          <a:off x="0" y="0"/>
+          <a:ext cx="0" cy="0"/>
+          <a:chOff x="0" y="0"/>
+          <a:chExt cx="0" cy="0"/>
+        </a:xfrm>
+      </p:grpSpPr>
+      <p:pic>
+        <p:nvPicPr>
+          <p:cNvPr id="2" name="Picture 1"/>
+          <p:cNvPicPr>
+            <a:picLocks noChangeAspect="1"/>
+          </p:cNvPicPr>
+          <p:nvPr/>
+        </p:nvPicPr>
+        <p:blipFill>
+          <a:blip r:embed="rId2">
+            <a:extLst>
+              <a:ext uri="{28A0092B-C50C-407E-A947-70E740481C1C}">
+                <a14:useLocalDpi xmlns:a14="http://schemas.microsoft.com/office/drawing/2010/main" val="0"/>
+              </a:ext>
+            </a:extLst>
+          </a:blip>
+          <a:stretch>
+            <a:fillRect/>
+          </a:stretch>
+        </p:blipFill>
+        <p:spPr>
+          <a:xfrm>
+            <a:off x="1219200" y="0"/>
+            <a:ext cx="6705600" cy="6804212"/>
+          </a:xfrm>
+          <a:prstGeom prst="rect">
+            <a:avLst/>
+          </a:prstGeom>
+        </p:spPr>
+      </p:pic>
+    </p:spTree>
+    <p:extLst>
+      <p:ext uri="{BB962C8B-B14F-4D97-AF65-F5344CB8AC3E}">
+        <p14:creationId xmlns:p14="http://schemas.microsoft.com/office/powerpoint/2010/main" val="3870210089"/>
+      </p:ext>
+    </p:extLst>
+  </p:cSld>
+  <p:clrMapOvr>
+    <a:masterClrMapping/>
+  </p:clrMapOvr>
+</p:sld>
+</file>
+
+<file path=ppt/slides/slide31.xml><?xml version="1.0" encoding="utf-8"?>
+<p:sld xmlns:a="http://schemas.openxmlformats.org/drawingml/2006/main" xmlns:r="http://schemas.openxmlformats.org/officeDocument/2006/relationships" xmlns:p="http://schemas.openxmlformats.org/presentationml/2006/main">
+  <p:cSld>
+    <p:spTree>
+      <p:nvGrpSpPr>
+        <p:cNvPr id="1" name=""/>
+        <p:cNvGrpSpPr/>
+        <p:nvPr/>
+      </p:nvGrpSpPr>
+      <p:grpSpPr>
+        <a:xfrm>
+          <a:off x="0" y="0"/>
+          <a:ext cx="0" cy="0"/>
+          <a:chOff x="0" y="0"/>
+          <a:chExt cx="0" cy="0"/>
+        </a:xfrm>
+      </p:grpSpPr>
+      <p:sp>
+        <p:nvSpPr>
+          <p:cNvPr id="281602" name="Rectangle 2"/>
+          <p:cNvSpPr>
+            <a:spLocks noGrp="1" noChangeArrowheads="1"/>
+          </p:cNvSpPr>
+          <p:nvPr>
+            <p:ph type="title"/>
+          </p:nvPr>
+        </p:nvSpPr>
+        <p:spPr>
+          <a:xfrm>
+            <a:off x="685800" y="0"/>
+            <a:ext cx="7772400" cy="1143000"/>
+          </a:xfrm>
+        </p:spPr>
+        <p:txBody>
+          <a:bodyPr/>
+          <a:lstStyle/>
+          <a:p>
+            <a:r>
+              <a:rPr lang="de-DE" sz="3600" dirty="0">
+                <a:latin typeface="Candara" panose="020E0502030303020204" pitchFamily="34" charset="0"/>
+              </a:rPr>
+              <a:t>Geoengineering</a:t>
+            </a:r>
+            <a:endParaRPr lang="en-GB" sz="3600" dirty="0">
+              <a:latin typeface="Candara" panose="020E0502030303020204" pitchFamily="34" charset="0"/>
+            </a:endParaRPr>
+          </a:p>
+        </p:txBody>
+      </p:sp>
+      <p:sp>
+        <p:nvSpPr>
+          <p:cNvPr id="281603" name="Rectangle 3"/>
+          <p:cNvSpPr>
+            <a:spLocks noGrp="1" noChangeArrowheads="1"/>
+          </p:cNvSpPr>
+          <p:nvPr>
+            <p:ph type="body" idx="1"/>
+          </p:nvPr>
+        </p:nvSpPr>
+        <p:spPr>
+          <a:xfrm>
+            <a:off x="685800" y="1066800"/>
+            <a:ext cx="7772400" cy="4114800"/>
+          </a:xfrm>
+        </p:spPr>
+        <p:txBody>
+          <a:bodyPr/>
+          <a:lstStyle/>
+          <a:p>
+            <a:pPr>
+              <a:lnSpc>
+                <a:spcPct val="90000"/>
+              </a:lnSpc>
+            </a:pPr>
+            <a:r>
+              <a:rPr lang="de-DE" sz="2800" dirty="0">
+                <a:latin typeface="Candara" panose="020E0502030303020204" pitchFamily="34" charset="0"/>
+              </a:rPr>
+              <a:t>Change the climate again</a:t>
+            </a:r>
+          </a:p>
+          <a:p>
+            <a:pPr>
+              <a:lnSpc>
+                <a:spcPct val="90000"/>
+              </a:lnSpc>
+            </a:pPr>
+            <a:r>
+              <a:rPr lang="de-DE" sz="2800" dirty="0">
+                <a:latin typeface="Candara" panose="020E0502030303020204" pitchFamily="34" charset="0"/>
+              </a:rPr>
+              <a:t>Dust in the atmosphere</a:t>
+            </a:r>
+          </a:p>
+          <a:p>
+            <a:pPr>
+              <a:lnSpc>
+                <a:spcPct val="90000"/>
+              </a:lnSpc>
+            </a:pPr>
+            <a:r>
+              <a:rPr lang="de-DE" sz="2800" dirty="0">
+                <a:latin typeface="Candara" panose="020E0502030303020204" pitchFamily="34" charset="0"/>
+              </a:rPr>
+              <a:t>Mirrors in space</a:t>
+            </a:r>
+          </a:p>
+          <a:p>
+            <a:pPr>
+              <a:lnSpc>
+                <a:spcPct val="90000"/>
+              </a:lnSpc>
+            </a:pPr>
+            <a:r>
+              <a:rPr lang="de-DE" sz="2800" dirty="0">
+                <a:latin typeface="Candara" panose="020E0502030303020204" pitchFamily="34" charset="0"/>
+              </a:rPr>
+              <a:t>Great uncertainty</a:t>
+            </a:r>
+          </a:p>
+          <a:p>
+            <a:pPr>
+              <a:lnSpc>
+                <a:spcPct val="90000"/>
+              </a:lnSpc>
+            </a:pPr>
+            <a:r>
+              <a:rPr lang="de-DE" sz="2800" dirty="0">
+                <a:latin typeface="Candara" panose="020E0502030303020204" pitchFamily="34" charset="0"/>
+              </a:rPr>
+              <a:t>Previous experiments went wrong (quite so)</a:t>
+            </a:r>
+          </a:p>
+          <a:p>
+            <a:pPr>
+              <a:lnSpc>
+                <a:spcPct val="90000"/>
+              </a:lnSpc>
+            </a:pPr>
+            <a:r>
+              <a:rPr lang="de-DE" sz="2800" dirty="0">
+                <a:latin typeface="Candara" panose="020E0502030303020204" pitchFamily="34" charset="0"/>
+              </a:rPr>
+              <a:t>Nonetheless, most of this is cheap and simple</a:t>
+            </a:r>
+          </a:p>
+          <a:p>
+            <a:pPr>
+              <a:lnSpc>
+                <a:spcPct val="90000"/>
+              </a:lnSpc>
+            </a:pPr>
+            <a:r>
+              <a:rPr lang="de-DE" sz="2800" dirty="0">
+                <a:latin typeface="Candara" panose="020E0502030303020204" pitchFamily="34" charset="0"/>
+              </a:rPr>
+              <a:t>Unclear who will/should decide on geoengineering</a:t>
+            </a:r>
+            <a:endParaRPr lang="en-GB" sz="2800" dirty="0">
+              <a:latin typeface="Candara" panose="020E0502030303020204" pitchFamily="34" charset="0"/>
+            </a:endParaRPr>
+          </a:p>
+        </p:txBody>
+      </p:sp>
+    </p:spTree>
+    <p:extLst>
+      <p:ext uri="{BB962C8B-B14F-4D97-AF65-F5344CB8AC3E}">
+        <p14:creationId xmlns:p14="http://schemas.microsoft.com/office/powerpoint/2010/main" val="2186714614"/>
       </p:ext>
     </p:extLst>
   </p:cSld>
@@ -10058,7 +10555,7 @@
               </a:lnSpc>
             </a:pPr>
             <a:r>
-              <a:rPr lang="en-GB" sz="2000" dirty="0">
+              <a:rPr lang="en-GB" dirty="0">
                 <a:latin typeface="Candara" panose="020E0502030303020204" pitchFamily="34" charset="0"/>
               </a:rPr>
               <a:t>Peat 117, Coal 95, Petrol 70, Gas 57 tCO2/TJ</a:t>
@@ -10068,7 +10565,13 @@
       </p:sp>
       <p:pic>
         <p:nvPicPr>
-          <p:cNvPr id="2" name="Picture 1"/>
+          <p:cNvPr id="6" name="Picture 5" descr="Logo, company name, bubble chart&#10;&#10;Description automatically generated">
+            <a:extLst>
+              <a:ext uri="{FF2B5EF4-FFF2-40B4-BE49-F238E27FC236}">
+                <a16:creationId xmlns:a16="http://schemas.microsoft.com/office/drawing/2014/main" id="{3F154CAD-8439-48A1-80FE-BFCF40690AE4}"/>
+              </a:ext>
+            </a:extLst>
+          </p:cNvPr>
           <p:cNvPicPr>
             <a:picLocks noChangeAspect="1"/>
           </p:cNvPicPr>
@@ -10088,8 +10591,8 @@
         </p:blipFill>
         <p:spPr>
           <a:xfrm>
-            <a:off x="0" y="2872644"/>
-            <a:ext cx="9144000" cy="3985356"/>
+            <a:off x="5867401" y="3595963"/>
+            <a:ext cx="3276600" cy="3262037"/>
           </a:xfrm>
           <a:prstGeom prst="rect">
             <a:avLst/>
@@ -10123,35 +10626,41 @@
       </p:grpSpPr>
       <p:pic>
         <p:nvPicPr>
-          <p:cNvPr id="348162" name="Picture 2"/>
+          <p:cNvPr id="4" name="Graphic 3">
+            <a:extLst>
+              <a:ext uri="{FF2B5EF4-FFF2-40B4-BE49-F238E27FC236}">
+                <a16:creationId xmlns:a16="http://schemas.microsoft.com/office/drawing/2014/main" id="{958CDDE5-8511-452A-80D9-89D1556D526C}"/>
+              </a:ext>
+            </a:extLst>
+          </p:cNvPr>
           <p:cNvPicPr>
-            <a:picLocks noChangeAspect="1" noChangeArrowheads="1"/>
+            <a:picLocks noChangeAspect="1"/>
           </p:cNvPicPr>
           <p:nvPr/>
         </p:nvPicPr>
         <p:blipFill>
-          <a:blip r:embed="rId2" cstate="print"/>
-          <a:srcRect/>
+          <a:blip r:embed="rId2">
+            <a:extLst>
+              <a:ext uri="{28A0092B-C50C-407E-A947-70E740481C1C}">
+                <a14:useLocalDpi xmlns:a14="http://schemas.microsoft.com/office/drawing/2010/main" val="0"/>
+              </a:ext>
+              <a:ext uri="{96DAC541-7B7A-43D3-8B79-37D633B846F1}">
+                <asvg:svgBlip xmlns:asvg="http://schemas.microsoft.com/office/drawing/2016/SVG/main" r:embed="rId3"/>
+              </a:ext>
+            </a:extLst>
+          </a:blip>
           <a:stretch>
             <a:fillRect/>
           </a:stretch>
         </p:blipFill>
-        <p:spPr bwMode="auto">
+        <p:spPr>
           <a:xfrm>
-            <a:off x="0" y="-1"/>
-            <a:ext cx="9144000" cy="6659327"/>
+            <a:off x="0" y="-19878"/>
+            <a:ext cx="9144000" cy="4219153"/>
           </a:xfrm>
           <a:prstGeom prst="rect">
             <a:avLst/>
           </a:prstGeom>
-          <a:noFill/>
-          <a:ln w="9525">
-            <a:noFill/>
-            <a:miter lim="800000"/>
-            <a:headEnd/>
-            <a:tailEnd/>
-          </a:ln>
-          <a:effectLst/>
         </p:spPr>
       </p:pic>
     </p:spTree>
@@ -10163,283 +10672,6 @@
 </file>
 
 <file path=ppt/slides/slide7.xml><?xml version="1.0" encoding="utf-8"?>
-<p:sld xmlns:a="http://schemas.openxmlformats.org/drawingml/2006/main" xmlns:r="http://schemas.openxmlformats.org/officeDocument/2006/relationships" xmlns:p="http://schemas.openxmlformats.org/presentationml/2006/main">
-  <p:cSld>
-    <p:spTree>
-      <p:nvGrpSpPr>
-        <p:cNvPr id="1" name=""/>
-        <p:cNvGrpSpPr/>
-        <p:nvPr/>
-      </p:nvGrpSpPr>
-      <p:grpSpPr>
-        <a:xfrm>
-          <a:off x="0" y="0"/>
-          <a:ext cx="0" cy="0"/>
-          <a:chOff x="0" y="0"/>
-          <a:chExt cx="0" cy="0"/>
-        </a:xfrm>
-      </p:grpSpPr>
-      <p:sp>
-        <p:nvSpPr>
-          <p:cNvPr id="190466" name="Rectangle 2"/>
-          <p:cNvSpPr>
-            <a:spLocks noGrp="1" noChangeArrowheads="1"/>
-          </p:cNvSpPr>
-          <p:nvPr>
-            <p:ph type="title"/>
-          </p:nvPr>
-        </p:nvSpPr>
-        <p:spPr>
-          <a:xfrm>
-            <a:off x="762000" y="-76200"/>
-            <a:ext cx="7772400" cy="1143000"/>
-          </a:xfrm>
-        </p:spPr>
-        <p:txBody>
-          <a:bodyPr/>
-          <a:lstStyle/>
-          <a:p>
-            <a:r>
-              <a:rPr lang="de-DE" sz="3200" dirty="0">
-                <a:latin typeface="Candara" panose="020E0502030303020204" pitchFamily="34" charset="0"/>
-              </a:rPr>
-              <a:t>Sources of greenhouse gas emissions</a:t>
-            </a:r>
-            <a:endParaRPr lang="en-GB" sz="3200" dirty="0">
-              <a:latin typeface="Candara" panose="020E0502030303020204" pitchFamily="34" charset="0"/>
-            </a:endParaRPr>
-          </a:p>
-        </p:txBody>
-      </p:sp>
-      <p:sp>
-        <p:nvSpPr>
-          <p:cNvPr id="190467" name="Rectangle 3"/>
-          <p:cNvSpPr>
-            <a:spLocks noGrp="1" noChangeArrowheads="1"/>
-          </p:cNvSpPr>
-          <p:nvPr>
-            <p:ph type="body" idx="1"/>
-          </p:nvPr>
-        </p:nvSpPr>
-        <p:spPr>
-          <a:xfrm>
-            <a:off x="685800" y="838200"/>
-            <a:ext cx="7772400" cy="5486400"/>
-          </a:xfrm>
-        </p:spPr>
-        <p:txBody>
-          <a:bodyPr/>
-          <a:lstStyle/>
-          <a:p>
-            <a:pPr>
-              <a:lnSpc>
-                <a:spcPct val="90000"/>
-              </a:lnSpc>
-            </a:pPr>
-            <a:r>
-              <a:rPr lang="de-DE" sz="2800" dirty="0">
-                <a:latin typeface="Candara" panose="020E0502030303020204" pitchFamily="34" charset="0"/>
-              </a:rPr>
-              <a:t>Carbon dioxide</a:t>
-            </a:r>
-          </a:p>
-          <a:p>
-            <a:pPr lvl="1">
-              <a:lnSpc>
-                <a:spcPct val="90000"/>
-              </a:lnSpc>
-            </a:pPr>
-            <a:r>
-              <a:rPr lang="en-GB" sz="2400" dirty="0">
-                <a:latin typeface="Candara" panose="020E0502030303020204" pitchFamily="34" charset="0"/>
-              </a:rPr>
-              <a:t>Combustion of fossil fuels</a:t>
-            </a:r>
-          </a:p>
-          <a:p>
-            <a:pPr lvl="1">
-              <a:lnSpc>
-                <a:spcPct val="90000"/>
-              </a:lnSpc>
-            </a:pPr>
-            <a:r>
-              <a:rPr lang="en-GB" sz="2400" dirty="0">
-                <a:latin typeface="Candara" panose="020E0502030303020204" pitchFamily="34" charset="0"/>
-              </a:rPr>
-              <a:t>Land use change</a:t>
-            </a:r>
-          </a:p>
-          <a:p>
-            <a:pPr lvl="1">
-              <a:lnSpc>
-                <a:spcPct val="90000"/>
-              </a:lnSpc>
-            </a:pPr>
-            <a:r>
-              <a:rPr lang="en-GB" sz="2400" dirty="0">
-                <a:latin typeface="Candara" panose="020E0502030303020204" pitchFamily="34" charset="0"/>
-              </a:rPr>
-              <a:t>Cement production</a:t>
-            </a:r>
-          </a:p>
-          <a:p>
-            <a:pPr>
-              <a:lnSpc>
-                <a:spcPct val="90000"/>
-              </a:lnSpc>
-            </a:pPr>
-            <a:r>
-              <a:rPr lang="en-GB" sz="2800" dirty="0">
-                <a:latin typeface="Candara" panose="020E0502030303020204" pitchFamily="34" charset="0"/>
-              </a:rPr>
-              <a:t>Methane</a:t>
-            </a:r>
-          </a:p>
-          <a:p>
-            <a:pPr lvl="1">
-              <a:lnSpc>
-                <a:spcPct val="90000"/>
-              </a:lnSpc>
-            </a:pPr>
-            <a:r>
-              <a:rPr lang="en-GB" sz="2400" dirty="0">
-                <a:latin typeface="Candara" panose="020E0502030303020204" pitchFamily="34" charset="0"/>
-              </a:rPr>
-              <a:t>Ruminants</a:t>
-            </a:r>
-          </a:p>
-          <a:p>
-            <a:pPr lvl="1">
-              <a:lnSpc>
-                <a:spcPct val="90000"/>
-              </a:lnSpc>
-            </a:pPr>
-            <a:r>
-              <a:rPr lang="en-GB" sz="2400" dirty="0">
-                <a:latin typeface="Candara" panose="020E0502030303020204" pitchFamily="34" charset="0"/>
-              </a:rPr>
-              <a:t>Paddy rice</a:t>
-            </a:r>
-          </a:p>
-          <a:p>
-            <a:pPr lvl="1">
-              <a:lnSpc>
-                <a:spcPct val="90000"/>
-              </a:lnSpc>
-            </a:pPr>
-            <a:r>
-              <a:rPr lang="en-GB" sz="2400" dirty="0">
-                <a:latin typeface="Candara" panose="020E0502030303020204" pitchFamily="34" charset="0"/>
-              </a:rPr>
-              <a:t>Waste</a:t>
-            </a:r>
-          </a:p>
-          <a:p>
-            <a:pPr lvl="1">
-              <a:lnSpc>
-                <a:spcPct val="90000"/>
-              </a:lnSpc>
-            </a:pPr>
-            <a:r>
-              <a:rPr lang="en-GB" sz="2400" dirty="0">
-                <a:latin typeface="Candara" panose="020E0502030303020204" pitchFamily="34" charset="0"/>
-              </a:rPr>
-              <a:t>Leakage</a:t>
-            </a:r>
-          </a:p>
-          <a:p>
-            <a:pPr>
-              <a:lnSpc>
-                <a:spcPct val="90000"/>
-              </a:lnSpc>
-            </a:pPr>
-            <a:r>
-              <a:rPr lang="en-GB" sz="2800" dirty="0">
-                <a:latin typeface="Candara" panose="020E0502030303020204" pitchFamily="34" charset="0"/>
-              </a:rPr>
-              <a:t>Nitrous oxide</a:t>
-            </a:r>
-          </a:p>
-          <a:p>
-            <a:pPr lvl="1">
-              <a:lnSpc>
-                <a:spcPct val="90000"/>
-              </a:lnSpc>
-            </a:pPr>
-            <a:r>
-              <a:rPr lang="en-GB" sz="2400" dirty="0">
-                <a:latin typeface="Candara" panose="020E0502030303020204" pitchFamily="34" charset="0"/>
-              </a:rPr>
-              <a:t>Agriculture</a:t>
-            </a:r>
-          </a:p>
-          <a:p>
-            <a:pPr>
-              <a:lnSpc>
-                <a:spcPct val="90000"/>
-              </a:lnSpc>
-            </a:pPr>
-            <a:r>
-              <a:rPr lang="en-GB" sz="2800" dirty="0">
-                <a:latin typeface="Candara" panose="020E0502030303020204" pitchFamily="34" charset="0"/>
-              </a:rPr>
-              <a:t>Other gases</a:t>
-            </a:r>
-          </a:p>
-          <a:p>
-            <a:pPr lvl="1">
-              <a:lnSpc>
-                <a:spcPct val="90000"/>
-              </a:lnSpc>
-            </a:pPr>
-            <a:r>
-              <a:rPr lang="en-GB" sz="2400" dirty="0">
-                <a:latin typeface="Candara" panose="020E0502030303020204" pitchFamily="34" charset="0"/>
-              </a:rPr>
-              <a:t>Specialised industry</a:t>
-            </a:r>
-          </a:p>
-        </p:txBody>
-      </p:sp>
-      <p:pic>
-        <p:nvPicPr>
-          <p:cNvPr id="2" name="Picture 1"/>
-          <p:cNvPicPr>
-            <a:picLocks noChangeAspect="1"/>
-          </p:cNvPicPr>
-          <p:nvPr/>
-        </p:nvPicPr>
-        <p:blipFill>
-          <a:blip r:embed="rId3" cstate="print">
-            <a:extLst>
-              <a:ext uri="{28A0092B-C50C-407E-A947-70E740481C1C}">
-                <a14:useLocalDpi xmlns:a14="http://schemas.microsoft.com/office/drawing/2010/main" val="0"/>
-              </a:ext>
-            </a:extLst>
-          </a:blip>
-          <a:stretch>
-            <a:fillRect/>
-          </a:stretch>
-        </p:blipFill>
-        <p:spPr>
-          <a:xfrm>
-            <a:off x="7772400" y="3048000"/>
-            <a:ext cx="1277846" cy="3743255"/>
-          </a:xfrm>
-          <a:prstGeom prst="rect">
-            <a:avLst/>
-          </a:prstGeom>
-        </p:spPr>
-      </p:pic>
-    </p:spTree>
-  </p:cSld>
-  <p:clrMapOvr>
-    <a:masterClrMapping/>
-  </p:clrMapOvr>
-</p:sld>
-</file>
-
-<file path=ppt/slides/slide8.xml><?xml version="1.0" encoding="utf-8"?>
 <p:sld xmlns:a="http://schemas.openxmlformats.org/drawingml/2006/main" xmlns:r="http://schemas.openxmlformats.org/officeDocument/2006/relationships" xmlns:p="http://schemas.openxmlformats.org/presentationml/2006/main">
   <p:cSld>
     <p:spTree>
@@ -10499,7 +10731,7 @@
 </p:sld>
 </file>
 
-<file path=ppt/slides/slide9.xml><?xml version="1.0" encoding="utf-8"?>
+<file path=ppt/slides/slide8.xml><?xml version="1.0" encoding="utf-8"?>
 <p:sld xmlns:a="http://schemas.openxmlformats.org/drawingml/2006/main" xmlns:r="http://schemas.openxmlformats.org/officeDocument/2006/relationships" xmlns:p="http://schemas.openxmlformats.org/presentationml/2006/main">
   <p:cSld>
     <p:spTree>
@@ -10552,6 +10784,283 @@
         <p14:creationId xmlns:p14="http://schemas.microsoft.com/office/powerpoint/2010/main" val="4262194953"/>
       </p:ext>
     </p:extLst>
+  </p:cSld>
+  <p:clrMapOvr>
+    <a:masterClrMapping/>
+  </p:clrMapOvr>
+</p:sld>
+</file>
+
+<file path=ppt/slides/slide9.xml><?xml version="1.0" encoding="utf-8"?>
+<p:sld xmlns:a="http://schemas.openxmlformats.org/drawingml/2006/main" xmlns:r="http://schemas.openxmlformats.org/officeDocument/2006/relationships" xmlns:p="http://schemas.openxmlformats.org/presentationml/2006/main">
+  <p:cSld>
+    <p:spTree>
+      <p:nvGrpSpPr>
+        <p:cNvPr id="1" name=""/>
+        <p:cNvGrpSpPr/>
+        <p:nvPr/>
+      </p:nvGrpSpPr>
+      <p:grpSpPr>
+        <a:xfrm>
+          <a:off x="0" y="0"/>
+          <a:ext cx="0" cy="0"/>
+          <a:chOff x="0" y="0"/>
+          <a:chExt cx="0" cy="0"/>
+        </a:xfrm>
+      </p:grpSpPr>
+      <p:sp>
+        <p:nvSpPr>
+          <p:cNvPr id="190466" name="Rectangle 2"/>
+          <p:cNvSpPr>
+            <a:spLocks noGrp="1" noChangeArrowheads="1"/>
+          </p:cNvSpPr>
+          <p:nvPr>
+            <p:ph type="title"/>
+          </p:nvPr>
+        </p:nvSpPr>
+        <p:spPr>
+          <a:xfrm>
+            <a:off x="762000" y="-76200"/>
+            <a:ext cx="7772400" cy="1143000"/>
+          </a:xfrm>
+        </p:spPr>
+        <p:txBody>
+          <a:bodyPr/>
+          <a:lstStyle/>
+          <a:p>
+            <a:r>
+              <a:rPr lang="de-DE" sz="3200" dirty="0">
+                <a:latin typeface="Candara" panose="020E0502030303020204" pitchFamily="34" charset="0"/>
+              </a:rPr>
+              <a:t>Sources of greenhouse gas emissions</a:t>
+            </a:r>
+            <a:endParaRPr lang="en-GB" sz="3200" dirty="0">
+              <a:latin typeface="Candara" panose="020E0502030303020204" pitchFamily="34" charset="0"/>
+            </a:endParaRPr>
+          </a:p>
+        </p:txBody>
+      </p:sp>
+      <p:sp>
+        <p:nvSpPr>
+          <p:cNvPr id="190467" name="Rectangle 3"/>
+          <p:cNvSpPr>
+            <a:spLocks noGrp="1" noChangeArrowheads="1"/>
+          </p:cNvSpPr>
+          <p:nvPr>
+            <p:ph type="body" idx="1"/>
+          </p:nvPr>
+        </p:nvSpPr>
+        <p:spPr>
+          <a:xfrm>
+            <a:off x="685800" y="838200"/>
+            <a:ext cx="7772400" cy="5486400"/>
+          </a:xfrm>
+        </p:spPr>
+        <p:txBody>
+          <a:bodyPr/>
+          <a:lstStyle/>
+          <a:p>
+            <a:pPr>
+              <a:lnSpc>
+                <a:spcPct val="90000"/>
+              </a:lnSpc>
+            </a:pPr>
+            <a:r>
+              <a:rPr lang="de-DE" sz="2800" dirty="0">
+                <a:latin typeface="Candara" panose="020E0502030303020204" pitchFamily="34" charset="0"/>
+              </a:rPr>
+              <a:t>Carbon dioxide</a:t>
+            </a:r>
+          </a:p>
+          <a:p>
+            <a:pPr lvl="1">
+              <a:lnSpc>
+                <a:spcPct val="90000"/>
+              </a:lnSpc>
+            </a:pPr>
+            <a:r>
+              <a:rPr lang="en-GB" sz="2400" dirty="0">
+                <a:latin typeface="Candara" panose="020E0502030303020204" pitchFamily="34" charset="0"/>
+              </a:rPr>
+              <a:t>Combustion of fossil fuels</a:t>
+            </a:r>
+          </a:p>
+          <a:p>
+            <a:pPr lvl="1">
+              <a:lnSpc>
+                <a:spcPct val="90000"/>
+              </a:lnSpc>
+            </a:pPr>
+            <a:r>
+              <a:rPr lang="en-GB" sz="2400" dirty="0">
+                <a:latin typeface="Candara" panose="020E0502030303020204" pitchFamily="34" charset="0"/>
+              </a:rPr>
+              <a:t>Land use change</a:t>
+            </a:r>
+          </a:p>
+          <a:p>
+            <a:pPr lvl="1">
+              <a:lnSpc>
+                <a:spcPct val="90000"/>
+              </a:lnSpc>
+            </a:pPr>
+            <a:r>
+              <a:rPr lang="en-GB" sz="2400" dirty="0">
+                <a:latin typeface="Candara" panose="020E0502030303020204" pitchFamily="34" charset="0"/>
+              </a:rPr>
+              <a:t>Cement production</a:t>
+            </a:r>
+          </a:p>
+          <a:p>
+            <a:pPr>
+              <a:lnSpc>
+                <a:spcPct val="90000"/>
+              </a:lnSpc>
+            </a:pPr>
+            <a:r>
+              <a:rPr lang="en-GB" sz="2800" dirty="0">
+                <a:latin typeface="Candara" panose="020E0502030303020204" pitchFamily="34" charset="0"/>
+              </a:rPr>
+              <a:t>Methane</a:t>
+            </a:r>
+          </a:p>
+          <a:p>
+            <a:pPr lvl="1">
+              <a:lnSpc>
+                <a:spcPct val="90000"/>
+              </a:lnSpc>
+            </a:pPr>
+            <a:r>
+              <a:rPr lang="en-GB" sz="2400" dirty="0">
+                <a:latin typeface="Candara" panose="020E0502030303020204" pitchFamily="34" charset="0"/>
+              </a:rPr>
+              <a:t>Ruminants</a:t>
+            </a:r>
+          </a:p>
+          <a:p>
+            <a:pPr lvl="1">
+              <a:lnSpc>
+                <a:spcPct val="90000"/>
+              </a:lnSpc>
+            </a:pPr>
+            <a:r>
+              <a:rPr lang="en-GB" sz="2400" dirty="0">
+                <a:latin typeface="Candara" panose="020E0502030303020204" pitchFamily="34" charset="0"/>
+              </a:rPr>
+              <a:t>Paddy rice</a:t>
+            </a:r>
+          </a:p>
+          <a:p>
+            <a:pPr lvl="1">
+              <a:lnSpc>
+                <a:spcPct val="90000"/>
+              </a:lnSpc>
+            </a:pPr>
+            <a:r>
+              <a:rPr lang="en-GB" sz="2400" dirty="0">
+                <a:latin typeface="Candara" panose="020E0502030303020204" pitchFamily="34" charset="0"/>
+              </a:rPr>
+              <a:t>Waste</a:t>
+            </a:r>
+          </a:p>
+          <a:p>
+            <a:pPr lvl="1">
+              <a:lnSpc>
+                <a:spcPct val="90000"/>
+              </a:lnSpc>
+            </a:pPr>
+            <a:r>
+              <a:rPr lang="en-GB" sz="2400" dirty="0">
+                <a:latin typeface="Candara" panose="020E0502030303020204" pitchFamily="34" charset="0"/>
+              </a:rPr>
+              <a:t>Leakage</a:t>
+            </a:r>
+          </a:p>
+          <a:p>
+            <a:pPr>
+              <a:lnSpc>
+                <a:spcPct val="90000"/>
+              </a:lnSpc>
+            </a:pPr>
+            <a:r>
+              <a:rPr lang="en-GB" sz="2800" dirty="0">
+                <a:latin typeface="Candara" panose="020E0502030303020204" pitchFamily="34" charset="0"/>
+              </a:rPr>
+              <a:t>Nitrous oxide</a:t>
+            </a:r>
+          </a:p>
+          <a:p>
+            <a:pPr lvl="1">
+              <a:lnSpc>
+                <a:spcPct val="90000"/>
+              </a:lnSpc>
+            </a:pPr>
+            <a:r>
+              <a:rPr lang="en-GB" sz="2400" dirty="0">
+                <a:latin typeface="Candara" panose="020E0502030303020204" pitchFamily="34" charset="0"/>
+              </a:rPr>
+              <a:t>Agriculture</a:t>
+            </a:r>
+          </a:p>
+          <a:p>
+            <a:pPr>
+              <a:lnSpc>
+                <a:spcPct val="90000"/>
+              </a:lnSpc>
+            </a:pPr>
+            <a:r>
+              <a:rPr lang="en-GB" sz="2800" dirty="0">
+                <a:latin typeface="Candara" panose="020E0502030303020204" pitchFamily="34" charset="0"/>
+              </a:rPr>
+              <a:t>Other gases</a:t>
+            </a:r>
+          </a:p>
+          <a:p>
+            <a:pPr lvl="1">
+              <a:lnSpc>
+                <a:spcPct val="90000"/>
+              </a:lnSpc>
+            </a:pPr>
+            <a:r>
+              <a:rPr lang="en-GB" sz="2400" dirty="0">
+                <a:latin typeface="Candara" panose="020E0502030303020204" pitchFamily="34" charset="0"/>
+              </a:rPr>
+              <a:t>Specialised industry</a:t>
+            </a:r>
+          </a:p>
+        </p:txBody>
+      </p:sp>
+      <p:pic>
+        <p:nvPicPr>
+          <p:cNvPr id="2" name="Picture 1"/>
+          <p:cNvPicPr>
+            <a:picLocks noChangeAspect="1"/>
+          </p:cNvPicPr>
+          <p:nvPr/>
+        </p:nvPicPr>
+        <p:blipFill>
+          <a:blip r:embed="rId3" cstate="print">
+            <a:extLst>
+              <a:ext uri="{28A0092B-C50C-407E-A947-70E740481C1C}">
+                <a14:useLocalDpi xmlns:a14="http://schemas.microsoft.com/office/drawing/2010/main" val="0"/>
+              </a:ext>
+            </a:extLst>
+          </a:blip>
+          <a:stretch>
+            <a:fillRect/>
+          </a:stretch>
+        </p:blipFill>
+        <p:spPr>
+          <a:xfrm>
+            <a:off x="7772400" y="3048000"/>
+            <a:ext cx="1277846" cy="3743255"/>
+          </a:xfrm>
+          <a:prstGeom prst="rect">
+            <a:avLst/>
+          </a:prstGeom>
+        </p:spPr>
+      </p:pic>
+    </p:spTree>
   </p:cSld>
   <p:clrMapOvr>
     <a:masterClrMapping/>

--- a/cceug2 scenarios.pptx
+++ b/cceug2 scenarios.pptx
@@ -5,43 +5,48 @@
     <p:sldMasterId id="2147483648" r:id="rId1"/>
   </p:sldMasterIdLst>
   <p:notesMasterIdLst>
-    <p:notesMasterId r:id="rId33"/>
+    <p:notesMasterId r:id="rId38"/>
   </p:notesMasterIdLst>
   <p:handoutMasterIdLst>
-    <p:handoutMasterId r:id="rId34"/>
+    <p:handoutMasterId r:id="rId39"/>
   </p:handoutMasterIdLst>
   <p:sldIdLst>
     <p:sldId id="257" r:id="rId2"/>
-    <p:sldId id="367" r:id="rId3"/>
-    <p:sldId id="349" r:id="rId4"/>
+    <p:sldId id="373" r:id="rId3"/>
+    <p:sldId id="374" r:id="rId4"/>
     <p:sldId id="350" r:id="rId5"/>
     <p:sldId id="279" r:id="rId6"/>
     <p:sldId id="347" r:id="rId7"/>
     <p:sldId id="368" r:id="rId8"/>
     <p:sldId id="369" r:id="rId9"/>
     <p:sldId id="348" r:id="rId10"/>
-    <p:sldId id="352" r:id="rId11"/>
-    <p:sldId id="329" r:id="rId12"/>
-    <p:sldId id="336" r:id="rId13"/>
-    <p:sldId id="355" r:id="rId14"/>
-    <p:sldId id="337" r:id="rId15"/>
-    <p:sldId id="356" r:id="rId16"/>
-    <p:sldId id="357" r:id="rId17"/>
-    <p:sldId id="358" r:id="rId18"/>
-    <p:sldId id="372" r:id="rId19"/>
-    <p:sldId id="359" r:id="rId20"/>
-    <p:sldId id="360" r:id="rId21"/>
-    <p:sldId id="361" r:id="rId22"/>
-    <p:sldId id="362" r:id="rId23"/>
-    <p:sldId id="363" r:id="rId24"/>
-    <p:sldId id="364" r:id="rId25"/>
-    <p:sldId id="365" r:id="rId26"/>
-    <p:sldId id="366" r:id="rId27"/>
-    <p:sldId id="340" r:id="rId28"/>
-    <p:sldId id="341" r:id="rId29"/>
-    <p:sldId id="370" r:id="rId30"/>
-    <p:sldId id="353" r:id="rId31"/>
-    <p:sldId id="371" r:id="rId32"/>
+    <p:sldId id="375" r:id="rId11"/>
+    <p:sldId id="352" r:id="rId12"/>
+    <p:sldId id="329" r:id="rId13"/>
+    <p:sldId id="336" r:id="rId14"/>
+    <p:sldId id="380" r:id="rId15"/>
+    <p:sldId id="355" r:id="rId16"/>
+    <p:sldId id="376" r:id="rId17"/>
+    <p:sldId id="337" r:id="rId18"/>
+    <p:sldId id="356" r:id="rId19"/>
+    <p:sldId id="377" r:id="rId20"/>
+    <p:sldId id="357" r:id="rId21"/>
+    <p:sldId id="372" r:id="rId22"/>
+    <p:sldId id="359" r:id="rId23"/>
+    <p:sldId id="378" r:id="rId24"/>
+    <p:sldId id="360" r:id="rId25"/>
+    <p:sldId id="361" r:id="rId26"/>
+    <p:sldId id="362" r:id="rId27"/>
+    <p:sldId id="363" r:id="rId28"/>
+    <p:sldId id="364" r:id="rId29"/>
+    <p:sldId id="365" r:id="rId30"/>
+    <p:sldId id="366" r:id="rId31"/>
+    <p:sldId id="379" r:id="rId32"/>
+    <p:sldId id="340" r:id="rId33"/>
+    <p:sldId id="341" r:id="rId34"/>
+    <p:sldId id="370" r:id="rId35"/>
+    <p:sldId id="353" r:id="rId36"/>
+    <p:sldId id="371" r:id="rId37"/>
   </p:sldIdLst>
   <p:sldSz cx="9144000" cy="6858000" type="screen4x3"/>
   <p:notesSz cx="6797675" cy="9874250"/>
@@ -961,18 +966,18 @@
           <a:bodyPr/>
           <a:lstStyle/>
           <a:p>
-            <a:fld id="{43D62AB2-8421-41A9-9BF8-FA1FECBCC7F9}" type="slidenum">
-              <a:rPr lang="en-US"/>
+            <a:fld id="{D524765A-9056-4B37-B5E4-29B737BC477B}" type="slidenum">
+              <a:rPr lang="en-GB"/>
               <a:pPr/>
-              <a:t>16</a:t>
+              <a:t>14</a:t>
             </a:fld>
-            <a:endParaRPr lang="en-US"/>
-          </a:p>
-        </p:txBody>
-      </p:sp>
-      <p:sp>
-        <p:nvSpPr>
-          <p:cNvPr id="247810" name="Rectangle 2"/>
+            <a:endParaRPr lang="en-GB"/>
+          </a:p>
+        </p:txBody>
+      </p:sp>
+      <p:sp>
+        <p:nvSpPr>
+          <p:cNvPr id="242690" name="Rectangle 2"/>
           <p:cNvSpPr>
             <a:spLocks noGrp="1" noRot="1" noChangeAspect="1" noChangeArrowheads="1" noTextEdit="1"/>
           </p:cNvSpPr>
@@ -986,7 +991,7 @@
       </p:sp>
       <p:sp>
         <p:nvSpPr>
-          <p:cNvPr id="247811" name="Rectangle 3"/>
+          <p:cNvPr id="242691" name="Rectangle 3"/>
           <p:cNvSpPr>
             <a:spLocks noGrp="1" noChangeArrowheads="1"/>
           </p:cNvSpPr>
@@ -1006,7 +1011,7 @@
     </p:spTree>
     <p:extLst>
       <p:ext uri="{BB962C8B-B14F-4D97-AF65-F5344CB8AC3E}">
-        <p14:creationId xmlns:p14="http://schemas.microsoft.com/office/powerpoint/2010/main" val="1691511116"/>
+        <p14:creationId xmlns:p14="http://schemas.microsoft.com/office/powerpoint/2010/main" val="3501003106"/>
       </p:ext>
     </p:extLst>
   </p:cSld>
@@ -1050,18 +1055,18 @@
           <a:bodyPr/>
           <a:lstStyle/>
           <a:p>
-            <a:fld id="{43D62AB2-8421-41A9-9BF8-FA1FECBCC7F9}" type="slidenum">
-              <a:rPr lang="en-US"/>
+            <a:fld id="{D524765A-9056-4B37-B5E4-29B737BC477B}" type="slidenum">
+              <a:rPr lang="en-GB"/>
               <a:pPr/>
-              <a:t>19</a:t>
+              <a:t>16</a:t>
             </a:fld>
-            <a:endParaRPr lang="en-US"/>
-          </a:p>
-        </p:txBody>
-      </p:sp>
-      <p:sp>
-        <p:nvSpPr>
-          <p:cNvPr id="247810" name="Rectangle 2"/>
+            <a:endParaRPr lang="en-GB"/>
+          </a:p>
+        </p:txBody>
+      </p:sp>
+      <p:sp>
+        <p:nvSpPr>
+          <p:cNvPr id="242690" name="Rectangle 2"/>
           <p:cNvSpPr>
             <a:spLocks noGrp="1" noRot="1" noChangeAspect="1" noChangeArrowheads="1" noTextEdit="1"/>
           </p:cNvSpPr>
@@ -1075,7 +1080,7 @@
       </p:sp>
       <p:sp>
         <p:nvSpPr>
-          <p:cNvPr id="247811" name="Rectangle 3"/>
+          <p:cNvPr id="242691" name="Rectangle 3"/>
           <p:cNvSpPr>
             <a:spLocks noGrp="1" noChangeArrowheads="1"/>
           </p:cNvSpPr>
@@ -1095,7 +1100,7 @@
     </p:spTree>
     <p:extLst>
       <p:ext uri="{BB962C8B-B14F-4D97-AF65-F5344CB8AC3E}">
-        <p14:creationId xmlns:p14="http://schemas.microsoft.com/office/powerpoint/2010/main" val="846532497"/>
+        <p14:creationId xmlns:p14="http://schemas.microsoft.com/office/powerpoint/2010/main" val="3392980043"/>
       </p:ext>
     </p:extLst>
   </p:cSld>
@@ -1139,10 +1144,10 @@
           <a:bodyPr/>
           <a:lstStyle/>
           <a:p>
-            <a:fld id="{7286F291-D27F-43C8-9EAD-383A857905A9}" type="slidenum">
+            <a:fld id="{5BD41292-26B9-4187-9E71-91276D6A46E7}" type="slidenum">
               <a:rPr lang="en-US"/>
               <a:pPr/>
-              <a:t>20</a:t>
+              <a:t>17</a:t>
             </a:fld>
             <a:endParaRPr lang="en-US"/>
           </a:p>
@@ -1150,7 +1155,7 @@
       </p:sp>
       <p:sp>
         <p:nvSpPr>
-          <p:cNvPr id="248834" name="Rectangle 2"/>
+          <p:cNvPr id="272386" name="Rectangle 2"/>
           <p:cNvSpPr>
             <a:spLocks noGrp="1" noRot="1" noChangeAspect="1" noChangeArrowheads="1" noTextEdit="1"/>
           </p:cNvSpPr>
@@ -1164,7 +1169,7 @@
       </p:sp>
       <p:sp>
         <p:nvSpPr>
-          <p:cNvPr id="248835" name="Rectangle 3"/>
+          <p:cNvPr id="272387" name="Rectangle 3"/>
           <p:cNvSpPr>
             <a:spLocks noGrp="1" noChangeArrowheads="1"/>
           </p:cNvSpPr>
@@ -1184,7 +1189,7 @@
     </p:spTree>
     <p:extLst>
       <p:ext uri="{BB962C8B-B14F-4D97-AF65-F5344CB8AC3E}">
-        <p14:creationId xmlns:p14="http://schemas.microsoft.com/office/powerpoint/2010/main" val="1780723667"/>
+        <p14:creationId xmlns:p14="http://schemas.microsoft.com/office/powerpoint/2010/main" val="944765256"/>
       </p:ext>
     </p:extLst>
   </p:cSld>
@@ -1228,18 +1233,18 @@
           <a:bodyPr/>
           <a:lstStyle/>
           <a:p>
-            <a:fld id="{7286F291-D27F-43C8-9EAD-383A857905A9}" type="slidenum">
-              <a:rPr lang="en-US"/>
+            <a:fld id="{D524765A-9056-4B37-B5E4-29B737BC477B}" type="slidenum">
+              <a:rPr lang="en-GB"/>
               <a:pPr/>
-              <a:t>22</a:t>
+              <a:t>19</a:t>
             </a:fld>
-            <a:endParaRPr lang="en-US"/>
-          </a:p>
-        </p:txBody>
-      </p:sp>
-      <p:sp>
-        <p:nvSpPr>
-          <p:cNvPr id="248834" name="Rectangle 2"/>
+            <a:endParaRPr lang="en-GB"/>
+          </a:p>
+        </p:txBody>
+      </p:sp>
+      <p:sp>
+        <p:nvSpPr>
+          <p:cNvPr id="242690" name="Rectangle 2"/>
           <p:cNvSpPr>
             <a:spLocks noGrp="1" noRot="1" noChangeAspect="1" noChangeArrowheads="1" noTextEdit="1"/>
           </p:cNvSpPr>
@@ -1253,7 +1258,7 @@
       </p:sp>
       <p:sp>
         <p:nvSpPr>
-          <p:cNvPr id="248835" name="Rectangle 3"/>
+          <p:cNvPr id="242691" name="Rectangle 3"/>
           <p:cNvSpPr>
             <a:spLocks noGrp="1" noChangeArrowheads="1"/>
           </p:cNvSpPr>
@@ -1273,7 +1278,7 @@
     </p:spTree>
     <p:extLst>
       <p:ext uri="{BB962C8B-B14F-4D97-AF65-F5344CB8AC3E}">
-        <p14:creationId xmlns:p14="http://schemas.microsoft.com/office/powerpoint/2010/main" val="1316768765"/>
+        <p14:creationId xmlns:p14="http://schemas.microsoft.com/office/powerpoint/2010/main" val="983143020"/>
       </p:ext>
     </p:extLst>
   </p:cSld>
@@ -1317,10 +1322,10 @@
           <a:bodyPr/>
           <a:lstStyle/>
           <a:p>
-            <a:fld id="{7286F291-D27F-43C8-9EAD-383A857905A9}" type="slidenum">
+            <a:fld id="{43D62AB2-8421-41A9-9BF8-FA1FECBCC7F9}" type="slidenum">
               <a:rPr lang="en-US"/>
               <a:pPr/>
-              <a:t>24</a:t>
+              <a:t>20</a:t>
             </a:fld>
             <a:endParaRPr lang="en-US"/>
           </a:p>
@@ -1328,7 +1333,7 @@
       </p:sp>
       <p:sp>
         <p:nvSpPr>
-          <p:cNvPr id="248834" name="Rectangle 2"/>
+          <p:cNvPr id="247810" name="Rectangle 2"/>
           <p:cNvSpPr>
             <a:spLocks noGrp="1" noRot="1" noChangeAspect="1" noChangeArrowheads="1" noTextEdit="1"/>
           </p:cNvSpPr>
@@ -1342,7 +1347,7 @@
       </p:sp>
       <p:sp>
         <p:nvSpPr>
-          <p:cNvPr id="248835" name="Rectangle 3"/>
+          <p:cNvPr id="247811" name="Rectangle 3"/>
           <p:cNvSpPr>
             <a:spLocks noGrp="1" noChangeArrowheads="1"/>
           </p:cNvSpPr>
@@ -1362,7 +1367,7 @@
     </p:spTree>
     <p:extLst>
       <p:ext uri="{BB962C8B-B14F-4D97-AF65-F5344CB8AC3E}">
-        <p14:creationId xmlns:p14="http://schemas.microsoft.com/office/powerpoint/2010/main" val="1691668288"/>
+        <p14:creationId xmlns:p14="http://schemas.microsoft.com/office/powerpoint/2010/main" val="1691511116"/>
       </p:ext>
     </p:extLst>
   </p:cSld>
@@ -1406,10 +1411,10 @@
           <a:bodyPr/>
           <a:lstStyle/>
           <a:p>
-            <a:fld id="{7286F291-D27F-43C8-9EAD-383A857905A9}" type="slidenum">
+            <a:fld id="{43D62AB2-8421-41A9-9BF8-FA1FECBCC7F9}" type="slidenum">
               <a:rPr lang="en-US"/>
               <a:pPr/>
-              <a:t>26</a:t>
+              <a:t>22</a:t>
             </a:fld>
             <a:endParaRPr lang="en-US"/>
           </a:p>
@@ -1417,7 +1422,7 @@
       </p:sp>
       <p:sp>
         <p:nvSpPr>
-          <p:cNvPr id="248834" name="Rectangle 2"/>
+          <p:cNvPr id="247810" name="Rectangle 2"/>
           <p:cNvSpPr>
             <a:spLocks noGrp="1" noRot="1" noChangeAspect="1" noChangeArrowheads="1" noTextEdit="1"/>
           </p:cNvSpPr>
@@ -1431,7 +1436,7 @@
       </p:sp>
       <p:sp>
         <p:nvSpPr>
-          <p:cNvPr id="248835" name="Rectangle 3"/>
+          <p:cNvPr id="247811" name="Rectangle 3"/>
           <p:cNvSpPr>
             <a:spLocks noGrp="1" noChangeArrowheads="1"/>
           </p:cNvSpPr>
@@ -1451,7 +1456,7 @@
     </p:spTree>
     <p:extLst>
       <p:ext uri="{BB962C8B-B14F-4D97-AF65-F5344CB8AC3E}">
-        <p14:creationId xmlns:p14="http://schemas.microsoft.com/office/powerpoint/2010/main" val="1690420942"/>
+        <p14:creationId xmlns:p14="http://schemas.microsoft.com/office/powerpoint/2010/main" val="846532497"/>
       </p:ext>
     </p:extLst>
   </p:cSld>
@@ -1495,18 +1500,18 @@
           <a:bodyPr/>
           <a:lstStyle/>
           <a:p>
-            <a:fld id="{7ACE61C9-784A-41C7-BC0C-8E273A5957C8}" type="slidenum">
-              <a:rPr lang="en-US"/>
+            <a:fld id="{D524765A-9056-4B37-B5E4-29B737BC477B}" type="slidenum">
+              <a:rPr lang="en-GB"/>
               <a:pPr/>
-              <a:t>27</a:t>
+              <a:t>23</a:t>
             </a:fld>
-            <a:endParaRPr lang="en-US"/>
-          </a:p>
-        </p:txBody>
-      </p:sp>
-      <p:sp>
-        <p:nvSpPr>
-          <p:cNvPr id="278530" name="Rectangle 2"/>
+            <a:endParaRPr lang="en-GB"/>
+          </a:p>
+        </p:txBody>
+      </p:sp>
+      <p:sp>
+        <p:nvSpPr>
+          <p:cNvPr id="242690" name="Rectangle 2"/>
           <p:cNvSpPr>
             <a:spLocks noGrp="1" noRot="1" noChangeAspect="1" noChangeArrowheads="1" noTextEdit="1"/>
           </p:cNvSpPr>
@@ -1520,7 +1525,7 @@
       </p:sp>
       <p:sp>
         <p:nvSpPr>
-          <p:cNvPr id="278531" name="Rectangle 3"/>
+          <p:cNvPr id="242691" name="Rectangle 3"/>
           <p:cNvSpPr>
             <a:spLocks noGrp="1" noChangeArrowheads="1"/>
           </p:cNvSpPr>
@@ -1540,7 +1545,7 @@
     </p:spTree>
     <p:extLst>
       <p:ext uri="{BB962C8B-B14F-4D97-AF65-F5344CB8AC3E}">
-        <p14:creationId xmlns:p14="http://schemas.microsoft.com/office/powerpoint/2010/main" val="3591205013"/>
+        <p14:creationId xmlns:p14="http://schemas.microsoft.com/office/powerpoint/2010/main" val="56109787"/>
       </p:ext>
     </p:extLst>
   </p:cSld>
@@ -1584,10 +1589,10 @@
           <a:bodyPr/>
           <a:lstStyle/>
           <a:p>
-            <a:fld id="{8307142B-F28F-4031-907D-50F50F305A82}" type="slidenum">
+            <a:fld id="{7286F291-D27F-43C8-9EAD-383A857905A9}" type="slidenum">
               <a:rPr lang="en-US"/>
               <a:pPr/>
-              <a:t>28</a:t>
+              <a:t>24</a:t>
             </a:fld>
             <a:endParaRPr lang="en-US"/>
           </a:p>
@@ -1595,7 +1600,7 @@
       </p:sp>
       <p:sp>
         <p:nvSpPr>
-          <p:cNvPr id="280578" name="Rectangle 2"/>
+          <p:cNvPr id="248834" name="Rectangle 2"/>
           <p:cNvSpPr>
             <a:spLocks noGrp="1" noRot="1" noChangeAspect="1" noChangeArrowheads="1" noTextEdit="1"/>
           </p:cNvSpPr>
@@ -1609,7 +1614,7 @@
       </p:sp>
       <p:sp>
         <p:nvSpPr>
-          <p:cNvPr id="280579" name="Rectangle 3"/>
+          <p:cNvPr id="248835" name="Rectangle 3"/>
           <p:cNvSpPr>
             <a:spLocks noGrp="1" noChangeArrowheads="1"/>
           </p:cNvSpPr>
@@ -1629,7 +1634,7 @@
     </p:spTree>
     <p:extLst>
       <p:ext uri="{BB962C8B-B14F-4D97-AF65-F5344CB8AC3E}">
-        <p14:creationId xmlns:p14="http://schemas.microsoft.com/office/powerpoint/2010/main" val="4063819590"/>
+        <p14:creationId xmlns:p14="http://schemas.microsoft.com/office/powerpoint/2010/main" val="1780723667"/>
       </p:ext>
     </p:extLst>
   </p:cSld>
@@ -1673,10 +1678,10 @@
           <a:bodyPr/>
           <a:lstStyle/>
           <a:p>
-            <a:fld id="{AE799912-76B0-4CF1-BA82-633D43A960C4}" type="slidenum">
+            <a:fld id="{7286F291-D27F-43C8-9EAD-383A857905A9}" type="slidenum">
               <a:rPr lang="en-US"/>
               <a:pPr/>
-              <a:t>29</a:t>
+              <a:t>26</a:t>
             </a:fld>
             <a:endParaRPr lang="en-US"/>
           </a:p>
@@ -1684,7 +1689,7 @@
       </p:sp>
       <p:sp>
         <p:nvSpPr>
-          <p:cNvPr id="282626" name="Rectangle 2"/>
+          <p:cNvPr id="248834" name="Rectangle 2"/>
           <p:cNvSpPr>
             <a:spLocks noGrp="1" noRot="1" noChangeAspect="1" noChangeArrowheads="1" noTextEdit="1"/>
           </p:cNvSpPr>
@@ -1698,7 +1703,7 @@
       </p:sp>
       <p:sp>
         <p:nvSpPr>
-          <p:cNvPr id="282627" name="Rectangle 3"/>
+          <p:cNvPr id="248835" name="Rectangle 3"/>
           <p:cNvSpPr>
             <a:spLocks noGrp="1" noChangeArrowheads="1"/>
           </p:cNvSpPr>
@@ -1718,7 +1723,7 @@
     </p:spTree>
     <p:extLst>
       <p:ext uri="{BB962C8B-B14F-4D97-AF65-F5344CB8AC3E}">
-        <p14:creationId xmlns:p14="http://schemas.microsoft.com/office/powerpoint/2010/main" val="3381542124"/>
+        <p14:creationId xmlns:p14="http://schemas.microsoft.com/office/powerpoint/2010/main" val="1316768765"/>
       </p:ext>
     </p:extLst>
   </p:cSld>
@@ -1762,10 +1767,10 @@
           <a:bodyPr/>
           <a:lstStyle/>
           <a:p>
-            <a:fld id="{AE799912-76B0-4CF1-BA82-633D43A960C4}" type="slidenum">
+            <a:fld id="{7286F291-D27F-43C8-9EAD-383A857905A9}" type="slidenum">
               <a:rPr lang="en-US"/>
               <a:pPr/>
-              <a:t>31</a:t>
+              <a:t>28</a:t>
             </a:fld>
             <a:endParaRPr lang="en-US"/>
           </a:p>
@@ -1773,7 +1778,7 @@
       </p:sp>
       <p:sp>
         <p:nvSpPr>
-          <p:cNvPr id="282626" name="Rectangle 2"/>
+          <p:cNvPr id="248834" name="Rectangle 2"/>
           <p:cNvSpPr>
             <a:spLocks noGrp="1" noRot="1" noChangeAspect="1" noChangeArrowheads="1" noTextEdit="1"/>
           </p:cNvSpPr>
@@ -1787,7 +1792,7 @@
       </p:sp>
       <p:sp>
         <p:nvSpPr>
-          <p:cNvPr id="282627" name="Rectangle 3"/>
+          <p:cNvPr id="248835" name="Rectangle 3"/>
           <p:cNvSpPr>
             <a:spLocks noGrp="1" noChangeArrowheads="1"/>
           </p:cNvSpPr>
@@ -1807,7 +1812,7 @@
     </p:spTree>
     <p:extLst>
       <p:ext uri="{BB962C8B-B14F-4D97-AF65-F5344CB8AC3E}">
-        <p14:creationId xmlns:p14="http://schemas.microsoft.com/office/powerpoint/2010/main" val="1633800538"/>
+        <p14:creationId xmlns:p14="http://schemas.microsoft.com/office/powerpoint/2010/main" val="1691668288"/>
       </p:ext>
     </p:extLst>
   </p:cSld>
@@ -1906,6 +1911,540 @@
 </p:notes>
 </file>
 
+<file path=ppt/notesSlides/notesSlide20.xml><?xml version="1.0" encoding="utf-8"?>
+<p:notes xmlns:a="http://schemas.openxmlformats.org/drawingml/2006/main" xmlns:r="http://schemas.openxmlformats.org/officeDocument/2006/relationships" xmlns:p="http://schemas.openxmlformats.org/presentationml/2006/main">
+  <p:cSld>
+    <p:spTree>
+      <p:nvGrpSpPr>
+        <p:cNvPr id="1" name=""/>
+        <p:cNvGrpSpPr/>
+        <p:nvPr/>
+      </p:nvGrpSpPr>
+      <p:grpSpPr>
+        <a:xfrm>
+          <a:off x="0" y="0"/>
+          <a:ext cx="0" cy="0"/>
+          <a:chOff x="0" y="0"/>
+          <a:chExt cx="0" cy="0"/>
+        </a:xfrm>
+      </p:grpSpPr>
+      <p:sp>
+        <p:nvSpPr>
+          <p:cNvPr id="7" name="Rectangle 7"/>
+          <p:cNvSpPr>
+            <a:spLocks noGrp="1" noChangeArrowheads="1"/>
+          </p:cNvSpPr>
+          <p:nvPr>
+            <p:ph type="sldNum" sz="quarter" idx="5"/>
+          </p:nvPr>
+        </p:nvSpPr>
+        <p:spPr>
+          <a:ln/>
+        </p:spPr>
+        <p:txBody>
+          <a:bodyPr/>
+          <a:lstStyle/>
+          <a:p>
+            <a:fld id="{7286F291-D27F-43C8-9EAD-383A857905A9}" type="slidenum">
+              <a:rPr lang="en-US"/>
+              <a:pPr/>
+              <a:t>30</a:t>
+            </a:fld>
+            <a:endParaRPr lang="en-US"/>
+          </a:p>
+        </p:txBody>
+      </p:sp>
+      <p:sp>
+        <p:nvSpPr>
+          <p:cNvPr id="248834" name="Rectangle 2"/>
+          <p:cNvSpPr>
+            <a:spLocks noGrp="1" noRot="1" noChangeAspect="1" noChangeArrowheads="1" noTextEdit="1"/>
+          </p:cNvSpPr>
+          <p:nvPr>
+            <p:ph type="sldImg"/>
+          </p:nvPr>
+        </p:nvSpPr>
+        <p:spPr>
+          <a:ln/>
+        </p:spPr>
+      </p:sp>
+      <p:sp>
+        <p:nvSpPr>
+          <p:cNvPr id="248835" name="Rectangle 3"/>
+          <p:cNvSpPr>
+            <a:spLocks noGrp="1" noChangeArrowheads="1"/>
+          </p:cNvSpPr>
+          <p:nvPr>
+            <p:ph type="body" idx="1"/>
+          </p:nvPr>
+        </p:nvSpPr>
+        <p:spPr/>
+        <p:txBody>
+          <a:bodyPr/>
+          <a:lstStyle/>
+          <a:p>
+            <a:endParaRPr lang="en-US"/>
+          </a:p>
+        </p:txBody>
+      </p:sp>
+    </p:spTree>
+    <p:extLst>
+      <p:ext uri="{BB962C8B-B14F-4D97-AF65-F5344CB8AC3E}">
+        <p14:creationId xmlns:p14="http://schemas.microsoft.com/office/powerpoint/2010/main" val="1690420942"/>
+      </p:ext>
+    </p:extLst>
+  </p:cSld>
+  <p:clrMapOvr>
+    <a:masterClrMapping/>
+  </p:clrMapOvr>
+</p:notes>
+</file>
+
+<file path=ppt/notesSlides/notesSlide21.xml><?xml version="1.0" encoding="utf-8"?>
+<p:notes xmlns:a="http://schemas.openxmlformats.org/drawingml/2006/main" xmlns:r="http://schemas.openxmlformats.org/officeDocument/2006/relationships" xmlns:p="http://schemas.openxmlformats.org/presentationml/2006/main">
+  <p:cSld>
+    <p:spTree>
+      <p:nvGrpSpPr>
+        <p:cNvPr id="1" name=""/>
+        <p:cNvGrpSpPr/>
+        <p:nvPr/>
+      </p:nvGrpSpPr>
+      <p:grpSpPr>
+        <a:xfrm>
+          <a:off x="0" y="0"/>
+          <a:ext cx="0" cy="0"/>
+          <a:chOff x="0" y="0"/>
+          <a:chExt cx="0" cy="0"/>
+        </a:xfrm>
+      </p:grpSpPr>
+      <p:sp>
+        <p:nvSpPr>
+          <p:cNvPr id="7" name="Rectangle 7"/>
+          <p:cNvSpPr>
+            <a:spLocks noGrp="1" noChangeArrowheads="1"/>
+          </p:cNvSpPr>
+          <p:nvPr>
+            <p:ph type="sldNum" sz="quarter" idx="5"/>
+          </p:nvPr>
+        </p:nvSpPr>
+        <p:spPr>
+          <a:ln/>
+        </p:spPr>
+        <p:txBody>
+          <a:bodyPr/>
+          <a:lstStyle/>
+          <a:p>
+            <a:fld id="{D524765A-9056-4B37-B5E4-29B737BC477B}" type="slidenum">
+              <a:rPr lang="en-GB"/>
+              <a:pPr/>
+              <a:t>31</a:t>
+            </a:fld>
+            <a:endParaRPr lang="en-GB"/>
+          </a:p>
+        </p:txBody>
+      </p:sp>
+      <p:sp>
+        <p:nvSpPr>
+          <p:cNvPr id="242690" name="Rectangle 2"/>
+          <p:cNvSpPr>
+            <a:spLocks noGrp="1" noRot="1" noChangeAspect="1" noChangeArrowheads="1" noTextEdit="1"/>
+          </p:cNvSpPr>
+          <p:nvPr>
+            <p:ph type="sldImg"/>
+          </p:nvPr>
+        </p:nvSpPr>
+        <p:spPr>
+          <a:ln/>
+        </p:spPr>
+      </p:sp>
+      <p:sp>
+        <p:nvSpPr>
+          <p:cNvPr id="242691" name="Rectangle 3"/>
+          <p:cNvSpPr>
+            <a:spLocks noGrp="1" noChangeArrowheads="1"/>
+          </p:cNvSpPr>
+          <p:nvPr>
+            <p:ph type="body" idx="1"/>
+          </p:nvPr>
+        </p:nvSpPr>
+        <p:spPr/>
+        <p:txBody>
+          <a:bodyPr/>
+          <a:lstStyle/>
+          <a:p>
+            <a:endParaRPr lang="en-US"/>
+          </a:p>
+        </p:txBody>
+      </p:sp>
+    </p:spTree>
+    <p:extLst>
+      <p:ext uri="{BB962C8B-B14F-4D97-AF65-F5344CB8AC3E}">
+        <p14:creationId xmlns:p14="http://schemas.microsoft.com/office/powerpoint/2010/main" val="3035587540"/>
+      </p:ext>
+    </p:extLst>
+  </p:cSld>
+  <p:clrMapOvr>
+    <a:masterClrMapping/>
+  </p:clrMapOvr>
+</p:notes>
+</file>
+
+<file path=ppt/notesSlides/notesSlide22.xml><?xml version="1.0" encoding="utf-8"?>
+<p:notes xmlns:a="http://schemas.openxmlformats.org/drawingml/2006/main" xmlns:r="http://schemas.openxmlformats.org/officeDocument/2006/relationships" xmlns:p="http://schemas.openxmlformats.org/presentationml/2006/main">
+  <p:cSld>
+    <p:spTree>
+      <p:nvGrpSpPr>
+        <p:cNvPr id="1" name=""/>
+        <p:cNvGrpSpPr/>
+        <p:nvPr/>
+      </p:nvGrpSpPr>
+      <p:grpSpPr>
+        <a:xfrm>
+          <a:off x="0" y="0"/>
+          <a:ext cx="0" cy="0"/>
+          <a:chOff x="0" y="0"/>
+          <a:chExt cx="0" cy="0"/>
+        </a:xfrm>
+      </p:grpSpPr>
+      <p:sp>
+        <p:nvSpPr>
+          <p:cNvPr id="7" name="Rectangle 7"/>
+          <p:cNvSpPr>
+            <a:spLocks noGrp="1" noChangeArrowheads="1"/>
+          </p:cNvSpPr>
+          <p:nvPr>
+            <p:ph type="sldNum" sz="quarter" idx="5"/>
+          </p:nvPr>
+        </p:nvSpPr>
+        <p:spPr>
+          <a:ln/>
+        </p:spPr>
+        <p:txBody>
+          <a:bodyPr/>
+          <a:lstStyle/>
+          <a:p>
+            <a:fld id="{7ACE61C9-784A-41C7-BC0C-8E273A5957C8}" type="slidenum">
+              <a:rPr lang="en-US"/>
+              <a:pPr/>
+              <a:t>32</a:t>
+            </a:fld>
+            <a:endParaRPr lang="en-US"/>
+          </a:p>
+        </p:txBody>
+      </p:sp>
+      <p:sp>
+        <p:nvSpPr>
+          <p:cNvPr id="278530" name="Rectangle 2"/>
+          <p:cNvSpPr>
+            <a:spLocks noGrp="1" noRot="1" noChangeAspect="1" noChangeArrowheads="1" noTextEdit="1"/>
+          </p:cNvSpPr>
+          <p:nvPr>
+            <p:ph type="sldImg"/>
+          </p:nvPr>
+        </p:nvSpPr>
+        <p:spPr>
+          <a:ln/>
+        </p:spPr>
+      </p:sp>
+      <p:sp>
+        <p:nvSpPr>
+          <p:cNvPr id="278531" name="Rectangle 3"/>
+          <p:cNvSpPr>
+            <a:spLocks noGrp="1" noChangeArrowheads="1"/>
+          </p:cNvSpPr>
+          <p:nvPr>
+            <p:ph type="body" idx="1"/>
+          </p:nvPr>
+        </p:nvSpPr>
+        <p:spPr/>
+        <p:txBody>
+          <a:bodyPr/>
+          <a:lstStyle/>
+          <a:p>
+            <a:endParaRPr lang="en-US"/>
+          </a:p>
+        </p:txBody>
+      </p:sp>
+    </p:spTree>
+    <p:extLst>
+      <p:ext uri="{BB962C8B-B14F-4D97-AF65-F5344CB8AC3E}">
+        <p14:creationId xmlns:p14="http://schemas.microsoft.com/office/powerpoint/2010/main" val="3591205013"/>
+      </p:ext>
+    </p:extLst>
+  </p:cSld>
+  <p:clrMapOvr>
+    <a:masterClrMapping/>
+  </p:clrMapOvr>
+</p:notes>
+</file>
+
+<file path=ppt/notesSlides/notesSlide23.xml><?xml version="1.0" encoding="utf-8"?>
+<p:notes xmlns:a="http://schemas.openxmlformats.org/drawingml/2006/main" xmlns:r="http://schemas.openxmlformats.org/officeDocument/2006/relationships" xmlns:p="http://schemas.openxmlformats.org/presentationml/2006/main">
+  <p:cSld>
+    <p:spTree>
+      <p:nvGrpSpPr>
+        <p:cNvPr id="1" name=""/>
+        <p:cNvGrpSpPr/>
+        <p:nvPr/>
+      </p:nvGrpSpPr>
+      <p:grpSpPr>
+        <a:xfrm>
+          <a:off x="0" y="0"/>
+          <a:ext cx="0" cy="0"/>
+          <a:chOff x="0" y="0"/>
+          <a:chExt cx="0" cy="0"/>
+        </a:xfrm>
+      </p:grpSpPr>
+      <p:sp>
+        <p:nvSpPr>
+          <p:cNvPr id="7" name="Rectangle 7"/>
+          <p:cNvSpPr>
+            <a:spLocks noGrp="1" noChangeArrowheads="1"/>
+          </p:cNvSpPr>
+          <p:nvPr>
+            <p:ph type="sldNum" sz="quarter" idx="5"/>
+          </p:nvPr>
+        </p:nvSpPr>
+        <p:spPr>
+          <a:ln/>
+        </p:spPr>
+        <p:txBody>
+          <a:bodyPr/>
+          <a:lstStyle/>
+          <a:p>
+            <a:fld id="{8307142B-F28F-4031-907D-50F50F305A82}" type="slidenum">
+              <a:rPr lang="en-US"/>
+              <a:pPr/>
+              <a:t>33</a:t>
+            </a:fld>
+            <a:endParaRPr lang="en-US"/>
+          </a:p>
+        </p:txBody>
+      </p:sp>
+      <p:sp>
+        <p:nvSpPr>
+          <p:cNvPr id="280578" name="Rectangle 2"/>
+          <p:cNvSpPr>
+            <a:spLocks noGrp="1" noRot="1" noChangeAspect="1" noChangeArrowheads="1" noTextEdit="1"/>
+          </p:cNvSpPr>
+          <p:nvPr>
+            <p:ph type="sldImg"/>
+          </p:nvPr>
+        </p:nvSpPr>
+        <p:spPr>
+          <a:ln/>
+        </p:spPr>
+      </p:sp>
+      <p:sp>
+        <p:nvSpPr>
+          <p:cNvPr id="280579" name="Rectangle 3"/>
+          <p:cNvSpPr>
+            <a:spLocks noGrp="1" noChangeArrowheads="1"/>
+          </p:cNvSpPr>
+          <p:nvPr>
+            <p:ph type="body" idx="1"/>
+          </p:nvPr>
+        </p:nvSpPr>
+        <p:spPr/>
+        <p:txBody>
+          <a:bodyPr/>
+          <a:lstStyle/>
+          <a:p>
+            <a:endParaRPr lang="en-US"/>
+          </a:p>
+        </p:txBody>
+      </p:sp>
+    </p:spTree>
+    <p:extLst>
+      <p:ext uri="{BB962C8B-B14F-4D97-AF65-F5344CB8AC3E}">
+        <p14:creationId xmlns:p14="http://schemas.microsoft.com/office/powerpoint/2010/main" val="4063819590"/>
+      </p:ext>
+    </p:extLst>
+  </p:cSld>
+  <p:clrMapOvr>
+    <a:masterClrMapping/>
+  </p:clrMapOvr>
+</p:notes>
+</file>
+
+<file path=ppt/notesSlides/notesSlide24.xml><?xml version="1.0" encoding="utf-8"?>
+<p:notes xmlns:a="http://schemas.openxmlformats.org/drawingml/2006/main" xmlns:r="http://schemas.openxmlformats.org/officeDocument/2006/relationships" xmlns:p="http://schemas.openxmlformats.org/presentationml/2006/main">
+  <p:cSld>
+    <p:spTree>
+      <p:nvGrpSpPr>
+        <p:cNvPr id="1" name=""/>
+        <p:cNvGrpSpPr/>
+        <p:nvPr/>
+      </p:nvGrpSpPr>
+      <p:grpSpPr>
+        <a:xfrm>
+          <a:off x="0" y="0"/>
+          <a:ext cx="0" cy="0"/>
+          <a:chOff x="0" y="0"/>
+          <a:chExt cx="0" cy="0"/>
+        </a:xfrm>
+      </p:grpSpPr>
+      <p:sp>
+        <p:nvSpPr>
+          <p:cNvPr id="7" name="Rectangle 7"/>
+          <p:cNvSpPr>
+            <a:spLocks noGrp="1" noChangeArrowheads="1"/>
+          </p:cNvSpPr>
+          <p:nvPr>
+            <p:ph type="sldNum" sz="quarter" idx="5"/>
+          </p:nvPr>
+        </p:nvSpPr>
+        <p:spPr>
+          <a:ln/>
+        </p:spPr>
+        <p:txBody>
+          <a:bodyPr/>
+          <a:lstStyle/>
+          <a:p>
+            <a:fld id="{AE799912-76B0-4CF1-BA82-633D43A960C4}" type="slidenum">
+              <a:rPr lang="en-US"/>
+              <a:pPr/>
+              <a:t>34</a:t>
+            </a:fld>
+            <a:endParaRPr lang="en-US"/>
+          </a:p>
+        </p:txBody>
+      </p:sp>
+      <p:sp>
+        <p:nvSpPr>
+          <p:cNvPr id="282626" name="Rectangle 2"/>
+          <p:cNvSpPr>
+            <a:spLocks noGrp="1" noRot="1" noChangeAspect="1" noChangeArrowheads="1" noTextEdit="1"/>
+          </p:cNvSpPr>
+          <p:nvPr>
+            <p:ph type="sldImg"/>
+          </p:nvPr>
+        </p:nvSpPr>
+        <p:spPr>
+          <a:ln/>
+        </p:spPr>
+      </p:sp>
+      <p:sp>
+        <p:nvSpPr>
+          <p:cNvPr id="282627" name="Rectangle 3"/>
+          <p:cNvSpPr>
+            <a:spLocks noGrp="1" noChangeArrowheads="1"/>
+          </p:cNvSpPr>
+          <p:nvPr>
+            <p:ph type="body" idx="1"/>
+          </p:nvPr>
+        </p:nvSpPr>
+        <p:spPr/>
+        <p:txBody>
+          <a:bodyPr/>
+          <a:lstStyle/>
+          <a:p>
+            <a:endParaRPr lang="en-US"/>
+          </a:p>
+        </p:txBody>
+      </p:sp>
+    </p:spTree>
+    <p:extLst>
+      <p:ext uri="{BB962C8B-B14F-4D97-AF65-F5344CB8AC3E}">
+        <p14:creationId xmlns:p14="http://schemas.microsoft.com/office/powerpoint/2010/main" val="3381542124"/>
+      </p:ext>
+    </p:extLst>
+  </p:cSld>
+  <p:clrMapOvr>
+    <a:masterClrMapping/>
+  </p:clrMapOvr>
+</p:notes>
+</file>
+
+<file path=ppt/notesSlides/notesSlide25.xml><?xml version="1.0" encoding="utf-8"?>
+<p:notes xmlns:a="http://schemas.openxmlformats.org/drawingml/2006/main" xmlns:r="http://schemas.openxmlformats.org/officeDocument/2006/relationships" xmlns:p="http://schemas.openxmlformats.org/presentationml/2006/main">
+  <p:cSld>
+    <p:spTree>
+      <p:nvGrpSpPr>
+        <p:cNvPr id="1" name=""/>
+        <p:cNvGrpSpPr/>
+        <p:nvPr/>
+      </p:nvGrpSpPr>
+      <p:grpSpPr>
+        <a:xfrm>
+          <a:off x="0" y="0"/>
+          <a:ext cx="0" cy="0"/>
+          <a:chOff x="0" y="0"/>
+          <a:chExt cx="0" cy="0"/>
+        </a:xfrm>
+      </p:grpSpPr>
+      <p:sp>
+        <p:nvSpPr>
+          <p:cNvPr id="7" name="Rectangle 7"/>
+          <p:cNvSpPr>
+            <a:spLocks noGrp="1" noChangeArrowheads="1"/>
+          </p:cNvSpPr>
+          <p:nvPr>
+            <p:ph type="sldNum" sz="quarter" idx="5"/>
+          </p:nvPr>
+        </p:nvSpPr>
+        <p:spPr>
+          <a:ln/>
+        </p:spPr>
+        <p:txBody>
+          <a:bodyPr/>
+          <a:lstStyle/>
+          <a:p>
+            <a:fld id="{AE799912-76B0-4CF1-BA82-633D43A960C4}" type="slidenum">
+              <a:rPr lang="en-US"/>
+              <a:pPr/>
+              <a:t>36</a:t>
+            </a:fld>
+            <a:endParaRPr lang="en-US"/>
+          </a:p>
+        </p:txBody>
+      </p:sp>
+      <p:sp>
+        <p:nvSpPr>
+          <p:cNvPr id="282626" name="Rectangle 2"/>
+          <p:cNvSpPr>
+            <a:spLocks noGrp="1" noRot="1" noChangeAspect="1" noChangeArrowheads="1" noTextEdit="1"/>
+          </p:cNvSpPr>
+          <p:nvPr>
+            <p:ph type="sldImg"/>
+          </p:nvPr>
+        </p:nvSpPr>
+        <p:spPr>
+          <a:ln/>
+        </p:spPr>
+      </p:sp>
+      <p:sp>
+        <p:nvSpPr>
+          <p:cNvPr id="282627" name="Rectangle 3"/>
+          <p:cNvSpPr>
+            <a:spLocks noGrp="1" noChangeArrowheads="1"/>
+          </p:cNvSpPr>
+          <p:nvPr>
+            <p:ph type="body" idx="1"/>
+          </p:nvPr>
+        </p:nvSpPr>
+        <p:spPr/>
+        <p:txBody>
+          <a:bodyPr/>
+          <a:lstStyle/>
+          <a:p>
+            <a:endParaRPr lang="en-US"/>
+          </a:p>
+        </p:txBody>
+      </p:sp>
+    </p:spTree>
+    <p:extLst>
+      <p:ext uri="{BB962C8B-B14F-4D97-AF65-F5344CB8AC3E}">
+        <p14:creationId xmlns:p14="http://schemas.microsoft.com/office/powerpoint/2010/main" val="1633800538"/>
+      </p:ext>
+    </p:extLst>
+  </p:cSld>
+  <p:clrMapOvr>
+    <a:masterClrMapping/>
+  </p:clrMapOvr>
+</p:notes>
+</file>
+
 <file path=ppt/notesSlides/notesSlide3.xml><?xml version="1.0" encoding="utf-8"?>
 <p:notes xmlns:a="http://schemas.openxmlformats.org/drawingml/2006/main" xmlns:r="http://schemas.openxmlformats.org/officeDocument/2006/relationships" xmlns:p="http://schemas.openxmlformats.org/presentationml/2006/main">
   <p:cSld>
@@ -1940,7 +2479,7 @@
           <a:bodyPr/>
           <a:lstStyle/>
           <a:p>
-            <a:fld id="{B1BD5164-69B7-4D09-A032-7620FF54179F}" type="slidenum">
+            <a:fld id="{D524765A-9056-4B37-B5E4-29B737BC477B}" type="slidenum">
               <a:rPr lang="en-GB"/>
               <a:pPr/>
               <a:t>3</a:t>
@@ -1951,7 +2490,7 @@
       </p:sp>
       <p:sp>
         <p:nvSpPr>
-          <p:cNvPr id="308226" name="Rectangle 2"/>
+          <p:cNvPr id="242690" name="Rectangle 2"/>
           <p:cNvSpPr>
             <a:spLocks noGrp="1" noRot="1" noChangeAspect="1" noChangeArrowheads="1" noTextEdit="1"/>
           </p:cNvSpPr>
@@ -1965,7 +2504,7 @@
       </p:sp>
       <p:sp>
         <p:nvSpPr>
-          <p:cNvPr id="308227" name="Rectangle 3"/>
+          <p:cNvPr id="242691" name="Rectangle 3"/>
           <p:cNvSpPr>
             <a:spLocks noGrp="1" noChangeArrowheads="1"/>
           </p:cNvSpPr>
@@ -1985,7 +2524,7 @@
     </p:spTree>
     <p:extLst>
       <p:ext uri="{BB962C8B-B14F-4D97-AF65-F5344CB8AC3E}">
-        <p14:creationId xmlns:p14="http://schemas.microsoft.com/office/powerpoint/2010/main" val="1962515066"/>
+        <p14:creationId xmlns:p14="http://schemas.microsoft.com/office/powerpoint/2010/main" val="1693488072"/>
       </p:ext>
     </p:extLst>
   </p:cSld>
@@ -2207,7 +2746,7 @@
           <a:bodyPr/>
           <a:lstStyle/>
           <a:p>
-            <a:fld id="{D654859E-A22E-4329-A93D-293ED308252D}" type="slidenum">
+            <a:fld id="{D524765A-9056-4B37-B5E4-29B737BC477B}" type="slidenum">
               <a:rPr lang="en-GB"/>
               <a:pPr/>
               <a:t>10</a:t>
@@ -2218,7 +2757,7 @@
       </p:sp>
       <p:sp>
         <p:nvSpPr>
-          <p:cNvPr id="318466" name="Rectangle 2"/>
+          <p:cNvPr id="242690" name="Rectangle 2"/>
           <p:cNvSpPr>
             <a:spLocks noGrp="1" noRot="1" noChangeAspect="1" noChangeArrowheads="1" noTextEdit="1"/>
           </p:cNvSpPr>
@@ -2232,7 +2771,7 @@
       </p:sp>
       <p:sp>
         <p:nvSpPr>
-          <p:cNvPr id="318467" name="Rectangle 3"/>
+          <p:cNvPr id="242691" name="Rectangle 3"/>
           <p:cNvSpPr>
             <a:spLocks noGrp="1" noChangeArrowheads="1"/>
           </p:cNvSpPr>
@@ -2252,7 +2791,7 @@
     </p:spTree>
     <p:extLst>
       <p:ext uri="{BB962C8B-B14F-4D97-AF65-F5344CB8AC3E}">
-        <p14:creationId xmlns:p14="http://schemas.microsoft.com/office/powerpoint/2010/main" val="2573624053"/>
+        <p14:creationId xmlns:p14="http://schemas.microsoft.com/office/powerpoint/2010/main" val="1851031882"/>
       </p:ext>
     </p:extLst>
   </p:cSld>
@@ -2296,7 +2835,7 @@
           <a:bodyPr/>
           <a:lstStyle/>
           <a:p>
-            <a:fld id="{52E6EB11-0509-44D3-99CE-C09C604011C4}" type="slidenum">
+            <a:fld id="{D654859E-A22E-4329-A93D-293ED308252D}" type="slidenum">
               <a:rPr lang="en-GB"/>
               <a:pPr/>
               <a:t>11</a:t>
@@ -2307,7 +2846,7 @@
       </p:sp>
       <p:sp>
         <p:nvSpPr>
-          <p:cNvPr id="310274" name="Rectangle 2"/>
+          <p:cNvPr id="318466" name="Rectangle 2"/>
           <p:cNvSpPr>
             <a:spLocks noGrp="1" noRot="1" noChangeAspect="1" noChangeArrowheads="1" noTextEdit="1"/>
           </p:cNvSpPr>
@@ -2321,7 +2860,7 @@
       </p:sp>
       <p:sp>
         <p:nvSpPr>
-          <p:cNvPr id="310275" name="Rectangle 3"/>
+          <p:cNvPr id="318467" name="Rectangle 3"/>
           <p:cNvSpPr>
             <a:spLocks noGrp="1" noChangeArrowheads="1"/>
           </p:cNvSpPr>
@@ -2341,7 +2880,7 @@
     </p:spTree>
     <p:extLst>
       <p:ext uri="{BB962C8B-B14F-4D97-AF65-F5344CB8AC3E}">
-        <p14:creationId xmlns:p14="http://schemas.microsoft.com/office/powerpoint/2010/main" val="3162632802"/>
+        <p14:creationId xmlns:p14="http://schemas.microsoft.com/office/powerpoint/2010/main" val="2573624053"/>
       </p:ext>
     </p:extLst>
   </p:cSld>
@@ -2385,7 +2924,7 @@
           <a:bodyPr/>
           <a:lstStyle/>
           <a:p>
-            <a:fld id="{1B4C610E-9D13-4F11-837A-85F2091F396F}" type="slidenum">
+            <a:fld id="{52E6EB11-0509-44D3-99CE-C09C604011C4}" type="slidenum">
               <a:rPr lang="en-GB"/>
               <a:pPr/>
               <a:t>12</a:t>
@@ -2396,7 +2935,7 @@
       </p:sp>
       <p:sp>
         <p:nvSpPr>
-          <p:cNvPr id="325634" name="Rectangle 2"/>
+          <p:cNvPr id="310274" name="Rectangle 2"/>
           <p:cNvSpPr>
             <a:spLocks noGrp="1" noRot="1" noChangeAspect="1" noChangeArrowheads="1" noTextEdit="1"/>
           </p:cNvSpPr>
@@ -2410,7 +2949,7 @@
       </p:sp>
       <p:sp>
         <p:nvSpPr>
-          <p:cNvPr id="325635" name="Rectangle 3"/>
+          <p:cNvPr id="310275" name="Rectangle 3"/>
           <p:cNvSpPr>
             <a:spLocks noGrp="1" noChangeArrowheads="1"/>
           </p:cNvSpPr>
@@ -2430,7 +2969,7 @@
     </p:spTree>
     <p:extLst>
       <p:ext uri="{BB962C8B-B14F-4D97-AF65-F5344CB8AC3E}">
-        <p14:creationId xmlns:p14="http://schemas.microsoft.com/office/powerpoint/2010/main" val="1151008846"/>
+        <p14:creationId xmlns:p14="http://schemas.microsoft.com/office/powerpoint/2010/main" val="3162632802"/>
       </p:ext>
     </p:extLst>
   </p:cSld>
@@ -2474,18 +3013,18 @@
           <a:bodyPr/>
           <a:lstStyle/>
           <a:p>
-            <a:fld id="{5BD41292-26B9-4187-9E71-91276D6A46E7}" type="slidenum">
-              <a:rPr lang="en-US"/>
+            <a:fld id="{1B4C610E-9D13-4F11-837A-85F2091F396F}" type="slidenum">
+              <a:rPr lang="en-GB"/>
               <a:pPr/>
-              <a:t>14</a:t>
+              <a:t>13</a:t>
             </a:fld>
-            <a:endParaRPr lang="en-US"/>
-          </a:p>
-        </p:txBody>
-      </p:sp>
-      <p:sp>
-        <p:nvSpPr>
-          <p:cNvPr id="272386" name="Rectangle 2"/>
+            <a:endParaRPr lang="en-GB"/>
+          </a:p>
+        </p:txBody>
+      </p:sp>
+      <p:sp>
+        <p:nvSpPr>
+          <p:cNvPr id="325634" name="Rectangle 2"/>
           <p:cNvSpPr>
             <a:spLocks noGrp="1" noRot="1" noChangeAspect="1" noChangeArrowheads="1" noTextEdit="1"/>
           </p:cNvSpPr>
@@ -2499,7 +3038,7 @@
       </p:sp>
       <p:sp>
         <p:nvSpPr>
-          <p:cNvPr id="272387" name="Rectangle 3"/>
+          <p:cNvPr id="325635" name="Rectangle 3"/>
           <p:cNvSpPr>
             <a:spLocks noGrp="1" noChangeArrowheads="1"/>
           </p:cNvSpPr>
@@ -2519,7 +3058,7 @@
     </p:spTree>
     <p:extLst>
       <p:ext uri="{BB962C8B-B14F-4D97-AF65-F5344CB8AC3E}">
-        <p14:creationId xmlns:p14="http://schemas.microsoft.com/office/powerpoint/2010/main" val="944765256"/>
+        <p14:creationId xmlns:p14="http://schemas.microsoft.com/office/powerpoint/2010/main" val="1151008846"/>
       </p:ext>
     </p:extLst>
   </p:cSld>
@@ -5998,12 +6537,174 @@
           <a:chExt cx="0" cy="0"/>
         </a:xfrm>
       </p:grpSpPr>
+      <p:sp>
+        <p:nvSpPr>
+          <p:cNvPr id="3074" name="Rectangle 2"/>
+          <p:cNvSpPr>
+            <a:spLocks noGrp="1" noChangeArrowheads="1"/>
+          </p:cNvSpPr>
+          <p:nvPr>
+            <p:ph type="title"/>
+          </p:nvPr>
+        </p:nvSpPr>
+        <p:spPr>
+          <a:xfrm>
+            <a:off x="685800" y="304800"/>
+            <a:ext cx="7772400" cy="1143000"/>
+          </a:xfrm>
+        </p:spPr>
+        <p:txBody>
+          <a:bodyPr/>
+          <a:lstStyle/>
+          <a:p>
+            <a:r>
+              <a:rPr lang="de-DE" sz="4000" dirty="0">
+                <a:latin typeface="Candara" panose="020E0502030303020204" pitchFamily="34" charset="0"/>
+              </a:rPr>
+              <a:t>Scenarios and abatement options</a:t>
+            </a:r>
+            <a:endParaRPr lang="en-GB" sz="4000" dirty="0">
+              <a:latin typeface="Candara" panose="020E0502030303020204" pitchFamily="34" charset="0"/>
+            </a:endParaRPr>
+          </a:p>
+        </p:txBody>
+      </p:sp>
+      <p:sp>
+        <p:nvSpPr>
+          <p:cNvPr id="3075" name="Rectangle 3"/>
+          <p:cNvSpPr>
+            <a:spLocks noGrp="1" noChangeArrowheads="1"/>
+          </p:cNvSpPr>
+          <p:nvPr>
+            <p:ph type="body" idx="1"/>
+          </p:nvPr>
+        </p:nvSpPr>
+        <p:spPr>
+          <a:xfrm>
+            <a:off x="762000" y="1676400"/>
+            <a:ext cx="7772400" cy="4114800"/>
+          </a:xfrm>
+        </p:spPr>
+        <p:txBody>
+          <a:bodyPr/>
+          <a:lstStyle/>
+          <a:p>
+            <a:r>
+              <a:rPr lang="de-DE" sz="2800" dirty="0">
+                <a:latin typeface="Candara" panose="020E0502030303020204" pitchFamily="34" charset="0"/>
+              </a:rPr>
+              <a:t>Sources of greenhouse gas emissions</a:t>
+            </a:r>
+          </a:p>
+          <a:p>
+            <a:r>
+              <a:rPr lang="de-DE" sz="2800" b="1" dirty="0">
+                <a:latin typeface="Candara" panose="020E0502030303020204" pitchFamily="34" charset="0"/>
+              </a:rPr>
+              <a:t>Kaya Identity</a:t>
+            </a:r>
+          </a:p>
+          <a:p>
+            <a:r>
+              <a:rPr lang="de-DE" sz="2800" dirty="0">
+                <a:latin typeface="Candara" panose="020E0502030303020204" pitchFamily="34" charset="0"/>
+              </a:rPr>
+              <a:t>IPCC scenarios</a:t>
+            </a:r>
+          </a:p>
+          <a:p>
+            <a:r>
+              <a:rPr lang="de-DE" sz="2800" dirty="0">
+                <a:latin typeface="Candara" panose="020E0502030303020204" pitchFamily="34" charset="0"/>
+              </a:rPr>
+              <a:t>Options for emission reduction</a:t>
+            </a:r>
+          </a:p>
+          <a:p>
+            <a:pPr lvl="1"/>
+            <a:r>
+              <a:rPr lang="de-DE" sz="2400" dirty="0">
+                <a:latin typeface="Candara" panose="020E0502030303020204" pitchFamily="34" charset="0"/>
+              </a:rPr>
+              <a:t>Population</a:t>
+            </a:r>
+          </a:p>
+          <a:p>
+            <a:pPr lvl="1"/>
+            <a:r>
+              <a:rPr lang="de-DE" sz="2400" dirty="0">
+                <a:latin typeface="Candara" panose="020E0502030303020204" pitchFamily="34" charset="0"/>
+              </a:rPr>
+              <a:t>Income</a:t>
+            </a:r>
+          </a:p>
+          <a:p>
+            <a:pPr lvl="1"/>
+            <a:r>
+              <a:rPr lang="de-DE" sz="2400" dirty="0">
+                <a:latin typeface="Candara" panose="020E0502030303020204" pitchFamily="34" charset="0"/>
+              </a:rPr>
+              <a:t>Energy</a:t>
+            </a:r>
+          </a:p>
+          <a:p>
+            <a:pPr lvl="1"/>
+            <a:r>
+              <a:rPr lang="de-DE" sz="2400" dirty="0">
+                <a:latin typeface="Candara" panose="020E0502030303020204" pitchFamily="34" charset="0"/>
+              </a:rPr>
+              <a:t>Fuel</a:t>
+            </a:r>
+          </a:p>
+          <a:p>
+            <a:r>
+              <a:rPr lang="de-DE" sz="2800" dirty="0">
+                <a:latin typeface="Candara" panose="020E0502030303020204" pitchFamily="34" charset="0"/>
+              </a:rPr>
+              <a:t>Geoengineering</a:t>
+            </a:r>
+            <a:endParaRPr lang="de-DE" dirty="0">
+              <a:latin typeface="Candara" panose="020E0502030303020204" pitchFamily="34" charset="0"/>
+            </a:endParaRPr>
+          </a:p>
+        </p:txBody>
+      </p:sp>
+    </p:spTree>
+    <p:extLst>
+      <p:ext uri="{BB962C8B-B14F-4D97-AF65-F5344CB8AC3E}">
+        <p14:creationId xmlns:p14="http://schemas.microsoft.com/office/powerpoint/2010/main" val="4222521235"/>
+      </p:ext>
+    </p:extLst>
+  </p:cSld>
+  <p:clrMapOvr>
+    <a:masterClrMapping/>
+  </p:clrMapOvr>
+</p:sld>
+</file>
+
+<file path=ppt/slides/slide11.xml><?xml version="1.0" encoding="utf-8"?>
+<p:sld xmlns:a="http://schemas.openxmlformats.org/drawingml/2006/main" xmlns:r="http://schemas.openxmlformats.org/officeDocument/2006/relationships" xmlns:p="http://schemas.openxmlformats.org/presentationml/2006/main">
+  <p:cSld>
+    <p:spTree>
+      <p:nvGrpSpPr>
+        <p:cNvPr id="1" name=""/>
+        <p:cNvGrpSpPr/>
+        <p:nvPr/>
+      </p:nvGrpSpPr>
+      <p:grpSpPr>
+        <a:xfrm>
+          <a:off x="0" y="0"/>
+          <a:ext cx="0" cy="0"/>
+          <a:chOff x="0" y="0"/>
+          <a:chExt cx="0" cy="0"/>
+        </a:xfrm>
+      </p:grpSpPr>
       <p:pic>
         <p:nvPicPr>
-          <p:cNvPr id="3" name="Picture 2">
+          <p:cNvPr id="2" name="Picture 1" descr="Chart, line chart&#10;&#10;Description automatically generated">
             <a:extLst>
               <a:ext uri="{FF2B5EF4-FFF2-40B4-BE49-F238E27FC236}">
-                <a16:creationId xmlns:a16="http://schemas.microsoft.com/office/drawing/2014/main" id="{C5BC7AA1-47F3-45F4-89E4-EC8F52F24B0F}"/>
+                <a16:creationId xmlns:a16="http://schemas.microsoft.com/office/drawing/2014/main" id="{80371360-57E4-BC81-7AB5-BA672BC494DB}"/>
               </a:ext>
             </a:extLst>
           </p:cNvPr>
@@ -6013,7 +6714,7 @@
           <p:nvPr/>
         </p:nvPicPr>
         <p:blipFill>
-          <a:blip r:embed="rId4">
+          <a:blip r:embed="rId3" cstate="print">
             <a:extLst>
               <a:ext uri="{28A0092B-C50C-407E-A947-70E740481C1C}">
                 <a14:useLocalDpi xmlns:a14="http://schemas.microsoft.com/office/drawing/2010/main" val="0"/>
@@ -6026,8 +6727,8 @@
         </p:blipFill>
         <p:spPr>
           <a:xfrm>
-            <a:off x="-1" y="914400"/>
-            <a:ext cx="9150903" cy="5943602"/>
+            <a:off x="0" y="655973"/>
+            <a:ext cx="9144000" cy="5973427"/>
           </a:xfrm>
           <a:prstGeom prst="rect">
             <a:avLst/>
@@ -6084,12 +6785,12 @@
           <a:graphicData uri="http://schemas.openxmlformats.org/presentationml/2006/ole">
             <mc:AlternateContent xmlns:mc="http://schemas.openxmlformats.org/markup-compatibility/2006">
               <mc:Choice xmlns:v="urn:schemas-microsoft-com:vml" Requires="v">
-                <p:oleObj spid="_x0000_s341017" name="Equation" r:id="rId5" imgW="2184120" imgH="863280" progId="Equation.DSMT4">
+                <p:oleObj name="Equation" r:id="rId4" imgW="2184120" imgH="863280" progId="Equation.DSMT4">
                   <p:embed/>
                 </p:oleObj>
               </mc:Choice>
               <mc:Fallback>
-                <p:oleObj name="Equation" r:id="rId5" imgW="2184120" imgH="863280" progId="Equation.DSMT4">
+                <p:oleObj name="Equation" r:id="rId4" imgW="2184120" imgH="863280" progId="Equation.DSMT4">
                   <p:embed/>
                   <p:pic>
                     <p:nvPicPr>
@@ -6100,7 +6801,7 @@
                       <p:nvPr/>
                     </p:nvPicPr>
                     <p:blipFill>
-                      <a:blip r:embed="rId6">
+                      <a:blip r:embed="rId5">
                         <a:extLst>
                           <a:ext uri="{28A0092B-C50C-407E-A947-70E740481C1C}">
                             <a14:useLocalDpi xmlns:a14="http://schemas.microsoft.com/office/drawing/2010/main" val="0"/>
@@ -6151,7 +6852,7 @@
 </p:sld>
 </file>
 
-<file path=ppt/slides/slide11.xml><?xml version="1.0" encoding="utf-8"?>
+<file path=ppt/slides/slide12.xml><?xml version="1.0" encoding="utf-8"?>
 <p:sld xmlns:a="http://schemas.openxmlformats.org/drawingml/2006/main" xmlns:r="http://schemas.openxmlformats.org/officeDocument/2006/relationships" xmlns:p="http://schemas.openxmlformats.org/presentationml/2006/main">
   <p:cSld>
     <p:spTree>
@@ -6209,7 +6910,7 @@
 </p:sld>
 </file>
 
-<file path=ppt/slides/slide12.xml><?xml version="1.0" encoding="utf-8"?>
+<file path=ppt/slides/slide13.xml><?xml version="1.0" encoding="utf-8"?>
 <p:sld xmlns:a="http://schemas.openxmlformats.org/drawingml/2006/main" xmlns:r="http://schemas.openxmlformats.org/officeDocument/2006/relationships" xmlns:p="http://schemas.openxmlformats.org/presentationml/2006/main">
   <p:cSld>
     <p:spTree>
@@ -6594,7 +7295,169 @@
 </p:sld>
 </file>
 
-<file path=ppt/slides/slide13.xml><?xml version="1.0" encoding="utf-8"?>
+<file path=ppt/slides/slide14.xml><?xml version="1.0" encoding="utf-8"?>
+<p:sld xmlns:a="http://schemas.openxmlformats.org/drawingml/2006/main" xmlns:r="http://schemas.openxmlformats.org/officeDocument/2006/relationships" xmlns:p="http://schemas.openxmlformats.org/presentationml/2006/main">
+  <p:cSld>
+    <p:spTree>
+      <p:nvGrpSpPr>
+        <p:cNvPr id="1" name=""/>
+        <p:cNvGrpSpPr/>
+        <p:nvPr/>
+      </p:nvGrpSpPr>
+      <p:grpSpPr>
+        <a:xfrm>
+          <a:off x="0" y="0"/>
+          <a:ext cx="0" cy="0"/>
+          <a:chOff x="0" y="0"/>
+          <a:chExt cx="0" cy="0"/>
+        </a:xfrm>
+      </p:grpSpPr>
+      <p:sp>
+        <p:nvSpPr>
+          <p:cNvPr id="3074" name="Rectangle 2"/>
+          <p:cNvSpPr>
+            <a:spLocks noGrp="1" noChangeArrowheads="1"/>
+          </p:cNvSpPr>
+          <p:nvPr>
+            <p:ph type="title"/>
+          </p:nvPr>
+        </p:nvSpPr>
+        <p:spPr>
+          <a:xfrm>
+            <a:off x="685800" y="304800"/>
+            <a:ext cx="7772400" cy="1143000"/>
+          </a:xfrm>
+        </p:spPr>
+        <p:txBody>
+          <a:bodyPr/>
+          <a:lstStyle/>
+          <a:p>
+            <a:r>
+              <a:rPr lang="de-DE" sz="4000" dirty="0">
+                <a:latin typeface="Candara" panose="020E0502030303020204" pitchFamily="34" charset="0"/>
+              </a:rPr>
+              <a:t>Scenarios and abatement options</a:t>
+            </a:r>
+            <a:endParaRPr lang="en-GB" sz="4000" dirty="0">
+              <a:latin typeface="Candara" panose="020E0502030303020204" pitchFamily="34" charset="0"/>
+            </a:endParaRPr>
+          </a:p>
+        </p:txBody>
+      </p:sp>
+      <p:sp>
+        <p:nvSpPr>
+          <p:cNvPr id="3075" name="Rectangle 3"/>
+          <p:cNvSpPr>
+            <a:spLocks noGrp="1" noChangeArrowheads="1"/>
+          </p:cNvSpPr>
+          <p:nvPr>
+            <p:ph type="body" idx="1"/>
+          </p:nvPr>
+        </p:nvSpPr>
+        <p:spPr>
+          <a:xfrm>
+            <a:off x="762000" y="1676400"/>
+            <a:ext cx="7772400" cy="4114800"/>
+          </a:xfrm>
+        </p:spPr>
+        <p:txBody>
+          <a:bodyPr/>
+          <a:lstStyle/>
+          <a:p>
+            <a:r>
+              <a:rPr lang="de-DE" sz="2800" dirty="0">
+                <a:latin typeface="Candara" panose="020E0502030303020204" pitchFamily="34" charset="0"/>
+              </a:rPr>
+              <a:t>Sources of greenhouse gas emissions</a:t>
+            </a:r>
+          </a:p>
+          <a:p>
+            <a:r>
+              <a:rPr lang="de-DE" sz="2800" dirty="0">
+                <a:latin typeface="Candara" panose="020E0502030303020204" pitchFamily="34" charset="0"/>
+              </a:rPr>
+              <a:t>Kaya Identity</a:t>
+            </a:r>
+          </a:p>
+          <a:p>
+            <a:r>
+              <a:rPr lang="de-DE" sz="2800" b="1" dirty="0">
+                <a:latin typeface="Candara" panose="020E0502030303020204" pitchFamily="34" charset="0"/>
+              </a:rPr>
+              <a:t>IPCC scenarios</a:t>
+            </a:r>
+          </a:p>
+          <a:p>
+            <a:r>
+              <a:rPr lang="de-DE" sz="2800" dirty="0">
+                <a:latin typeface="Candara" panose="020E0502030303020204" pitchFamily="34" charset="0"/>
+              </a:rPr>
+              <a:t>Options for emission reduction</a:t>
+            </a:r>
+          </a:p>
+          <a:p>
+            <a:pPr lvl="1"/>
+            <a:r>
+              <a:rPr lang="de-DE" sz="2400" dirty="0">
+                <a:latin typeface="Candara" panose="020E0502030303020204" pitchFamily="34" charset="0"/>
+              </a:rPr>
+              <a:t>Population</a:t>
+            </a:r>
+          </a:p>
+          <a:p>
+            <a:pPr lvl="1"/>
+            <a:r>
+              <a:rPr lang="de-DE" sz="2400" dirty="0">
+                <a:latin typeface="Candara" panose="020E0502030303020204" pitchFamily="34" charset="0"/>
+              </a:rPr>
+              <a:t>Income</a:t>
+            </a:r>
+          </a:p>
+          <a:p>
+            <a:pPr lvl="1"/>
+            <a:r>
+              <a:rPr lang="de-DE" sz="2400" dirty="0">
+                <a:latin typeface="Candara" panose="020E0502030303020204" pitchFamily="34" charset="0"/>
+              </a:rPr>
+              <a:t>Energy</a:t>
+            </a:r>
+          </a:p>
+          <a:p>
+            <a:pPr lvl="1"/>
+            <a:r>
+              <a:rPr lang="de-DE" sz="2400" dirty="0">
+                <a:latin typeface="Candara" panose="020E0502030303020204" pitchFamily="34" charset="0"/>
+              </a:rPr>
+              <a:t>Fuel</a:t>
+            </a:r>
+          </a:p>
+          <a:p>
+            <a:r>
+              <a:rPr lang="de-DE" sz="2800" dirty="0">
+                <a:latin typeface="Candara" panose="020E0502030303020204" pitchFamily="34" charset="0"/>
+              </a:rPr>
+              <a:t>Geoengineering</a:t>
+            </a:r>
+            <a:endParaRPr lang="de-DE" dirty="0">
+              <a:latin typeface="Candara" panose="020E0502030303020204" pitchFamily="34" charset="0"/>
+            </a:endParaRPr>
+          </a:p>
+        </p:txBody>
+      </p:sp>
+    </p:spTree>
+    <p:extLst>
+      <p:ext uri="{BB962C8B-B14F-4D97-AF65-F5344CB8AC3E}">
+        <p14:creationId xmlns:p14="http://schemas.microsoft.com/office/powerpoint/2010/main" val="3500095993"/>
+      </p:ext>
+    </p:extLst>
+  </p:cSld>
+  <p:clrMapOvr>
+    <a:masterClrMapping/>
+  </p:clrMapOvr>
+</p:sld>
+</file>
+
+<file path=ppt/slides/slide15.xml><?xml version="1.0" encoding="utf-8"?>
 <p:sld xmlns:a="http://schemas.openxmlformats.org/drawingml/2006/main" xmlns:r="http://schemas.openxmlformats.org/officeDocument/2006/relationships" xmlns:p="http://schemas.openxmlformats.org/presentationml/2006/main">
   <p:cSld>
     <p:spTree>
@@ -6660,7 +7523,169 @@
 </p:sld>
 </file>
 
-<file path=ppt/slides/slide14.xml><?xml version="1.0" encoding="utf-8"?>
+<file path=ppt/slides/slide16.xml><?xml version="1.0" encoding="utf-8"?>
+<p:sld xmlns:a="http://schemas.openxmlformats.org/drawingml/2006/main" xmlns:r="http://schemas.openxmlformats.org/officeDocument/2006/relationships" xmlns:p="http://schemas.openxmlformats.org/presentationml/2006/main">
+  <p:cSld>
+    <p:spTree>
+      <p:nvGrpSpPr>
+        <p:cNvPr id="1" name=""/>
+        <p:cNvGrpSpPr/>
+        <p:nvPr/>
+      </p:nvGrpSpPr>
+      <p:grpSpPr>
+        <a:xfrm>
+          <a:off x="0" y="0"/>
+          <a:ext cx="0" cy="0"/>
+          <a:chOff x="0" y="0"/>
+          <a:chExt cx="0" cy="0"/>
+        </a:xfrm>
+      </p:grpSpPr>
+      <p:sp>
+        <p:nvSpPr>
+          <p:cNvPr id="3074" name="Rectangle 2"/>
+          <p:cNvSpPr>
+            <a:spLocks noGrp="1" noChangeArrowheads="1"/>
+          </p:cNvSpPr>
+          <p:nvPr>
+            <p:ph type="title"/>
+          </p:nvPr>
+        </p:nvSpPr>
+        <p:spPr>
+          <a:xfrm>
+            <a:off x="685800" y="304800"/>
+            <a:ext cx="7772400" cy="1143000"/>
+          </a:xfrm>
+        </p:spPr>
+        <p:txBody>
+          <a:bodyPr/>
+          <a:lstStyle/>
+          <a:p>
+            <a:r>
+              <a:rPr lang="de-DE" sz="4000" dirty="0">
+                <a:latin typeface="Candara" panose="020E0502030303020204" pitchFamily="34" charset="0"/>
+              </a:rPr>
+              <a:t>Scenarios and abatement options</a:t>
+            </a:r>
+            <a:endParaRPr lang="en-GB" sz="4000" dirty="0">
+              <a:latin typeface="Candara" panose="020E0502030303020204" pitchFamily="34" charset="0"/>
+            </a:endParaRPr>
+          </a:p>
+        </p:txBody>
+      </p:sp>
+      <p:sp>
+        <p:nvSpPr>
+          <p:cNvPr id="3075" name="Rectangle 3"/>
+          <p:cNvSpPr>
+            <a:spLocks noGrp="1" noChangeArrowheads="1"/>
+          </p:cNvSpPr>
+          <p:nvPr>
+            <p:ph type="body" idx="1"/>
+          </p:nvPr>
+        </p:nvSpPr>
+        <p:spPr>
+          <a:xfrm>
+            <a:off x="762000" y="1676400"/>
+            <a:ext cx="7772400" cy="4114800"/>
+          </a:xfrm>
+        </p:spPr>
+        <p:txBody>
+          <a:bodyPr/>
+          <a:lstStyle/>
+          <a:p>
+            <a:r>
+              <a:rPr lang="de-DE" sz="2800" dirty="0">
+                <a:latin typeface="Candara" panose="020E0502030303020204" pitchFamily="34" charset="0"/>
+              </a:rPr>
+              <a:t>Sources of greenhouse gas emissions</a:t>
+            </a:r>
+          </a:p>
+          <a:p>
+            <a:r>
+              <a:rPr lang="de-DE" sz="2800" dirty="0">
+                <a:latin typeface="Candara" panose="020E0502030303020204" pitchFamily="34" charset="0"/>
+              </a:rPr>
+              <a:t>Kaya Identity</a:t>
+            </a:r>
+          </a:p>
+          <a:p>
+            <a:r>
+              <a:rPr lang="de-DE" sz="2800" dirty="0">
+                <a:latin typeface="Candara" panose="020E0502030303020204" pitchFamily="34" charset="0"/>
+              </a:rPr>
+              <a:t>IPCC scenarios</a:t>
+            </a:r>
+          </a:p>
+          <a:p>
+            <a:r>
+              <a:rPr lang="de-DE" sz="2800" b="1" dirty="0">
+                <a:latin typeface="Candara" panose="020E0502030303020204" pitchFamily="34" charset="0"/>
+              </a:rPr>
+              <a:t>Options for emission reduction</a:t>
+            </a:r>
+          </a:p>
+          <a:p>
+            <a:pPr lvl="1"/>
+            <a:r>
+              <a:rPr lang="de-DE" sz="2400" b="1" dirty="0">
+                <a:latin typeface="Candara" panose="020E0502030303020204" pitchFamily="34" charset="0"/>
+              </a:rPr>
+              <a:t>Population</a:t>
+            </a:r>
+          </a:p>
+          <a:p>
+            <a:pPr lvl="1"/>
+            <a:r>
+              <a:rPr lang="de-DE" sz="2400" b="1" dirty="0">
+                <a:latin typeface="Candara" panose="020E0502030303020204" pitchFamily="34" charset="0"/>
+              </a:rPr>
+              <a:t>Income</a:t>
+            </a:r>
+          </a:p>
+          <a:p>
+            <a:pPr lvl="1"/>
+            <a:r>
+              <a:rPr lang="de-DE" sz="2400" dirty="0">
+                <a:latin typeface="Candara" panose="020E0502030303020204" pitchFamily="34" charset="0"/>
+              </a:rPr>
+              <a:t>Energy</a:t>
+            </a:r>
+          </a:p>
+          <a:p>
+            <a:pPr lvl="1"/>
+            <a:r>
+              <a:rPr lang="de-DE" sz="2400" dirty="0">
+                <a:latin typeface="Candara" panose="020E0502030303020204" pitchFamily="34" charset="0"/>
+              </a:rPr>
+              <a:t>Fuel</a:t>
+            </a:r>
+          </a:p>
+          <a:p>
+            <a:r>
+              <a:rPr lang="de-DE" sz="2800" dirty="0">
+                <a:latin typeface="Candara" panose="020E0502030303020204" pitchFamily="34" charset="0"/>
+              </a:rPr>
+              <a:t>Geoengineering</a:t>
+            </a:r>
+            <a:endParaRPr lang="de-DE" dirty="0">
+              <a:latin typeface="Candara" panose="020E0502030303020204" pitchFamily="34" charset="0"/>
+            </a:endParaRPr>
+          </a:p>
+        </p:txBody>
+      </p:sp>
+    </p:spTree>
+    <p:extLst>
+      <p:ext uri="{BB962C8B-B14F-4D97-AF65-F5344CB8AC3E}">
+        <p14:creationId xmlns:p14="http://schemas.microsoft.com/office/powerpoint/2010/main" val="1009018416"/>
+      </p:ext>
+    </p:extLst>
+  </p:cSld>
+  <p:clrMapOvr>
+    <a:masterClrMapping/>
+  </p:clrMapOvr>
+</p:sld>
+</file>
+
+<file path=ppt/slides/slide17.xml><?xml version="1.0" encoding="utf-8"?>
 <p:sld xmlns:a="http://schemas.openxmlformats.org/drawingml/2006/main" xmlns:r="http://schemas.openxmlformats.org/officeDocument/2006/relationships" xmlns:p="http://schemas.openxmlformats.org/presentationml/2006/main">
   <p:cSld>
     <p:spTree>
@@ -7810,7 +8835,7 @@
 </p:sld>
 </file>
 
-<file path=ppt/slides/slide15.xml><?xml version="1.0" encoding="utf-8"?>
+<file path=ppt/slides/slide18.xml><?xml version="1.0" encoding="utf-8"?>
 <p:sld xmlns:a="http://schemas.openxmlformats.org/drawingml/2006/main" xmlns:r="http://schemas.openxmlformats.org/officeDocument/2006/relationships" xmlns:p="http://schemas.openxmlformats.org/presentationml/2006/main">
   <p:cSld>
     <p:spTree>
@@ -7895,7 +8920,7 @@
 </p:sld>
 </file>
 
-<file path=ppt/slides/slide16.xml><?xml version="1.0" encoding="utf-8"?>
+<file path=ppt/slides/slide19.xml><?xml version="1.0" encoding="utf-8"?>
 <p:sld xmlns:a="http://schemas.openxmlformats.org/drawingml/2006/main" xmlns:r="http://schemas.openxmlformats.org/officeDocument/2006/relationships" xmlns:p="http://schemas.openxmlformats.org/presentationml/2006/main">
   <p:cSld>
     <p:spTree>
@@ -7914,7 +8939,7 @@
       </p:grpSpPr>
       <p:sp>
         <p:nvSpPr>
-          <p:cNvPr id="216066" name="Rectangle 2"/>
+          <p:cNvPr id="3074" name="Rectangle 2"/>
           <p:cNvSpPr>
             <a:spLocks noGrp="1" noChangeArrowheads="1"/>
           </p:cNvSpPr>
@@ -7924,7 +8949,7 @@
         </p:nvSpPr>
         <p:spPr>
           <a:xfrm>
-            <a:off x="685800" y="0"/>
+            <a:off x="685800" y="304800"/>
             <a:ext cx="7772400" cy="1143000"/>
           </a:xfrm>
         </p:spPr>
@@ -7933,12 +8958,12 @@
           <a:lstStyle/>
           <a:p>
             <a:r>
-              <a:rPr lang="de-DE" sz="3600" dirty="0">
-                <a:latin typeface="Candara" panose="020E0502030303020204" pitchFamily="34" charset="0"/>
-              </a:rPr>
-              <a:t>Save Energy</a:t>
-            </a:r>
-            <a:endParaRPr lang="en-GB" sz="3600" dirty="0">
+              <a:rPr lang="de-DE" sz="4000" dirty="0">
+                <a:latin typeface="Candara" panose="020E0502030303020204" pitchFamily="34" charset="0"/>
+              </a:rPr>
+              <a:t>Scenarios and abatement options</a:t>
+            </a:r>
+            <a:endParaRPr lang="en-GB" sz="4000" dirty="0">
               <a:latin typeface="Candara" panose="020E0502030303020204" pitchFamily="34" charset="0"/>
             </a:endParaRPr>
           </a:p>
@@ -7946,7 +8971,7 @@
       </p:sp>
       <p:sp>
         <p:nvSpPr>
-          <p:cNvPr id="216067" name="Rectangle 3"/>
+          <p:cNvPr id="3075" name="Rectangle 3"/>
           <p:cNvSpPr>
             <a:spLocks noGrp="1" noChangeArrowheads="1"/>
           </p:cNvSpPr>
@@ -7956,116 +8981,89 @@
         </p:nvSpPr>
         <p:spPr>
           <a:xfrm>
-            <a:off x="685800" y="1143000"/>
-            <a:ext cx="7772400" cy="4800600"/>
+            <a:off x="762000" y="1676400"/>
+            <a:ext cx="7772400" cy="4114800"/>
           </a:xfrm>
         </p:spPr>
         <p:txBody>
           <a:bodyPr/>
           <a:lstStyle/>
           <a:p>
-            <a:pPr>
-              <a:lnSpc>
-                <a:spcPct val="90000"/>
-              </a:lnSpc>
-            </a:pPr>
             <a:r>
               <a:rPr lang="de-DE" sz="2800" dirty="0">
                 <a:latin typeface="Candara" panose="020E0502030303020204" pitchFamily="34" charset="0"/>
               </a:rPr>
-              <a:t>Energy savings come through technological change and behavioural change</a:t>
-            </a:r>
-          </a:p>
-          <a:p>
-            <a:pPr>
-              <a:lnSpc>
-                <a:spcPct val="90000"/>
-              </a:lnSpc>
-            </a:pPr>
+              <a:t>Sources of greenhouse gas emissions</a:t>
+            </a:r>
+          </a:p>
+          <a:p>
             <a:r>
               <a:rPr lang="de-DE" sz="2800" dirty="0">
                 <a:latin typeface="Candara" panose="020E0502030303020204" pitchFamily="34" charset="0"/>
               </a:rPr>
-              <a:t>For a single product, new models tend to be more efficient, but the technological advance may be used to increase comfort</a:t>
-            </a:r>
-          </a:p>
-          <a:p>
-            <a:pPr>
-              <a:lnSpc>
-                <a:spcPct val="90000"/>
-              </a:lnSpc>
-            </a:pPr>
+              <a:t>Kaya Identity</a:t>
+            </a:r>
+          </a:p>
+          <a:p>
             <a:r>
               <a:rPr lang="de-DE" sz="2800" dirty="0">
-                <a:solidFill>
-                  <a:schemeClr val="bg1">
-                    <a:lumMod val="65000"/>
-                  </a:schemeClr>
-                </a:solidFill>
-                <a:latin typeface="Candara" panose="020E0502030303020204" pitchFamily="34" charset="0"/>
-              </a:rPr>
-              <a:t>A lot of energy is wasted</a:t>
-            </a:r>
-          </a:p>
-          <a:p>
-            <a:pPr lvl="1">
-              <a:lnSpc>
-                <a:spcPct val="90000"/>
-              </a:lnSpc>
-            </a:pPr>
+                <a:latin typeface="Candara" panose="020E0502030303020204" pitchFamily="34" charset="0"/>
+              </a:rPr>
+              <a:t>IPCC scenarios</a:t>
+            </a:r>
+          </a:p>
+          <a:p>
+            <a:r>
+              <a:rPr lang="de-DE" sz="2800" dirty="0">
+                <a:latin typeface="Candara" panose="020E0502030303020204" pitchFamily="34" charset="0"/>
+              </a:rPr>
+              <a:t>Options for emission reduction</a:t>
+            </a:r>
+          </a:p>
+          <a:p>
+            <a:pPr lvl="1"/>
             <a:r>
               <a:rPr lang="de-DE" sz="2400" dirty="0">
-                <a:solidFill>
-                  <a:schemeClr val="bg1">
-                    <a:lumMod val="65000"/>
-                  </a:schemeClr>
-                </a:solidFill>
-                <a:latin typeface="Candara" panose="020E0502030303020204" pitchFamily="34" charset="0"/>
-              </a:rPr>
-              <a:t>Habits are hard to change</a:t>
-            </a:r>
-          </a:p>
-          <a:p>
-            <a:pPr lvl="1">
-              <a:lnSpc>
-                <a:spcPct val="90000"/>
-              </a:lnSpc>
-            </a:pPr>
+                <a:latin typeface="Candara" panose="020E0502030303020204" pitchFamily="34" charset="0"/>
+              </a:rPr>
+              <a:t>Population</a:t>
+            </a:r>
+          </a:p>
+          <a:p>
+            <a:pPr lvl="1"/>
             <a:r>
               <a:rPr lang="de-DE" sz="2400" dirty="0">
-                <a:solidFill>
-                  <a:schemeClr val="bg1">
-                    <a:lumMod val="65000"/>
-                  </a:schemeClr>
-                </a:solidFill>
-                <a:latin typeface="Candara" panose="020E0502030303020204" pitchFamily="34" charset="0"/>
-              </a:rPr>
-              <a:t>Principal/agent problems</a:t>
-            </a:r>
-          </a:p>
-          <a:p>
-            <a:pPr>
-              <a:lnSpc>
-                <a:spcPct val="90000"/>
-              </a:lnSpc>
-            </a:pPr>
+                <a:latin typeface="Candara" panose="020E0502030303020204" pitchFamily="34" charset="0"/>
+              </a:rPr>
+              <a:t>Income</a:t>
+            </a:r>
+          </a:p>
+          <a:p>
+            <a:pPr lvl="1"/>
+            <a:r>
+              <a:rPr lang="de-DE" sz="2400" b="1" dirty="0">
+                <a:latin typeface="Candara" panose="020E0502030303020204" pitchFamily="34" charset="0"/>
+              </a:rPr>
+              <a:t>Energy</a:t>
+            </a:r>
+          </a:p>
+          <a:p>
+            <a:pPr lvl="1"/>
+            <a:r>
+              <a:rPr lang="de-DE" sz="2400" dirty="0">
+                <a:latin typeface="Candara" panose="020E0502030303020204" pitchFamily="34" charset="0"/>
+              </a:rPr>
+              <a:t>Fuel</a:t>
+            </a:r>
+          </a:p>
+          <a:p>
             <a:r>
               <a:rPr lang="de-DE" sz="2800" dirty="0">
-                <a:solidFill>
-                  <a:schemeClr val="bg1">
-                    <a:lumMod val="65000"/>
-                  </a:schemeClr>
-                </a:solidFill>
-                <a:latin typeface="Candara" panose="020E0502030303020204" pitchFamily="34" charset="0"/>
-              </a:rPr>
-              <a:t>The demand for energy services is even harder to change</a:t>
-            </a:r>
-            <a:endParaRPr lang="en-GB" sz="2800" dirty="0">
-              <a:solidFill>
-                <a:schemeClr val="bg1">
-                  <a:lumMod val="65000"/>
-                </a:schemeClr>
-              </a:solidFill>
+                <a:latin typeface="Candara" panose="020E0502030303020204" pitchFamily="34" charset="0"/>
+              </a:rPr>
+              <a:t>Geoengineering</a:t>
+            </a:r>
+            <a:endParaRPr lang="de-DE" dirty="0">
               <a:latin typeface="Candara" panose="020E0502030303020204" pitchFamily="34" charset="0"/>
             </a:endParaRPr>
           </a:p>
@@ -8074,7 +9072,7 @@
     </p:spTree>
     <p:extLst>
       <p:ext uri="{BB962C8B-B14F-4D97-AF65-F5344CB8AC3E}">
-        <p14:creationId xmlns:p14="http://schemas.microsoft.com/office/powerpoint/2010/main" val="78571451"/>
+        <p14:creationId xmlns:p14="http://schemas.microsoft.com/office/powerpoint/2010/main" val="3143237038"/>
       </p:ext>
     </p:extLst>
   </p:cSld>
@@ -8084,7 +9082,7 @@
 </p:sld>
 </file>
 
-<file path=ppt/slides/slide17.xml><?xml version="1.0" encoding="utf-8"?>
+<file path=ppt/slides/slide2.xml><?xml version="1.0" encoding="utf-8"?>
 <p:sld xmlns:a="http://schemas.openxmlformats.org/drawingml/2006/main" xmlns:r="http://schemas.openxmlformats.org/officeDocument/2006/relationships" xmlns:p="http://schemas.openxmlformats.org/presentationml/2006/main">
   <p:cSld>
     <p:spTree>
@@ -8101,70 +9099,439 @@
           <a:chExt cx="0" cy="0"/>
         </a:xfrm>
       </p:grpSpPr>
-      <p:pic>
-        <p:nvPicPr>
-          <p:cNvPr id="2" name="Picture 1"/>
-          <p:cNvPicPr>
-            <a:picLocks noChangeAspect="1"/>
-          </p:cNvPicPr>
-          <p:nvPr/>
-        </p:nvPicPr>
-        <p:blipFill>
-          <a:blip r:embed="rId2" cstate="print">
-            <a:extLst>
-              <a:ext uri="{28A0092B-C50C-407E-A947-70E740481C1C}">
-                <a14:useLocalDpi xmlns:a14="http://schemas.microsoft.com/office/drawing/2010/main" val="0"/>
-              </a:ext>
-            </a:extLst>
-          </a:blip>
-          <a:stretch>
-            <a:fillRect/>
-          </a:stretch>
-        </p:blipFill>
+      <p:sp>
+        <p:nvSpPr>
+          <p:cNvPr id="190466" name="Rectangle 2"/>
+          <p:cNvSpPr>
+            <a:spLocks noGrp="1" noChangeArrowheads="1"/>
+          </p:cNvSpPr>
+          <p:nvPr>
+            <p:ph type="title"/>
+          </p:nvPr>
+        </p:nvSpPr>
         <p:spPr>
           <a:xfrm>
-            <a:off x="3810000" y="34413"/>
-            <a:ext cx="5334000" cy="3457109"/>
+            <a:off x="762000" y="-76200"/>
+            <a:ext cx="7772400" cy="1143000"/>
           </a:xfrm>
-          <a:prstGeom prst="rect">
-            <a:avLst/>
-          </a:prstGeom>
-        </p:spPr>
-      </p:pic>
-      <p:pic>
-        <p:nvPicPr>
-          <p:cNvPr id="3" name="Picture 2"/>
-          <p:cNvPicPr>
-            <a:picLocks noChangeAspect="1"/>
-          </p:cNvPicPr>
-          <p:nvPr/>
-        </p:nvPicPr>
-        <p:blipFill>
-          <a:blip r:embed="rId3">
-            <a:extLst>
-              <a:ext uri="{28A0092B-C50C-407E-A947-70E740481C1C}">
-                <a14:useLocalDpi xmlns:a14="http://schemas.microsoft.com/office/drawing/2010/main" val="0"/>
-              </a:ext>
-            </a:extLst>
-          </a:blip>
-          <a:stretch>
-            <a:fillRect/>
-          </a:stretch>
-        </p:blipFill>
+        </p:spPr>
+        <p:txBody>
+          <a:bodyPr/>
+          <a:lstStyle/>
+          <a:p>
+            <a:r>
+              <a:rPr lang="de-DE" sz="3200" dirty="0">
+                <a:latin typeface="Candara" panose="020E0502030303020204" pitchFamily="34" charset="0"/>
+              </a:rPr>
+              <a:t>Lectures</a:t>
+            </a:r>
+            <a:endParaRPr lang="en-GB" sz="3200" dirty="0">
+              <a:latin typeface="Candara" panose="020E0502030303020204" pitchFamily="34" charset="0"/>
+            </a:endParaRPr>
+          </a:p>
+        </p:txBody>
+      </p:sp>
+      <p:sp>
+        <p:nvSpPr>
+          <p:cNvPr id="190467" name="Rectangle 3"/>
+          <p:cNvSpPr>
+            <a:spLocks noGrp="1" noChangeArrowheads="1"/>
+          </p:cNvSpPr>
+          <p:nvPr>
+            <p:ph type="body" idx="1"/>
+          </p:nvPr>
+        </p:nvSpPr>
         <p:spPr>
           <a:xfrm>
-            <a:off x="0" y="3276600"/>
-            <a:ext cx="5596841" cy="3574026"/>
+            <a:off x="685800" y="838200"/>
+            <a:ext cx="7772400" cy="5486400"/>
           </a:xfrm>
-          <a:prstGeom prst="rect">
-            <a:avLst/>
-          </a:prstGeom>
-        </p:spPr>
-      </p:pic>
+        </p:spPr>
+        <p:txBody>
+          <a:bodyPr/>
+          <a:lstStyle/>
+          <a:p>
+            <a:pPr>
+              <a:lnSpc>
+                <a:spcPct val="90000"/>
+              </a:lnSpc>
+            </a:pPr>
+            <a:r>
+              <a:rPr lang="en-US" sz="2800" dirty="0">
+                <a:solidFill>
+                  <a:srgbClr val="7030A0"/>
+                </a:solidFill>
+                <a:latin typeface="Candara" panose="020E0502030303020204" pitchFamily="34" charset="0"/>
+              </a:rPr>
+              <a:t>Science</a:t>
+            </a:r>
+          </a:p>
+          <a:p>
+            <a:pPr>
+              <a:lnSpc>
+                <a:spcPct val="90000"/>
+              </a:lnSpc>
+            </a:pPr>
+            <a:r>
+              <a:rPr lang="en-US" b="1" dirty="0">
+                <a:solidFill>
+                  <a:schemeClr val="accent1">
+                    <a:lumMod val="50000"/>
+                  </a:schemeClr>
+                </a:solidFill>
+                <a:latin typeface="Candara" panose="020E0502030303020204" pitchFamily="34" charset="0"/>
+              </a:rPr>
+              <a:t>Scenarios &amp; emission reduction options</a:t>
+            </a:r>
+          </a:p>
+          <a:p>
+            <a:pPr>
+              <a:lnSpc>
+                <a:spcPct val="90000"/>
+              </a:lnSpc>
+            </a:pPr>
+            <a:r>
+              <a:rPr lang="en-US" sz="2800" dirty="0">
+                <a:solidFill>
+                  <a:schemeClr val="accent1">
+                    <a:lumMod val="50000"/>
+                  </a:schemeClr>
+                </a:solidFill>
+                <a:latin typeface="Candara" panose="020E0502030303020204" pitchFamily="34" charset="0"/>
+              </a:rPr>
+              <a:t>Costs of emission reduction</a:t>
+            </a:r>
+          </a:p>
+          <a:p>
+            <a:pPr>
+              <a:lnSpc>
+                <a:spcPct val="90000"/>
+              </a:lnSpc>
+            </a:pPr>
+            <a:r>
+              <a:rPr lang="en-US" sz="2800" dirty="0">
+                <a:solidFill>
+                  <a:schemeClr val="accent1">
+                    <a:lumMod val="50000"/>
+                  </a:schemeClr>
+                </a:solidFill>
+                <a:latin typeface="Candara" panose="020E0502030303020204" pitchFamily="34" charset="0"/>
+              </a:rPr>
+              <a:t>Instruments for emission reduction</a:t>
+            </a:r>
+          </a:p>
+          <a:p>
+            <a:pPr>
+              <a:lnSpc>
+                <a:spcPct val="90000"/>
+              </a:lnSpc>
+            </a:pPr>
+            <a:r>
+              <a:rPr lang="en-US" sz="2800" dirty="0">
+                <a:solidFill>
+                  <a:srgbClr val="C00000"/>
+                </a:solidFill>
+                <a:latin typeface="Candara" panose="020E0502030303020204" pitchFamily="34" charset="0"/>
+              </a:rPr>
+              <a:t>Impacts and adaptation</a:t>
+            </a:r>
+          </a:p>
+          <a:p>
+            <a:pPr>
+              <a:lnSpc>
+                <a:spcPct val="90000"/>
+              </a:lnSpc>
+            </a:pPr>
+            <a:r>
+              <a:rPr lang="en-US" sz="2800" dirty="0">
+                <a:solidFill>
+                  <a:srgbClr val="C00000"/>
+                </a:solidFill>
+                <a:latin typeface="Candara" panose="020E0502030303020204" pitchFamily="34" charset="0"/>
+              </a:rPr>
+              <a:t>Economic impacts of climate change</a:t>
+            </a:r>
+          </a:p>
+          <a:p>
+            <a:pPr>
+              <a:lnSpc>
+                <a:spcPct val="90000"/>
+              </a:lnSpc>
+            </a:pPr>
+            <a:r>
+              <a:rPr lang="en-US" sz="2800" dirty="0">
+                <a:solidFill>
+                  <a:schemeClr val="bg1">
+                    <a:lumMod val="65000"/>
+                  </a:schemeClr>
+                </a:solidFill>
+                <a:latin typeface="Candara" panose="020E0502030303020204" pitchFamily="34" charset="0"/>
+              </a:rPr>
+              <a:t>Reading week</a:t>
+            </a:r>
+          </a:p>
+          <a:p>
+            <a:pPr>
+              <a:lnSpc>
+                <a:spcPct val="90000"/>
+              </a:lnSpc>
+            </a:pPr>
+            <a:r>
+              <a:rPr lang="en-US" sz="2800" dirty="0">
+                <a:solidFill>
+                  <a:srgbClr val="C00000"/>
+                </a:solidFill>
+                <a:latin typeface="Candara" panose="020E0502030303020204" pitchFamily="34" charset="0"/>
+              </a:rPr>
+              <a:t>Climate and development</a:t>
+            </a:r>
+          </a:p>
+          <a:p>
+            <a:pPr>
+              <a:lnSpc>
+                <a:spcPct val="90000"/>
+              </a:lnSpc>
+            </a:pPr>
+            <a:r>
+              <a:rPr lang="en-US" sz="2800" dirty="0">
+                <a:solidFill>
+                  <a:srgbClr val="0070C0"/>
+                </a:solidFill>
+                <a:latin typeface="Candara" panose="020E0502030303020204" pitchFamily="34" charset="0"/>
+              </a:rPr>
+              <a:t>Optimal emission reduction</a:t>
+            </a:r>
+          </a:p>
+          <a:p>
+            <a:pPr>
+              <a:lnSpc>
+                <a:spcPct val="90000"/>
+              </a:lnSpc>
+            </a:pPr>
+            <a:r>
+              <a:rPr lang="en-US" sz="2800" dirty="0">
+                <a:solidFill>
+                  <a:srgbClr val="0070C0"/>
+                </a:solidFill>
+                <a:latin typeface="Candara" panose="020E0502030303020204" pitchFamily="34" charset="0"/>
+              </a:rPr>
+              <a:t>Discounting, uncertainty, equity</a:t>
+            </a:r>
+          </a:p>
+          <a:p>
+            <a:pPr>
+              <a:lnSpc>
+                <a:spcPct val="90000"/>
+              </a:lnSpc>
+            </a:pPr>
+            <a:r>
+              <a:rPr lang="en-US" sz="2800" dirty="0">
+                <a:solidFill>
+                  <a:srgbClr val="0070C0"/>
+                </a:solidFill>
+                <a:latin typeface="Candara" panose="020E0502030303020204" pitchFamily="34" charset="0"/>
+              </a:rPr>
+              <a:t>International environmental agreements</a:t>
+            </a:r>
+          </a:p>
+        </p:txBody>
+      </p:sp>
+    </p:spTree>
+  </p:cSld>
+  <p:clrMapOvr>
+    <a:masterClrMapping/>
+  </p:clrMapOvr>
+  <mc:AlternateContent xmlns:mc="http://schemas.openxmlformats.org/markup-compatibility/2006" xmlns:p14="http://schemas.microsoft.com/office/powerpoint/2010/main">
+    <mc:Choice Requires="p14">
+      <p:transition spd="slow" p14:dur="2000" advTm="6530"/>
+    </mc:Choice>
+    <mc:Fallback xmlns="">
+      <p:transition spd="slow" advTm="6530"/>
+    </mc:Fallback>
+  </mc:AlternateContent>
+</p:sld>
+</file>
+
+<file path=ppt/slides/slide20.xml><?xml version="1.0" encoding="utf-8"?>
+<p:sld xmlns:a="http://schemas.openxmlformats.org/drawingml/2006/main" xmlns:r="http://schemas.openxmlformats.org/officeDocument/2006/relationships" xmlns:p="http://schemas.openxmlformats.org/presentationml/2006/main">
+  <p:cSld>
+    <p:spTree>
+      <p:nvGrpSpPr>
+        <p:cNvPr id="1" name=""/>
+        <p:cNvGrpSpPr/>
+        <p:nvPr/>
+      </p:nvGrpSpPr>
+      <p:grpSpPr>
+        <a:xfrm>
+          <a:off x="0" y="0"/>
+          <a:ext cx="0" cy="0"/>
+          <a:chOff x="0" y="0"/>
+          <a:chExt cx="0" cy="0"/>
+        </a:xfrm>
+      </p:grpSpPr>
+      <p:sp>
+        <p:nvSpPr>
+          <p:cNvPr id="216066" name="Rectangle 2"/>
+          <p:cNvSpPr>
+            <a:spLocks noGrp="1" noChangeArrowheads="1"/>
+          </p:cNvSpPr>
+          <p:nvPr>
+            <p:ph type="title"/>
+          </p:nvPr>
+        </p:nvSpPr>
+        <p:spPr>
+          <a:xfrm>
+            <a:off x="685800" y="0"/>
+            <a:ext cx="7772400" cy="1143000"/>
+          </a:xfrm>
+        </p:spPr>
+        <p:txBody>
+          <a:bodyPr/>
+          <a:lstStyle/>
+          <a:p>
+            <a:r>
+              <a:rPr lang="de-DE" sz="3600" dirty="0">
+                <a:latin typeface="Candara" panose="020E0502030303020204" pitchFamily="34" charset="0"/>
+              </a:rPr>
+              <a:t>Save Energy</a:t>
+            </a:r>
+            <a:endParaRPr lang="en-GB" sz="3600" dirty="0">
+              <a:latin typeface="Candara" panose="020E0502030303020204" pitchFamily="34" charset="0"/>
+            </a:endParaRPr>
+          </a:p>
+        </p:txBody>
+      </p:sp>
+      <p:sp>
+        <p:nvSpPr>
+          <p:cNvPr id="216067" name="Rectangle 3"/>
+          <p:cNvSpPr>
+            <a:spLocks noGrp="1" noChangeArrowheads="1"/>
+          </p:cNvSpPr>
+          <p:nvPr>
+            <p:ph type="body" idx="1"/>
+          </p:nvPr>
+        </p:nvSpPr>
+        <p:spPr>
+          <a:xfrm>
+            <a:off x="685800" y="1143000"/>
+            <a:ext cx="7772400" cy="4800600"/>
+          </a:xfrm>
+        </p:spPr>
+        <p:txBody>
+          <a:bodyPr/>
+          <a:lstStyle/>
+          <a:p>
+            <a:pPr>
+              <a:lnSpc>
+                <a:spcPct val="90000"/>
+              </a:lnSpc>
+            </a:pPr>
+            <a:r>
+              <a:rPr lang="de-DE" sz="2800" dirty="0">
+                <a:latin typeface="Candara" panose="020E0502030303020204" pitchFamily="34" charset="0"/>
+              </a:rPr>
+              <a:t>Energy savings come through technological change and behavioural change</a:t>
+            </a:r>
+          </a:p>
+          <a:p>
+            <a:pPr>
+              <a:lnSpc>
+                <a:spcPct val="90000"/>
+              </a:lnSpc>
+            </a:pPr>
+            <a:r>
+              <a:rPr lang="de-DE" sz="2800" dirty="0">
+                <a:latin typeface="Candara" panose="020E0502030303020204" pitchFamily="34" charset="0"/>
+              </a:rPr>
+              <a:t>For a single product, new models tend to be more efficient, but the technological advance may be used to increase comfort</a:t>
+            </a:r>
+          </a:p>
+          <a:p>
+            <a:pPr>
+              <a:lnSpc>
+                <a:spcPct val="90000"/>
+              </a:lnSpc>
+            </a:pPr>
+            <a:r>
+              <a:rPr lang="de-DE" sz="2800" dirty="0">
+                <a:solidFill>
+                  <a:schemeClr val="bg1">
+                    <a:lumMod val="65000"/>
+                  </a:schemeClr>
+                </a:solidFill>
+                <a:latin typeface="Candara" panose="020E0502030303020204" pitchFamily="34" charset="0"/>
+              </a:rPr>
+              <a:t>A lot of energy is wasted</a:t>
+            </a:r>
+          </a:p>
+          <a:p>
+            <a:pPr lvl="1">
+              <a:lnSpc>
+                <a:spcPct val="90000"/>
+              </a:lnSpc>
+            </a:pPr>
+            <a:r>
+              <a:rPr lang="de-DE" sz="2400" dirty="0">
+                <a:solidFill>
+                  <a:schemeClr val="bg1">
+                    <a:lumMod val="65000"/>
+                  </a:schemeClr>
+                </a:solidFill>
+                <a:latin typeface="Candara" panose="020E0502030303020204" pitchFamily="34" charset="0"/>
+              </a:rPr>
+              <a:t>Habits are hard to change</a:t>
+            </a:r>
+          </a:p>
+          <a:p>
+            <a:pPr lvl="1">
+              <a:lnSpc>
+                <a:spcPct val="90000"/>
+              </a:lnSpc>
+            </a:pPr>
+            <a:r>
+              <a:rPr lang="de-DE" sz="2400" dirty="0">
+                <a:solidFill>
+                  <a:schemeClr val="bg1">
+                    <a:lumMod val="65000"/>
+                  </a:schemeClr>
+                </a:solidFill>
+                <a:latin typeface="Candara" panose="020E0502030303020204" pitchFamily="34" charset="0"/>
+              </a:rPr>
+              <a:t>Principal/agent problems</a:t>
+            </a:r>
+          </a:p>
+          <a:p>
+            <a:pPr>
+              <a:lnSpc>
+                <a:spcPct val="90000"/>
+              </a:lnSpc>
+            </a:pPr>
+            <a:r>
+              <a:rPr lang="de-DE" sz="2800" dirty="0">
+                <a:solidFill>
+                  <a:schemeClr val="bg1">
+                    <a:lumMod val="65000"/>
+                  </a:schemeClr>
+                </a:solidFill>
+                <a:latin typeface="Candara" panose="020E0502030303020204" pitchFamily="34" charset="0"/>
+              </a:rPr>
+              <a:t>The demand for energy services is even harder to change</a:t>
+            </a:r>
+            <a:endParaRPr lang="en-GB" sz="2800" dirty="0">
+              <a:solidFill>
+                <a:schemeClr val="bg1">
+                  <a:lumMod val="65000"/>
+                </a:schemeClr>
+              </a:solidFill>
+              <a:latin typeface="Candara" panose="020E0502030303020204" pitchFamily="34" charset="0"/>
+            </a:endParaRPr>
+          </a:p>
+        </p:txBody>
+      </p:sp>
     </p:spTree>
     <p:extLst>
       <p:ext uri="{BB962C8B-B14F-4D97-AF65-F5344CB8AC3E}">
-        <p14:creationId xmlns:p14="http://schemas.microsoft.com/office/powerpoint/2010/main" val="3200431952"/>
+        <p14:creationId xmlns:p14="http://schemas.microsoft.com/office/powerpoint/2010/main" val="78571451"/>
       </p:ext>
     </p:extLst>
   </p:cSld>
@@ -8174,7 +9541,7 @@
 </p:sld>
 </file>
 
-<file path=ppt/slides/slide18.xml><?xml version="1.0" encoding="utf-8"?>
+<file path=ppt/slides/slide21.xml><?xml version="1.0" encoding="utf-8"?>
 <p:sld xmlns:a="http://schemas.openxmlformats.org/drawingml/2006/main" xmlns:r="http://schemas.openxmlformats.org/officeDocument/2006/relationships" xmlns:p="http://schemas.openxmlformats.org/presentationml/2006/main">
   <p:cSld>
     <p:spTree>
@@ -8240,7 +9607,7 @@
 </p:sld>
 </file>
 
-<file path=ppt/slides/slide19.xml><?xml version="1.0" encoding="utf-8"?>
+<file path=ppt/slides/slide22.xml><?xml version="1.0" encoding="utf-8"?>
 <p:sld xmlns:a="http://schemas.openxmlformats.org/drawingml/2006/main" xmlns:r="http://schemas.openxmlformats.org/officeDocument/2006/relationships" xmlns:p="http://schemas.openxmlformats.org/presentationml/2006/main">
   <p:cSld>
     <p:spTree>
@@ -8404,7 +9771,7 @@
 </p:sld>
 </file>
 
-<file path=ppt/slides/slide2.xml><?xml version="1.0" encoding="utf-8"?>
+<file path=ppt/slides/slide23.xml><?xml version="1.0" encoding="utf-8"?>
 <p:sld xmlns:a="http://schemas.openxmlformats.org/drawingml/2006/main" xmlns:r="http://schemas.openxmlformats.org/officeDocument/2006/relationships" xmlns:p="http://schemas.openxmlformats.org/presentationml/2006/main">
   <p:cSld>
     <p:spTree>
@@ -8423,7 +9790,7 @@
       </p:grpSpPr>
       <p:sp>
         <p:nvSpPr>
-          <p:cNvPr id="190466" name="Rectangle 2"/>
+          <p:cNvPr id="3074" name="Rectangle 2"/>
           <p:cNvSpPr>
             <a:spLocks noGrp="1" noChangeArrowheads="1"/>
           </p:cNvSpPr>
@@ -8433,7 +9800,7 @@
         </p:nvSpPr>
         <p:spPr>
           <a:xfrm>
-            <a:off x="762000" y="-76200"/>
+            <a:off x="685800" y="304800"/>
             <a:ext cx="7772400" cy="1143000"/>
           </a:xfrm>
         </p:spPr>
@@ -8442,12 +9809,12 @@
           <a:lstStyle/>
           <a:p>
             <a:r>
-              <a:rPr lang="de-DE" sz="3200" dirty="0">
-                <a:latin typeface="Candara" panose="020E0502030303020204" pitchFamily="34" charset="0"/>
-              </a:rPr>
-              <a:t>Lectures</a:t>
-            </a:r>
-            <a:endParaRPr lang="en-GB" sz="3200" dirty="0">
+              <a:rPr lang="de-DE" sz="4000" dirty="0">
+                <a:latin typeface="Candara" panose="020E0502030303020204" pitchFamily="34" charset="0"/>
+              </a:rPr>
+              <a:t>Scenarios and abatement options</a:t>
+            </a:r>
+            <a:endParaRPr lang="en-GB" sz="4000" dirty="0">
               <a:latin typeface="Candara" panose="020E0502030303020204" pitchFamily="34" charset="0"/>
             </a:endParaRPr>
           </a:p>
@@ -8455,7 +9822,7 @@
       </p:sp>
       <p:sp>
         <p:nvSpPr>
-          <p:cNvPr id="190467" name="Rectangle 3"/>
+          <p:cNvPr id="3075" name="Rectangle 3"/>
           <p:cNvSpPr>
             <a:spLocks noGrp="1" noChangeArrowheads="1"/>
           </p:cNvSpPr>
@@ -8465,175 +9832,108 @@
         </p:nvSpPr>
         <p:spPr>
           <a:xfrm>
-            <a:off x="685800" y="838200"/>
-            <a:ext cx="7772400" cy="5486400"/>
+            <a:off x="762000" y="1676400"/>
+            <a:ext cx="7772400" cy="4114800"/>
           </a:xfrm>
         </p:spPr>
         <p:txBody>
           <a:bodyPr/>
           <a:lstStyle/>
           <a:p>
-            <a:pPr>
-              <a:lnSpc>
-                <a:spcPct val="90000"/>
-              </a:lnSpc>
-            </a:pPr>
-            <a:r>
-              <a:rPr lang="en-US" sz="2800" dirty="0">
-                <a:latin typeface="Candara" panose="020E0502030303020204" pitchFamily="34" charset="0"/>
-              </a:rPr>
-              <a:t>Science</a:t>
-            </a:r>
-          </a:p>
-          <a:p>
-            <a:pPr>
-              <a:lnSpc>
-                <a:spcPct val="90000"/>
-              </a:lnSpc>
-            </a:pPr>
-            <a:r>
-              <a:rPr lang="en-US" b="1" dirty="0">
-                <a:latin typeface="Candara" panose="020E0502030303020204" pitchFamily="34" charset="0"/>
-              </a:rPr>
-              <a:t>Scenarios &amp; emission reduction options</a:t>
-            </a:r>
-          </a:p>
-          <a:p>
-            <a:pPr>
-              <a:lnSpc>
-                <a:spcPct val="90000"/>
-              </a:lnSpc>
-            </a:pPr>
-            <a:r>
-              <a:rPr lang="en-US" sz="2800" dirty="0">
-                <a:latin typeface="Candara" panose="020E0502030303020204" pitchFamily="34" charset="0"/>
-              </a:rPr>
-              <a:t>Costs of emission reduction</a:t>
-            </a:r>
-          </a:p>
-          <a:p>
-            <a:pPr>
-              <a:lnSpc>
-                <a:spcPct val="90000"/>
-              </a:lnSpc>
-            </a:pPr>
-            <a:r>
-              <a:rPr lang="en-US" sz="2800" dirty="0">
-                <a:latin typeface="Candara" panose="020E0502030303020204" pitchFamily="34" charset="0"/>
-              </a:rPr>
-              <a:t>Instruments for emission reduction</a:t>
-            </a:r>
-          </a:p>
-          <a:p>
-            <a:pPr>
-              <a:lnSpc>
-                <a:spcPct val="90000"/>
-              </a:lnSpc>
-            </a:pPr>
-            <a:r>
-              <a:rPr lang="en-US" sz="2800" dirty="0">
-                <a:latin typeface="Candara" panose="020E0502030303020204" pitchFamily="34" charset="0"/>
-              </a:rPr>
-              <a:t>Impacts of climate change &amp; valuation</a:t>
-            </a:r>
-          </a:p>
-          <a:p>
-            <a:pPr>
-              <a:lnSpc>
-                <a:spcPct val="90000"/>
-              </a:lnSpc>
-            </a:pPr>
-            <a:r>
-              <a:rPr lang="en-US" sz="2800" dirty="0">
-                <a:latin typeface="Candara" panose="020E0502030303020204" pitchFamily="34" charset="0"/>
-              </a:rPr>
-              <a:t>Economic impacts of climate change</a:t>
-            </a:r>
-          </a:p>
-          <a:p>
-            <a:pPr>
-              <a:lnSpc>
-                <a:spcPct val="90000"/>
-              </a:lnSpc>
-            </a:pPr>
-            <a:r>
-              <a:rPr lang="en-US" sz="2800" dirty="0">
-                <a:latin typeface="Candara" panose="020E0502030303020204" pitchFamily="34" charset="0"/>
-              </a:rPr>
-              <a:t>Climate and development</a:t>
-            </a:r>
-          </a:p>
-          <a:p>
-            <a:pPr>
-              <a:lnSpc>
-                <a:spcPct val="90000"/>
-              </a:lnSpc>
-            </a:pPr>
-            <a:r>
-              <a:rPr lang="en-US" sz="2800" dirty="0">
-                <a:latin typeface="Candara" panose="020E0502030303020204" pitchFamily="34" charset="0"/>
-              </a:rPr>
-              <a:t>Adaptation policy</a:t>
-            </a:r>
-          </a:p>
-          <a:p>
-            <a:pPr>
-              <a:lnSpc>
-                <a:spcPct val="90000"/>
-              </a:lnSpc>
-            </a:pPr>
-            <a:r>
-              <a:rPr lang="en-US" sz="2800" dirty="0">
-                <a:latin typeface="Candara" panose="020E0502030303020204" pitchFamily="34" charset="0"/>
-              </a:rPr>
-              <a:t>Optimal emission reduction</a:t>
-            </a:r>
-          </a:p>
-          <a:p>
-            <a:pPr>
-              <a:lnSpc>
-                <a:spcPct val="90000"/>
-              </a:lnSpc>
-            </a:pPr>
-            <a:r>
-              <a:rPr lang="en-US" sz="2800" dirty="0">
-                <a:latin typeface="Candara" panose="020E0502030303020204" pitchFamily="34" charset="0"/>
-              </a:rPr>
-              <a:t>Discounting, uncertainty, equity</a:t>
-            </a:r>
-          </a:p>
-          <a:p>
-            <a:pPr>
-              <a:lnSpc>
-                <a:spcPct val="90000"/>
-              </a:lnSpc>
-            </a:pPr>
-            <a:r>
-              <a:rPr lang="en-US" sz="2800" dirty="0">
-                <a:latin typeface="Candara" panose="020E0502030303020204" pitchFamily="34" charset="0"/>
-              </a:rPr>
-              <a:t>International environmental agreements</a:t>
-            </a:r>
+            <a:r>
+              <a:rPr lang="de-DE" sz="2800" dirty="0">
+                <a:latin typeface="Candara" panose="020E0502030303020204" pitchFamily="34" charset="0"/>
+              </a:rPr>
+              <a:t>Sources of greenhouse gas emissions</a:t>
+            </a:r>
+          </a:p>
+          <a:p>
+            <a:r>
+              <a:rPr lang="de-DE" sz="2800" dirty="0">
+                <a:latin typeface="Candara" panose="020E0502030303020204" pitchFamily="34" charset="0"/>
+              </a:rPr>
+              <a:t>Kaya Identity</a:t>
+            </a:r>
+          </a:p>
+          <a:p>
+            <a:r>
+              <a:rPr lang="de-DE" sz="2800" dirty="0">
+                <a:latin typeface="Candara" panose="020E0502030303020204" pitchFamily="34" charset="0"/>
+              </a:rPr>
+              <a:t>IPCC scenarios</a:t>
+            </a:r>
+          </a:p>
+          <a:p>
+            <a:r>
+              <a:rPr lang="de-DE" sz="2800" dirty="0">
+                <a:latin typeface="Candara" panose="020E0502030303020204" pitchFamily="34" charset="0"/>
+              </a:rPr>
+              <a:t>Options for emission reduction</a:t>
+            </a:r>
+          </a:p>
+          <a:p>
+            <a:pPr lvl="1"/>
+            <a:r>
+              <a:rPr lang="de-DE" sz="2400" dirty="0">
+                <a:latin typeface="Candara" panose="020E0502030303020204" pitchFamily="34" charset="0"/>
+              </a:rPr>
+              <a:t>Population</a:t>
+            </a:r>
+          </a:p>
+          <a:p>
+            <a:pPr lvl="1"/>
+            <a:r>
+              <a:rPr lang="de-DE" sz="2400" dirty="0">
+                <a:latin typeface="Candara" panose="020E0502030303020204" pitchFamily="34" charset="0"/>
+              </a:rPr>
+              <a:t>Income</a:t>
+            </a:r>
+          </a:p>
+          <a:p>
+            <a:pPr lvl="1"/>
+            <a:r>
+              <a:rPr lang="de-DE" sz="2400" dirty="0">
+                <a:latin typeface="Candara" panose="020E0502030303020204" pitchFamily="34" charset="0"/>
+              </a:rPr>
+              <a:t>Energy</a:t>
+            </a:r>
+          </a:p>
+          <a:p>
+            <a:pPr lvl="1"/>
+            <a:r>
+              <a:rPr lang="de-DE" sz="2400" b="1" dirty="0">
+                <a:latin typeface="Candara" panose="020E0502030303020204" pitchFamily="34" charset="0"/>
+              </a:rPr>
+              <a:t>Fuel</a:t>
+            </a:r>
+          </a:p>
+          <a:p>
+            <a:r>
+              <a:rPr lang="de-DE" sz="2800" dirty="0">
+                <a:latin typeface="Candara" panose="020E0502030303020204" pitchFamily="34" charset="0"/>
+              </a:rPr>
+              <a:t>Geoengineering</a:t>
+            </a:r>
+            <a:endParaRPr lang="de-DE" dirty="0">
+              <a:latin typeface="Candara" panose="020E0502030303020204" pitchFamily="34" charset="0"/>
+            </a:endParaRPr>
           </a:p>
         </p:txBody>
       </p:sp>
     </p:spTree>
+    <p:extLst>
+      <p:ext uri="{BB962C8B-B14F-4D97-AF65-F5344CB8AC3E}">
+        <p14:creationId xmlns:p14="http://schemas.microsoft.com/office/powerpoint/2010/main" val="275367495"/>
+      </p:ext>
+    </p:extLst>
   </p:cSld>
   <p:clrMapOvr>
     <a:masterClrMapping/>
   </p:clrMapOvr>
-  <mc:AlternateContent xmlns:mc="http://schemas.openxmlformats.org/markup-compatibility/2006" xmlns:p14="http://schemas.microsoft.com/office/powerpoint/2010/main">
-    <mc:Choice Requires="p14">
-      <p:transition spd="slow" p14:dur="2000" advTm="6530"/>
-    </mc:Choice>
-    <mc:Fallback xmlns="">
-      <p:transition spd="slow" advTm="6530"/>
-    </mc:Fallback>
-  </mc:AlternateContent>
 </p:sld>
 </file>
 
-<file path=ppt/slides/slide20.xml><?xml version="1.0" encoding="utf-8"?>
+<file path=ppt/slides/slide24.xml><?xml version="1.0" encoding="utf-8"?>
 <p:sld xmlns:a="http://schemas.openxmlformats.org/drawingml/2006/main" xmlns:r="http://schemas.openxmlformats.org/officeDocument/2006/relationships" xmlns:p="http://schemas.openxmlformats.org/presentationml/2006/main">
   <p:cSld>
     <p:spTree>
@@ -8827,7 +10127,7 @@
 </p:sld>
 </file>
 
-<file path=ppt/slides/slide21.xml><?xml version="1.0" encoding="utf-8"?>
+<file path=ppt/slides/slide25.xml><?xml version="1.0" encoding="utf-8"?>
 <p:sld xmlns:a="http://schemas.openxmlformats.org/drawingml/2006/main" xmlns:r="http://schemas.openxmlformats.org/officeDocument/2006/relationships" xmlns:p="http://schemas.openxmlformats.org/presentationml/2006/main">
   <p:cSld>
     <p:spTree>
@@ -8890,7 +10190,7 @@
 </p:sld>
 </file>
 
-<file path=ppt/slides/slide22.xml><?xml version="1.0" encoding="utf-8"?>
+<file path=ppt/slides/slide26.xml><?xml version="1.0" encoding="utf-8"?>
 <p:sld xmlns:a="http://schemas.openxmlformats.org/drawingml/2006/main" xmlns:r="http://schemas.openxmlformats.org/officeDocument/2006/relationships" xmlns:p="http://schemas.openxmlformats.org/presentationml/2006/main">
   <p:cSld>
     <p:spTree>
@@ -9096,7 +10396,7 @@
 </p:sld>
 </file>
 
-<file path=ppt/slides/slide23.xml><?xml version="1.0" encoding="utf-8"?>
+<file path=ppt/slides/slide27.xml><?xml version="1.0" encoding="utf-8"?>
 <p:sld xmlns:a="http://schemas.openxmlformats.org/drawingml/2006/main" xmlns:r="http://schemas.openxmlformats.org/officeDocument/2006/relationships" xmlns:p="http://schemas.openxmlformats.org/presentationml/2006/main">
   <p:cSld>
     <p:spTree>
@@ -9162,7 +10462,7 @@
 </p:sld>
 </file>
 
-<file path=ppt/slides/slide24.xml><?xml version="1.0" encoding="utf-8"?>
+<file path=ppt/slides/slide28.xml><?xml version="1.0" encoding="utf-8"?>
 <p:sld xmlns:a="http://schemas.openxmlformats.org/drawingml/2006/main" xmlns:r="http://schemas.openxmlformats.org/officeDocument/2006/relationships" xmlns:p="http://schemas.openxmlformats.org/presentationml/2006/main">
   <p:cSld>
     <p:spTree>
@@ -9350,7 +10650,7 @@
 </p:sld>
 </file>
 
-<file path=ppt/slides/slide25.xml><?xml version="1.0" encoding="utf-8"?>
+<file path=ppt/slides/slide29.xml><?xml version="1.0" encoding="utf-8"?>
 <p:sld xmlns:a="http://schemas.openxmlformats.org/drawingml/2006/main" xmlns:r="http://schemas.openxmlformats.org/officeDocument/2006/relationships" xmlns:p="http://schemas.openxmlformats.org/presentationml/2006/main">
   <p:cSld>
     <p:spTree>
@@ -9416,675 +10716,6 @@
 </p:sld>
 </file>
 
-<file path=ppt/slides/slide26.xml><?xml version="1.0" encoding="utf-8"?>
-<p:sld xmlns:a="http://schemas.openxmlformats.org/drawingml/2006/main" xmlns:r="http://schemas.openxmlformats.org/officeDocument/2006/relationships" xmlns:p="http://schemas.openxmlformats.org/presentationml/2006/main">
-  <p:cSld>
-    <p:spTree>
-      <p:nvGrpSpPr>
-        <p:cNvPr id="1" name=""/>
-        <p:cNvGrpSpPr/>
-        <p:nvPr/>
-      </p:nvGrpSpPr>
-      <p:grpSpPr>
-        <a:xfrm>
-          <a:off x="0" y="0"/>
-          <a:ext cx="0" cy="0"/>
-          <a:chOff x="0" y="0"/>
-          <a:chExt cx="0" cy="0"/>
-        </a:xfrm>
-      </p:grpSpPr>
-      <p:sp>
-        <p:nvSpPr>
-          <p:cNvPr id="217090" name="Rectangle 2"/>
-          <p:cNvSpPr>
-            <a:spLocks noGrp="1" noChangeArrowheads="1"/>
-          </p:cNvSpPr>
-          <p:nvPr>
-            <p:ph type="title"/>
-          </p:nvPr>
-        </p:nvSpPr>
-        <p:spPr>
-          <a:xfrm>
-            <a:off x="685800" y="0"/>
-            <a:ext cx="7772400" cy="1143000"/>
-          </a:xfrm>
-        </p:spPr>
-        <p:txBody>
-          <a:bodyPr/>
-          <a:lstStyle/>
-          <a:p>
-            <a:r>
-              <a:rPr lang="de-DE" sz="3600" dirty="0">
-                <a:latin typeface="Candara" panose="020E0502030303020204" pitchFamily="34" charset="0"/>
-              </a:rPr>
-              <a:t>Switch Energy</a:t>
-            </a:r>
-            <a:endParaRPr lang="en-GB" sz="3600" dirty="0">
-              <a:latin typeface="Candara" panose="020E0502030303020204" pitchFamily="34" charset="0"/>
-            </a:endParaRPr>
-          </a:p>
-        </p:txBody>
-      </p:sp>
-      <p:sp>
-        <p:nvSpPr>
-          <p:cNvPr id="217091" name="Rectangle 3"/>
-          <p:cNvSpPr>
-            <a:spLocks noGrp="1" noChangeArrowheads="1"/>
-          </p:cNvSpPr>
-          <p:nvPr>
-            <p:ph type="body" idx="1"/>
-          </p:nvPr>
-        </p:nvSpPr>
-        <p:spPr>
-          <a:xfrm>
-            <a:off x="685800" y="990600"/>
-            <a:ext cx="7772400" cy="5257800"/>
-          </a:xfrm>
-        </p:spPr>
-        <p:txBody>
-          <a:bodyPr/>
-          <a:lstStyle/>
-          <a:p>
-            <a:pPr>
-              <a:lnSpc>
-                <a:spcPct val="90000"/>
-              </a:lnSpc>
-            </a:pPr>
-            <a:r>
-              <a:rPr lang="de-DE" sz="2800" dirty="0">
-                <a:latin typeface="Candara" panose="020E0502030303020204" pitchFamily="34" charset="0"/>
-              </a:rPr>
-              <a:t>Switching away from oil, gas and coal to nuclear, hydro, wind, solar and biomass is technically feasible</a:t>
-            </a:r>
-          </a:p>
-          <a:p>
-            <a:pPr>
-              <a:lnSpc>
-                <a:spcPct val="90000"/>
-              </a:lnSpc>
-            </a:pPr>
-            <a:r>
-              <a:rPr lang="de-DE" sz="2800" dirty="0">
-                <a:latin typeface="Candara" panose="020E0502030303020204" pitchFamily="34" charset="0"/>
-              </a:rPr>
-              <a:t>Nuclear and hydro are difficult politically and socially</a:t>
-            </a:r>
-          </a:p>
-          <a:p>
-            <a:pPr>
-              <a:lnSpc>
-                <a:spcPct val="90000"/>
-              </a:lnSpc>
-            </a:pPr>
-            <a:r>
-              <a:rPr lang="de-DE" sz="2800" dirty="0">
-                <a:latin typeface="Candara" panose="020E0502030303020204" pitchFamily="34" charset="0"/>
-              </a:rPr>
-              <a:t>Wind is </a:t>
-            </a:r>
-            <a:r>
-              <a:rPr lang="de-DE" sz="2800" strike="sngStrike" dirty="0">
-                <a:latin typeface="Candara" panose="020E0502030303020204" pitchFamily="34" charset="0"/>
-              </a:rPr>
-              <a:t>expensive and </a:t>
-            </a:r>
-            <a:r>
-              <a:rPr lang="de-DE" sz="2800" dirty="0">
-                <a:latin typeface="Candara" panose="020E0502030303020204" pitchFamily="34" charset="0"/>
-              </a:rPr>
-              <a:t>visually intrusive</a:t>
-            </a:r>
-          </a:p>
-          <a:p>
-            <a:pPr>
-              <a:lnSpc>
-                <a:spcPct val="90000"/>
-              </a:lnSpc>
-            </a:pPr>
-            <a:r>
-              <a:rPr lang="de-DE" sz="2800" dirty="0">
-                <a:latin typeface="Candara" panose="020E0502030303020204" pitchFamily="34" charset="0"/>
-              </a:rPr>
-              <a:t>Solar is </a:t>
-            </a:r>
-            <a:r>
-              <a:rPr lang="de-DE" sz="2800" strike="sngStrike" dirty="0">
-                <a:latin typeface="Candara" panose="020E0502030303020204" pitchFamily="34" charset="0"/>
-              </a:rPr>
-              <a:t>expensive and </a:t>
-            </a:r>
-            <a:r>
-              <a:rPr lang="de-DE" sz="2800" dirty="0">
-                <a:latin typeface="Candara" panose="020E0502030303020204" pitchFamily="34" charset="0"/>
-              </a:rPr>
-              <a:t>has a waste problem</a:t>
-            </a:r>
-          </a:p>
-          <a:p>
-            <a:pPr>
-              <a:lnSpc>
-                <a:spcPct val="90000"/>
-              </a:lnSpc>
-            </a:pPr>
-            <a:r>
-              <a:rPr lang="de-DE" sz="2800" dirty="0">
-                <a:latin typeface="Candara" panose="020E0502030303020204" pitchFamily="34" charset="0"/>
-              </a:rPr>
-              <a:t>Both wind and solar require storage and transport</a:t>
-            </a:r>
-          </a:p>
-          <a:p>
-            <a:pPr>
-              <a:lnSpc>
-                <a:spcPct val="90000"/>
-              </a:lnSpc>
-            </a:pPr>
-            <a:r>
-              <a:rPr lang="de-DE" sz="2800" dirty="0">
-                <a:latin typeface="Candara" panose="020E0502030303020204" pitchFamily="34" charset="0"/>
-              </a:rPr>
-              <a:t>Biomass is too expensive, and bad for health, environment and food production</a:t>
-            </a:r>
-            <a:endParaRPr lang="en-GB" sz="2800" dirty="0">
-              <a:latin typeface="Candara" panose="020E0502030303020204" pitchFamily="34" charset="0"/>
-            </a:endParaRPr>
-          </a:p>
-        </p:txBody>
-      </p:sp>
-    </p:spTree>
-    <p:extLst>
-      <p:ext uri="{BB962C8B-B14F-4D97-AF65-F5344CB8AC3E}">
-        <p14:creationId xmlns:p14="http://schemas.microsoft.com/office/powerpoint/2010/main" val="4010054551"/>
-      </p:ext>
-    </p:extLst>
-  </p:cSld>
-  <p:clrMapOvr>
-    <a:masterClrMapping/>
-  </p:clrMapOvr>
-</p:sld>
-</file>
-
-<file path=ppt/slides/slide27.xml><?xml version="1.0" encoding="utf-8"?>
-<p:sld xmlns:a="http://schemas.openxmlformats.org/drawingml/2006/main" xmlns:r="http://schemas.openxmlformats.org/officeDocument/2006/relationships" xmlns:p="http://schemas.openxmlformats.org/presentationml/2006/main">
-  <p:cSld>
-    <p:spTree>
-      <p:nvGrpSpPr>
-        <p:cNvPr id="1" name=""/>
-        <p:cNvGrpSpPr/>
-        <p:nvPr/>
-      </p:nvGrpSpPr>
-      <p:grpSpPr>
-        <a:xfrm>
-          <a:off x="0" y="0"/>
-          <a:ext cx="0" cy="0"/>
-          <a:chOff x="0" y="0"/>
-          <a:chExt cx="0" cy="0"/>
-        </a:xfrm>
-      </p:grpSpPr>
-      <p:sp>
-        <p:nvSpPr>
-          <p:cNvPr id="277506" name="Rectangle 2"/>
-          <p:cNvSpPr>
-            <a:spLocks noGrp="1" noChangeArrowheads="1"/>
-          </p:cNvSpPr>
-          <p:nvPr>
-            <p:ph type="title"/>
-          </p:nvPr>
-        </p:nvSpPr>
-        <p:spPr>
-          <a:xfrm>
-            <a:off x="685800" y="0"/>
-            <a:ext cx="7772400" cy="1143000"/>
-          </a:xfrm>
-        </p:spPr>
-        <p:txBody>
-          <a:bodyPr/>
-          <a:lstStyle/>
-          <a:p>
-            <a:r>
-              <a:rPr lang="de-DE" sz="3600" dirty="0">
-                <a:latin typeface="Candara" panose="020E0502030303020204" pitchFamily="34" charset="0"/>
-              </a:rPr>
-              <a:t>Carbon Sinks</a:t>
-            </a:r>
-            <a:endParaRPr lang="en-GB" sz="3600" dirty="0">
-              <a:latin typeface="Candara" panose="020E0502030303020204" pitchFamily="34" charset="0"/>
-            </a:endParaRPr>
-          </a:p>
-        </p:txBody>
-      </p:sp>
-      <p:sp>
-        <p:nvSpPr>
-          <p:cNvPr id="277507" name="Rectangle 3"/>
-          <p:cNvSpPr>
-            <a:spLocks noGrp="1" noChangeArrowheads="1"/>
-          </p:cNvSpPr>
-          <p:nvPr>
-            <p:ph type="body" idx="1"/>
-          </p:nvPr>
-        </p:nvSpPr>
-        <p:spPr>
-          <a:xfrm>
-            <a:off x="685800" y="990600"/>
-            <a:ext cx="7772400" cy="4419600"/>
-          </a:xfrm>
-        </p:spPr>
-        <p:txBody>
-          <a:bodyPr/>
-          <a:lstStyle/>
-          <a:p>
-            <a:pPr>
-              <a:lnSpc>
-                <a:spcPct val="90000"/>
-              </a:lnSpc>
-            </a:pPr>
-            <a:r>
-              <a:rPr lang="de-DE" sz="2800" dirty="0">
-                <a:latin typeface="Candara" panose="020E0502030303020204" pitchFamily="34" charset="0"/>
-              </a:rPr>
-              <a:t>As deforestation is a source of carbon dioxide emissions, afforestation is a sink</a:t>
-            </a:r>
-          </a:p>
-          <a:p>
-            <a:pPr>
-              <a:lnSpc>
-                <a:spcPct val="90000"/>
-              </a:lnSpc>
-            </a:pPr>
-            <a:r>
-              <a:rPr lang="de-DE" sz="2800" dirty="0">
-                <a:latin typeface="Candara" panose="020E0502030303020204" pitchFamily="34" charset="0"/>
-              </a:rPr>
-              <a:t>Note that the forests of North America and Europe are growing back</a:t>
-            </a:r>
-          </a:p>
-          <a:p>
-            <a:pPr>
-              <a:lnSpc>
-                <a:spcPct val="90000"/>
-              </a:lnSpc>
-            </a:pPr>
-            <a:r>
-              <a:rPr lang="de-DE" sz="2800" dirty="0">
-                <a:latin typeface="Candara" panose="020E0502030303020204" pitchFamily="34" charset="0"/>
-              </a:rPr>
-              <a:t>If slowing deforestation in the tropics were easy, it would have been done for other reasons</a:t>
-            </a:r>
-            <a:endParaRPr lang="en-GB" sz="2800" dirty="0">
-              <a:latin typeface="Candara" panose="020E0502030303020204" pitchFamily="34" charset="0"/>
-            </a:endParaRPr>
-          </a:p>
-        </p:txBody>
-      </p:sp>
-    </p:spTree>
-  </p:cSld>
-  <p:clrMapOvr>
-    <a:masterClrMapping/>
-  </p:clrMapOvr>
-</p:sld>
-</file>
-
-<file path=ppt/slides/slide28.xml><?xml version="1.0" encoding="utf-8"?>
-<p:sld xmlns:a="http://schemas.openxmlformats.org/drawingml/2006/main" xmlns:r="http://schemas.openxmlformats.org/officeDocument/2006/relationships" xmlns:p="http://schemas.openxmlformats.org/presentationml/2006/main">
-  <p:cSld>
-    <p:spTree>
-      <p:nvGrpSpPr>
-        <p:cNvPr id="1" name=""/>
-        <p:cNvGrpSpPr/>
-        <p:nvPr/>
-      </p:nvGrpSpPr>
-      <p:grpSpPr>
-        <a:xfrm>
-          <a:off x="0" y="0"/>
-          <a:ext cx="0" cy="0"/>
-          <a:chOff x="0" y="0"/>
-          <a:chExt cx="0" cy="0"/>
-        </a:xfrm>
-      </p:grpSpPr>
-      <p:sp>
-        <p:nvSpPr>
-          <p:cNvPr id="279554" name="Rectangle 2"/>
-          <p:cNvSpPr>
-            <a:spLocks noGrp="1" noChangeArrowheads="1"/>
-          </p:cNvSpPr>
-          <p:nvPr>
-            <p:ph type="title"/>
-          </p:nvPr>
-        </p:nvSpPr>
-        <p:spPr>
-          <a:xfrm>
-            <a:off x="685800" y="0"/>
-            <a:ext cx="7772400" cy="1143000"/>
-          </a:xfrm>
-        </p:spPr>
-        <p:txBody>
-          <a:bodyPr/>
-          <a:lstStyle/>
-          <a:p>
-            <a:r>
-              <a:rPr lang="de-DE" sz="3600" dirty="0">
-                <a:latin typeface="Candara" panose="020E0502030303020204" pitchFamily="34" charset="0"/>
-              </a:rPr>
-              <a:t>Carbon Capture and Storage</a:t>
-            </a:r>
-            <a:endParaRPr lang="en-GB" sz="3600" dirty="0">
-              <a:latin typeface="Candara" panose="020E0502030303020204" pitchFamily="34" charset="0"/>
-            </a:endParaRPr>
-          </a:p>
-        </p:txBody>
-      </p:sp>
-      <p:sp>
-        <p:nvSpPr>
-          <p:cNvPr id="279555" name="Rectangle 3"/>
-          <p:cNvSpPr>
-            <a:spLocks noGrp="1" noChangeArrowheads="1"/>
-          </p:cNvSpPr>
-          <p:nvPr>
-            <p:ph type="body" idx="1"/>
-          </p:nvPr>
-        </p:nvSpPr>
-        <p:spPr>
-          <a:xfrm>
-            <a:off x="685800" y="990600"/>
-            <a:ext cx="7772400" cy="4876800"/>
-          </a:xfrm>
-        </p:spPr>
-        <p:txBody>
-          <a:bodyPr/>
-          <a:lstStyle/>
-          <a:p>
-            <a:pPr>
-              <a:lnSpc>
-                <a:spcPct val="90000"/>
-              </a:lnSpc>
-            </a:pPr>
-            <a:r>
-              <a:rPr lang="de-DE" sz="2800" dirty="0">
-                <a:latin typeface="Candara" panose="020E0502030303020204" pitchFamily="34" charset="0"/>
-              </a:rPr>
-              <a:t>Take the CO2 out of the exhaust gas, and stick it in the ground</a:t>
-            </a:r>
-          </a:p>
-          <a:p>
-            <a:pPr>
-              <a:lnSpc>
-                <a:spcPct val="90000"/>
-              </a:lnSpc>
-            </a:pPr>
-            <a:r>
-              <a:rPr lang="de-DE" sz="2800" dirty="0">
-                <a:latin typeface="Candara" panose="020E0502030303020204" pitchFamily="34" charset="0"/>
-              </a:rPr>
-              <a:t>Proven technology: soda, beer,  greenhouses, and enhanced oil recovery</a:t>
-            </a:r>
-          </a:p>
-          <a:p>
-            <a:pPr>
-              <a:lnSpc>
-                <a:spcPct val="90000"/>
-              </a:lnSpc>
-            </a:pPr>
-            <a:r>
-              <a:rPr lang="de-DE" sz="2800" dirty="0">
-                <a:latin typeface="Candara" panose="020E0502030303020204" pitchFamily="34" charset="0"/>
-              </a:rPr>
-              <a:t>However, abatement requires purpose-build storage at a much larger scale</a:t>
-            </a:r>
-          </a:p>
-          <a:p>
-            <a:pPr>
-              <a:lnSpc>
-                <a:spcPct val="90000"/>
-              </a:lnSpc>
-            </a:pPr>
-            <a:r>
-              <a:rPr lang="de-DE" sz="2800" dirty="0">
-                <a:latin typeface="Candara" panose="020E0502030303020204" pitchFamily="34" charset="0"/>
-              </a:rPr>
-              <a:t>Retrofit expensive, so for new power stations only</a:t>
-            </a:r>
-          </a:p>
-          <a:p>
-            <a:pPr>
-              <a:lnSpc>
-                <a:spcPct val="90000"/>
-              </a:lnSpc>
-            </a:pPr>
-            <a:r>
-              <a:rPr lang="de-DE" sz="2800" dirty="0">
-                <a:latin typeface="Candara" panose="020E0502030303020204" pitchFamily="34" charset="0"/>
-              </a:rPr>
-              <a:t>Issues with efficiency, cost, safety</a:t>
-            </a:r>
-          </a:p>
-          <a:p>
-            <a:pPr>
-              <a:lnSpc>
-                <a:spcPct val="90000"/>
-              </a:lnSpc>
-            </a:pPr>
-            <a:r>
-              <a:rPr lang="de-DE" sz="2800" dirty="0">
-                <a:latin typeface="Candara" panose="020E0502030303020204" pitchFamily="34" charset="0"/>
-              </a:rPr>
-              <a:t>End-of-pipe technology</a:t>
-            </a:r>
-            <a:endParaRPr lang="en-GB" sz="2800" dirty="0">
-              <a:latin typeface="Candara" panose="020E0502030303020204" pitchFamily="34" charset="0"/>
-            </a:endParaRPr>
-          </a:p>
-        </p:txBody>
-      </p:sp>
-    </p:spTree>
-  </p:cSld>
-  <p:clrMapOvr>
-    <a:masterClrMapping/>
-  </p:clrMapOvr>
-</p:sld>
-</file>
-
-<file path=ppt/slides/slide29.xml><?xml version="1.0" encoding="utf-8"?>
-<p:sld xmlns:a="http://schemas.openxmlformats.org/drawingml/2006/main" xmlns:r="http://schemas.openxmlformats.org/officeDocument/2006/relationships" xmlns:p="http://schemas.openxmlformats.org/presentationml/2006/main">
-  <p:cSld>
-    <p:spTree>
-      <p:nvGrpSpPr>
-        <p:cNvPr id="1" name=""/>
-        <p:cNvGrpSpPr/>
-        <p:nvPr/>
-      </p:nvGrpSpPr>
-      <p:grpSpPr>
-        <a:xfrm>
-          <a:off x="0" y="0"/>
-          <a:ext cx="0" cy="0"/>
-          <a:chOff x="0" y="0"/>
-          <a:chExt cx="0" cy="0"/>
-        </a:xfrm>
-      </p:grpSpPr>
-      <p:sp>
-        <p:nvSpPr>
-          <p:cNvPr id="281602" name="Rectangle 2"/>
-          <p:cNvSpPr>
-            <a:spLocks noGrp="1" noChangeArrowheads="1"/>
-          </p:cNvSpPr>
-          <p:nvPr>
-            <p:ph type="title"/>
-          </p:nvPr>
-        </p:nvSpPr>
-        <p:spPr>
-          <a:xfrm>
-            <a:off x="685800" y="0"/>
-            <a:ext cx="7772400" cy="1143000"/>
-          </a:xfrm>
-        </p:spPr>
-        <p:txBody>
-          <a:bodyPr/>
-          <a:lstStyle/>
-          <a:p>
-            <a:r>
-              <a:rPr lang="de-DE" sz="3600" dirty="0">
-                <a:latin typeface="Candara" panose="020E0502030303020204" pitchFamily="34" charset="0"/>
-              </a:rPr>
-              <a:t>Geoengineering</a:t>
-            </a:r>
-            <a:endParaRPr lang="en-GB" sz="3600" dirty="0">
-              <a:latin typeface="Candara" panose="020E0502030303020204" pitchFamily="34" charset="0"/>
-            </a:endParaRPr>
-          </a:p>
-        </p:txBody>
-      </p:sp>
-      <p:sp>
-        <p:nvSpPr>
-          <p:cNvPr id="281603" name="Rectangle 3"/>
-          <p:cNvSpPr>
-            <a:spLocks noGrp="1" noChangeArrowheads="1"/>
-          </p:cNvSpPr>
-          <p:nvPr>
-            <p:ph type="body" idx="1"/>
-          </p:nvPr>
-        </p:nvSpPr>
-        <p:spPr>
-          <a:xfrm>
-            <a:off x="685800" y="1066800"/>
-            <a:ext cx="7772400" cy="4114800"/>
-          </a:xfrm>
-        </p:spPr>
-        <p:txBody>
-          <a:bodyPr/>
-          <a:lstStyle/>
-          <a:p>
-            <a:pPr>
-              <a:lnSpc>
-                <a:spcPct val="90000"/>
-              </a:lnSpc>
-            </a:pPr>
-            <a:r>
-              <a:rPr lang="de-DE" sz="2800" dirty="0">
-                <a:latin typeface="Candara" panose="020E0502030303020204" pitchFamily="34" charset="0"/>
-              </a:rPr>
-              <a:t>Change the climate again</a:t>
-            </a:r>
-          </a:p>
-          <a:p>
-            <a:pPr>
-              <a:lnSpc>
-                <a:spcPct val="90000"/>
-              </a:lnSpc>
-            </a:pPr>
-            <a:r>
-              <a:rPr lang="de-DE" sz="2800" dirty="0">
-                <a:latin typeface="Candara" panose="020E0502030303020204" pitchFamily="34" charset="0"/>
-              </a:rPr>
-              <a:t>Dust in the atmosphere</a:t>
-            </a:r>
-          </a:p>
-          <a:p>
-            <a:pPr>
-              <a:lnSpc>
-                <a:spcPct val="90000"/>
-              </a:lnSpc>
-            </a:pPr>
-            <a:r>
-              <a:rPr lang="de-DE" sz="2800" dirty="0">
-                <a:latin typeface="Candara" panose="020E0502030303020204" pitchFamily="34" charset="0"/>
-              </a:rPr>
-              <a:t>Mirrors in space</a:t>
-            </a:r>
-          </a:p>
-          <a:p>
-            <a:pPr>
-              <a:lnSpc>
-                <a:spcPct val="90000"/>
-              </a:lnSpc>
-            </a:pPr>
-            <a:r>
-              <a:rPr lang="de-DE" sz="2800" dirty="0">
-                <a:solidFill>
-                  <a:schemeClr val="tx1">
-                    <a:lumMod val="50000"/>
-                    <a:lumOff val="50000"/>
-                  </a:schemeClr>
-                </a:solidFill>
-                <a:latin typeface="Candara" panose="020E0502030303020204" pitchFamily="34" charset="0"/>
-              </a:rPr>
-              <a:t>Great uncertainty</a:t>
-            </a:r>
-          </a:p>
-          <a:p>
-            <a:pPr>
-              <a:lnSpc>
-                <a:spcPct val="90000"/>
-              </a:lnSpc>
-            </a:pPr>
-            <a:r>
-              <a:rPr lang="de-DE" sz="2800" dirty="0">
-                <a:solidFill>
-                  <a:schemeClr val="tx1">
-                    <a:lumMod val="50000"/>
-                    <a:lumOff val="50000"/>
-                  </a:schemeClr>
-                </a:solidFill>
-                <a:latin typeface="Candara" panose="020E0502030303020204" pitchFamily="34" charset="0"/>
-              </a:rPr>
-              <a:t>Previous experiments went wrong (quite so)</a:t>
-            </a:r>
-          </a:p>
-          <a:p>
-            <a:pPr>
-              <a:lnSpc>
-                <a:spcPct val="90000"/>
-              </a:lnSpc>
-            </a:pPr>
-            <a:r>
-              <a:rPr lang="de-DE" sz="2800" dirty="0">
-                <a:solidFill>
-                  <a:schemeClr val="tx1">
-                    <a:lumMod val="50000"/>
-                    <a:lumOff val="50000"/>
-                  </a:schemeClr>
-                </a:solidFill>
-                <a:latin typeface="Candara" panose="020E0502030303020204" pitchFamily="34" charset="0"/>
-              </a:rPr>
-              <a:t>Nonetheless, most of this is cheap and simple</a:t>
-            </a:r>
-          </a:p>
-          <a:p>
-            <a:pPr>
-              <a:lnSpc>
-                <a:spcPct val="90000"/>
-              </a:lnSpc>
-            </a:pPr>
-            <a:r>
-              <a:rPr lang="de-DE" sz="2800" dirty="0">
-                <a:solidFill>
-                  <a:schemeClr val="tx1">
-                    <a:lumMod val="50000"/>
-                    <a:lumOff val="50000"/>
-                  </a:schemeClr>
-                </a:solidFill>
-                <a:latin typeface="Candara" panose="020E0502030303020204" pitchFamily="34" charset="0"/>
-              </a:rPr>
-              <a:t>Unclear who will/should decide on geoengineering</a:t>
-            </a:r>
-            <a:endParaRPr lang="en-GB" sz="2800" dirty="0">
-              <a:solidFill>
-                <a:schemeClr val="tx1">
-                  <a:lumMod val="50000"/>
-                  <a:lumOff val="50000"/>
-                </a:schemeClr>
-              </a:solidFill>
-              <a:latin typeface="Candara" panose="020E0502030303020204" pitchFamily="34" charset="0"/>
-            </a:endParaRPr>
-          </a:p>
-        </p:txBody>
-      </p:sp>
-    </p:spTree>
-  </p:cSld>
-  <p:clrMapOvr>
-    <a:masterClrMapping/>
-  </p:clrMapOvr>
-</p:sld>
-</file>
-
 <file path=ppt/slides/slide3.xml><?xml version="1.0" encoding="utf-8"?>
 <p:sld xmlns:a="http://schemas.openxmlformats.org/drawingml/2006/main" xmlns:r="http://schemas.openxmlformats.org/officeDocument/2006/relationships" xmlns:p="http://schemas.openxmlformats.org/presentationml/2006/main">
   <p:cSld>
@@ -10102,46 +10733,142 @@
           <a:chExt cx="0" cy="0"/>
         </a:xfrm>
       </p:grpSpPr>
-      <p:pic>
-        <p:nvPicPr>
-          <p:cNvPr id="3" name="Picture 2">
-            <a:extLst>
-              <a:ext uri="{FF2B5EF4-FFF2-40B4-BE49-F238E27FC236}">
-                <a16:creationId xmlns:a16="http://schemas.microsoft.com/office/drawing/2014/main" id="{9A53BBC1-1997-4A50-A82C-A09E523DCB02}"/>
-              </a:ext>
-            </a:extLst>
-          </p:cNvPr>
-          <p:cNvPicPr>
-            <a:picLocks noChangeAspect="1"/>
-          </p:cNvPicPr>
-          <p:nvPr/>
-        </p:nvPicPr>
-        <p:blipFill>
-          <a:blip r:embed="rId3" cstate="print">
-            <a:extLst>
-              <a:ext uri="{28A0092B-C50C-407E-A947-70E740481C1C}">
-                <a14:useLocalDpi xmlns:a14="http://schemas.microsoft.com/office/drawing/2010/main" val="0"/>
-              </a:ext>
-            </a:extLst>
-          </a:blip>
-          <a:stretch>
-            <a:fillRect/>
-          </a:stretch>
-        </p:blipFill>
+      <p:sp>
+        <p:nvSpPr>
+          <p:cNvPr id="3074" name="Rectangle 2"/>
+          <p:cNvSpPr>
+            <a:spLocks noGrp="1" noChangeArrowheads="1"/>
+          </p:cNvSpPr>
+          <p:nvPr>
+            <p:ph type="title"/>
+          </p:nvPr>
+        </p:nvSpPr>
         <p:spPr>
           <a:xfrm>
-            <a:off x="533400" y="0"/>
-            <a:ext cx="8054118" cy="6858000"/>
+            <a:off x="685800" y="304800"/>
+            <a:ext cx="7772400" cy="1143000"/>
           </a:xfrm>
-          <a:prstGeom prst="rect">
-            <a:avLst/>
-          </a:prstGeom>
-        </p:spPr>
-      </p:pic>
+        </p:spPr>
+        <p:txBody>
+          <a:bodyPr/>
+          <a:lstStyle/>
+          <a:p>
+            <a:r>
+              <a:rPr lang="de-DE" sz="4000" dirty="0">
+                <a:latin typeface="Candara" panose="020E0502030303020204" pitchFamily="34" charset="0"/>
+              </a:rPr>
+              <a:t>Scenarios and abatement options</a:t>
+            </a:r>
+            <a:endParaRPr lang="en-GB" sz="4000" dirty="0">
+              <a:latin typeface="Candara" panose="020E0502030303020204" pitchFamily="34" charset="0"/>
+            </a:endParaRPr>
+          </a:p>
+        </p:txBody>
+      </p:sp>
+      <p:sp>
+        <p:nvSpPr>
+          <p:cNvPr id="3075" name="Rectangle 3"/>
+          <p:cNvSpPr>
+            <a:spLocks noGrp="1" noChangeArrowheads="1"/>
+          </p:cNvSpPr>
+          <p:nvPr>
+            <p:ph type="body" idx="1"/>
+          </p:nvPr>
+        </p:nvSpPr>
+        <p:spPr>
+          <a:xfrm>
+            <a:off x="762000" y="1676400"/>
+            <a:ext cx="7772400" cy="4114800"/>
+          </a:xfrm>
+        </p:spPr>
+        <p:txBody>
+          <a:bodyPr/>
+          <a:lstStyle/>
+          <a:p>
+            <a:r>
+              <a:rPr lang="de-DE" sz="2800" b="1" dirty="0">
+                <a:latin typeface="Candara" panose="020E0502030303020204" pitchFamily="34" charset="0"/>
+              </a:rPr>
+              <a:t>Sources of greenhouse gas emissions</a:t>
+            </a:r>
+          </a:p>
+          <a:p>
+            <a:r>
+              <a:rPr lang="de-DE" sz="2800" dirty="0">
+                <a:latin typeface="Candara" panose="020E0502030303020204" pitchFamily="34" charset="0"/>
+              </a:rPr>
+              <a:t>Kaya Identity</a:t>
+            </a:r>
+          </a:p>
+          <a:p>
+            <a:r>
+              <a:rPr lang="de-DE" sz="2800" dirty="0">
+                <a:latin typeface="Candara" panose="020E0502030303020204" pitchFamily="34" charset="0"/>
+              </a:rPr>
+              <a:t>IPCC scenarios</a:t>
+            </a:r>
+          </a:p>
+          <a:p>
+            <a:r>
+              <a:rPr lang="de-DE" sz="2800" dirty="0">
+                <a:latin typeface="Candara" panose="020E0502030303020204" pitchFamily="34" charset="0"/>
+              </a:rPr>
+              <a:t>Options for emission reduction</a:t>
+            </a:r>
+          </a:p>
+          <a:p>
+            <a:pPr lvl="1"/>
+            <a:r>
+              <a:rPr lang="de-DE" sz="2400" dirty="0">
+                <a:latin typeface="Candara" panose="020E0502030303020204" pitchFamily="34" charset="0"/>
+              </a:rPr>
+              <a:t>Population</a:t>
+            </a:r>
+          </a:p>
+          <a:p>
+            <a:pPr lvl="1"/>
+            <a:r>
+              <a:rPr lang="de-DE" sz="2400" dirty="0">
+                <a:latin typeface="Candara" panose="020E0502030303020204" pitchFamily="34" charset="0"/>
+              </a:rPr>
+              <a:t>Income</a:t>
+            </a:r>
+          </a:p>
+          <a:p>
+            <a:pPr lvl="1"/>
+            <a:r>
+              <a:rPr lang="de-DE" sz="2400" dirty="0">
+                <a:latin typeface="Candara" panose="020E0502030303020204" pitchFamily="34" charset="0"/>
+              </a:rPr>
+              <a:t>Energy</a:t>
+            </a:r>
+          </a:p>
+          <a:p>
+            <a:pPr lvl="1"/>
+            <a:r>
+              <a:rPr lang="de-DE" sz="2400" dirty="0">
+                <a:latin typeface="Candara" panose="020E0502030303020204" pitchFamily="34" charset="0"/>
+              </a:rPr>
+              <a:t>Fuel</a:t>
+            </a:r>
+          </a:p>
+          <a:p>
+            <a:r>
+              <a:rPr lang="de-DE" sz="2800" dirty="0">
+                <a:latin typeface="Candara" panose="020E0502030303020204" pitchFamily="34" charset="0"/>
+              </a:rPr>
+              <a:t>Geoengineering</a:t>
+            </a:r>
+            <a:endParaRPr lang="de-DE" dirty="0">
+              <a:latin typeface="Candara" panose="020E0502030303020204" pitchFamily="34" charset="0"/>
+            </a:endParaRPr>
+          </a:p>
+        </p:txBody>
+      </p:sp>
     </p:spTree>
     <p:extLst>
       <p:ext uri="{BB962C8B-B14F-4D97-AF65-F5344CB8AC3E}">
-        <p14:creationId xmlns:p14="http://schemas.microsoft.com/office/powerpoint/2010/main" val="2162467227"/>
+        <p14:creationId xmlns:p14="http://schemas.microsoft.com/office/powerpoint/2010/main" val="2745609866"/>
       </p:ext>
     </p:extLst>
   </p:cSld>
@@ -10152,6 +10879,837 @@
 </file>
 
 <file path=ppt/slides/slide30.xml><?xml version="1.0" encoding="utf-8"?>
+<p:sld xmlns:a="http://schemas.openxmlformats.org/drawingml/2006/main" xmlns:r="http://schemas.openxmlformats.org/officeDocument/2006/relationships" xmlns:p="http://schemas.openxmlformats.org/presentationml/2006/main">
+  <p:cSld>
+    <p:spTree>
+      <p:nvGrpSpPr>
+        <p:cNvPr id="1" name=""/>
+        <p:cNvGrpSpPr/>
+        <p:nvPr/>
+      </p:nvGrpSpPr>
+      <p:grpSpPr>
+        <a:xfrm>
+          <a:off x="0" y="0"/>
+          <a:ext cx="0" cy="0"/>
+          <a:chOff x="0" y="0"/>
+          <a:chExt cx="0" cy="0"/>
+        </a:xfrm>
+      </p:grpSpPr>
+      <p:sp>
+        <p:nvSpPr>
+          <p:cNvPr id="217090" name="Rectangle 2"/>
+          <p:cNvSpPr>
+            <a:spLocks noGrp="1" noChangeArrowheads="1"/>
+          </p:cNvSpPr>
+          <p:nvPr>
+            <p:ph type="title"/>
+          </p:nvPr>
+        </p:nvSpPr>
+        <p:spPr>
+          <a:xfrm>
+            <a:off x="685800" y="0"/>
+            <a:ext cx="7772400" cy="1143000"/>
+          </a:xfrm>
+        </p:spPr>
+        <p:txBody>
+          <a:bodyPr/>
+          <a:lstStyle/>
+          <a:p>
+            <a:r>
+              <a:rPr lang="de-DE" sz="3600" dirty="0">
+                <a:latin typeface="Candara" panose="020E0502030303020204" pitchFamily="34" charset="0"/>
+              </a:rPr>
+              <a:t>Switch Energy</a:t>
+            </a:r>
+            <a:endParaRPr lang="en-GB" sz="3600" dirty="0">
+              <a:latin typeface="Candara" panose="020E0502030303020204" pitchFamily="34" charset="0"/>
+            </a:endParaRPr>
+          </a:p>
+        </p:txBody>
+      </p:sp>
+      <p:sp>
+        <p:nvSpPr>
+          <p:cNvPr id="217091" name="Rectangle 3"/>
+          <p:cNvSpPr>
+            <a:spLocks noGrp="1" noChangeArrowheads="1"/>
+          </p:cNvSpPr>
+          <p:nvPr>
+            <p:ph type="body" idx="1"/>
+          </p:nvPr>
+        </p:nvSpPr>
+        <p:spPr>
+          <a:xfrm>
+            <a:off x="685800" y="990600"/>
+            <a:ext cx="7772400" cy="5257800"/>
+          </a:xfrm>
+        </p:spPr>
+        <p:txBody>
+          <a:bodyPr/>
+          <a:lstStyle/>
+          <a:p>
+            <a:pPr>
+              <a:lnSpc>
+                <a:spcPct val="90000"/>
+              </a:lnSpc>
+            </a:pPr>
+            <a:r>
+              <a:rPr lang="de-DE" sz="2800" dirty="0">
+                <a:latin typeface="Candara" panose="020E0502030303020204" pitchFamily="34" charset="0"/>
+              </a:rPr>
+              <a:t>Switching away from oil, gas and coal to nuclear, hydro, wind, solar and biomass is technically feasible</a:t>
+            </a:r>
+          </a:p>
+          <a:p>
+            <a:pPr>
+              <a:lnSpc>
+                <a:spcPct val="90000"/>
+              </a:lnSpc>
+            </a:pPr>
+            <a:r>
+              <a:rPr lang="de-DE" sz="2800" dirty="0">
+                <a:latin typeface="Candara" panose="020E0502030303020204" pitchFamily="34" charset="0"/>
+              </a:rPr>
+              <a:t>Nuclear and hydro are difficult politically and socially</a:t>
+            </a:r>
+          </a:p>
+          <a:p>
+            <a:pPr>
+              <a:lnSpc>
+                <a:spcPct val="90000"/>
+              </a:lnSpc>
+            </a:pPr>
+            <a:r>
+              <a:rPr lang="de-DE" sz="2800" dirty="0">
+                <a:latin typeface="Candara" panose="020E0502030303020204" pitchFamily="34" charset="0"/>
+              </a:rPr>
+              <a:t>Wind is </a:t>
+            </a:r>
+            <a:r>
+              <a:rPr lang="de-DE" sz="2800" strike="sngStrike" dirty="0">
+                <a:latin typeface="Candara" panose="020E0502030303020204" pitchFamily="34" charset="0"/>
+              </a:rPr>
+              <a:t>expensive and </a:t>
+            </a:r>
+            <a:r>
+              <a:rPr lang="de-DE" sz="2800" dirty="0">
+                <a:latin typeface="Candara" panose="020E0502030303020204" pitchFamily="34" charset="0"/>
+              </a:rPr>
+              <a:t>visually intrusive</a:t>
+            </a:r>
+          </a:p>
+          <a:p>
+            <a:pPr>
+              <a:lnSpc>
+                <a:spcPct val="90000"/>
+              </a:lnSpc>
+            </a:pPr>
+            <a:r>
+              <a:rPr lang="de-DE" sz="2800" dirty="0">
+                <a:latin typeface="Candara" panose="020E0502030303020204" pitchFamily="34" charset="0"/>
+              </a:rPr>
+              <a:t>Solar is </a:t>
+            </a:r>
+            <a:r>
+              <a:rPr lang="de-DE" sz="2800" strike="sngStrike" dirty="0">
+                <a:latin typeface="Candara" panose="020E0502030303020204" pitchFamily="34" charset="0"/>
+              </a:rPr>
+              <a:t>expensive and </a:t>
+            </a:r>
+            <a:r>
+              <a:rPr lang="de-DE" sz="2800" dirty="0">
+                <a:latin typeface="Candara" panose="020E0502030303020204" pitchFamily="34" charset="0"/>
+              </a:rPr>
+              <a:t>has a waste problem</a:t>
+            </a:r>
+          </a:p>
+          <a:p>
+            <a:pPr>
+              <a:lnSpc>
+                <a:spcPct val="90000"/>
+              </a:lnSpc>
+            </a:pPr>
+            <a:r>
+              <a:rPr lang="de-DE" sz="2800" dirty="0">
+                <a:latin typeface="Candara" panose="020E0502030303020204" pitchFamily="34" charset="0"/>
+              </a:rPr>
+              <a:t>Both wind and solar require storage and transport</a:t>
+            </a:r>
+          </a:p>
+          <a:p>
+            <a:pPr>
+              <a:lnSpc>
+                <a:spcPct val="90000"/>
+              </a:lnSpc>
+            </a:pPr>
+            <a:r>
+              <a:rPr lang="de-DE" sz="2800" dirty="0">
+                <a:latin typeface="Candara" panose="020E0502030303020204" pitchFamily="34" charset="0"/>
+              </a:rPr>
+              <a:t>Biomass is too expensive, and bad for health, environment and food production</a:t>
+            </a:r>
+            <a:endParaRPr lang="en-GB" sz="2800" dirty="0">
+              <a:latin typeface="Candara" panose="020E0502030303020204" pitchFamily="34" charset="0"/>
+            </a:endParaRPr>
+          </a:p>
+        </p:txBody>
+      </p:sp>
+    </p:spTree>
+    <p:extLst>
+      <p:ext uri="{BB962C8B-B14F-4D97-AF65-F5344CB8AC3E}">
+        <p14:creationId xmlns:p14="http://schemas.microsoft.com/office/powerpoint/2010/main" val="4010054551"/>
+      </p:ext>
+    </p:extLst>
+  </p:cSld>
+  <p:clrMapOvr>
+    <a:masterClrMapping/>
+  </p:clrMapOvr>
+</p:sld>
+</file>
+
+<file path=ppt/slides/slide31.xml><?xml version="1.0" encoding="utf-8"?>
+<p:sld xmlns:a="http://schemas.openxmlformats.org/drawingml/2006/main" xmlns:r="http://schemas.openxmlformats.org/officeDocument/2006/relationships" xmlns:p="http://schemas.openxmlformats.org/presentationml/2006/main">
+  <p:cSld>
+    <p:spTree>
+      <p:nvGrpSpPr>
+        <p:cNvPr id="1" name=""/>
+        <p:cNvGrpSpPr/>
+        <p:nvPr/>
+      </p:nvGrpSpPr>
+      <p:grpSpPr>
+        <a:xfrm>
+          <a:off x="0" y="0"/>
+          <a:ext cx="0" cy="0"/>
+          <a:chOff x="0" y="0"/>
+          <a:chExt cx="0" cy="0"/>
+        </a:xfrm>
+      </p:grpSpPr>
+      <p:sp>
+        <p:nvSpPr>
+          <p:cNvPr id="3074" name="Rectangle 2"/>
+          <p:cNvSpPr>
+            <a:spLocks noGrp="1" noChangeArrowheads="1"/>
+          </p:cNvSpPr>
+          <p:nvPr>
+            <p:ph type="title"/>
+          </p:nvPr>
+        </p:nvSpPr>
+        <p:spPr>
+          <a:xfrm>
+            <a:off x="685800" y="304800"/>
+            <a:ext cx="7772400" cy="1143000"/>
+          </a:xfrm>
+        </p:spPr>
+        <p:txBody>
+          <a:bodyPr/>
+          <a:lstStyle/>
+          <a:p>
+            <a:r>
+              <a:rPr lang="de-DE" sz="4000" dirty="0">
+                <a:latin typeface="Candara" panose="020E0502030303020204" pitchFamily="34" charset="0"/>
+              </a:rPr>
+              <a:t>Scenarios and abatement options</a:t>
+            </a:r>
+            <a:endParaRPr lang="en-GB" sz="4000" dirty="0">
+              <a:latin typeface="Candara" panose="020E0502030303020204" pitchFamily="34" charset="0"/>
+            </a:endParaRPr>
+          </a:p>
+        </p:txBody>
+      </p:sp>
+      <p:sp>
+        <p:nvSpPr>
+          <p:cNvPr id="3075" name="Rectangle 3"/>
+          <p:cNvSpPr>
+            <a:spLocks noGrp="1" noChangeArrowheads="1"/>
+          </p:cNvSpPr>
+          <p:nvPr>
+            <p:ph type="body" idx="1"/>
+          </p:nvPr>
+        </p:nvSpPr>
+        <p:spPr>
+          <a:xfrm>
+            <a:off x="762000" y="1676400"/>
+            <a:ext cx="7772400" cy="4114800"/>
+          </a:xfrm>
+        </p:spPr>
+        <p:txBody>
+          <a:bodyPr/>
+          <a:lstStyle/>
+          <a:p>
+            <a:r>
+              <a:rPr lang="de-DE" sz="2800" dirty="0">
+                <a:latin typeface="Candara" panose="020E0502030303020204" pitchFamily="34" charset="0"/>
+              </a:rPr>
+              <a:t>Sources of greenhouse gas emissions</a:t>
+            </a:r>
+          </a:p>
+          <a:p>
+            <a:r>
+              <a:rPr lang="de-DE" sz="2800" dirty="0">
+                <a:latin typeface="Candara" panose="020E0502030303020204" pitchFamily="34" charset="0"/>
+              </a:rPr>
+              <a:t>Kaya Identity</a:t>
+            </a:r>
+          </a:p>
+          <a:p>
+            <a:r>
+              <a:rPr lang="de-DE" sz="2800" dirty="0">
+                <a:latin typeface="Candara" panose="020E0502030303020204" pitchFamily="34" charset="0"/>
+              </a:rPr>
+              <a:t>IPCC scenarios</a:t>
+            </a:r>
+          </a:p>
+          <a:p>
+            <a:r>
+              <a:rPr lang="de-DE" sz="2800" dirty="0">
+                <a:latin typeface="Candara" panose="020E0502030303020204" pitchFamily="34" charset="0"/>
+              </a:rPr>
+              <a:t>Options for emission reduction</a:t>
+            </a:r>
+          </a:p>
+          <a:p>
+            <a:pPr lvl="1"/>
+            <a:r>
+              <a:rPr lang="de-DE" sz="2400" dirty="0">
+                <a:latin typeface="Candara" panose="020E0502030303020204" pitchFamily="34" charset="0"/>
+              </a:rPr>
+              <a:t>Population</a:t>
+            </a:r>
+          </a:p>
+          <a:p>
+            <a:pPr lvl="1"/>
+            <a:r>
+              <a:rPr lang="de-DE" sz="2400" dirty="0">
+                <a:latin typeface="Candara" panose="020E0502030303020204" pitchFamily="34" charset="0"/>
+              </a:rPr>
+              <a:t>Income</a:t>
+            </a:r>
+          </a:p>
+          <a:p>
+            <a:pPr lvl="1"/>
+            <a:r>
+              <a:rPr lang="de-DE" sz="2400" dirty="0">
+                <a:latin typeface="Candara" panose="020E0502030303020204" pitchFamily="34" charset="0"/>
+              </a:rPr>
+              <a:t>Energy</a:t>
+            </a:r>
+          </a:p>
+          <a:p>
+            <a:pPr lvl="1"/>
+            <a:r>
+              <a:rPr lang="de-DE" sz="2400" dirty="0">
+                <a:latin typeface="Candara" panose="020E0502030303020204" pitchFamily="34" charset="0"/>
+              </a:rPr>
+              <a:t>Fuel</a:t>
+            </a:r>
+          </a:p>
+          <a:p>
+            <a:r>
+              <a:rPr lang="de-DE" sz="2800" b="1" dirty="0">
+                <a:latin typeface="Candara" panose="020E0502030303020204" pitchFamily="34" charset="0"/>
+              </a:rPr>
+              <a:t>Geoengineering</a:t>
+            </a:r>
+            <a:endParaRPr lang="de-DE" b="1" dirty="0">
+              <a:latin typeface="Candara" panose="020E0502030303020204" pitchFamily="34" charset="0"/>
+            </a:endParaRPr>
+          </a:p>
+        </p:txBody>
+      </p:sp>
+    </p:spTree>
+    <p:extLst>
+      <p:ext uri="{BB962C8B-B14F-4D97-AF65-F5344CB8AC3E}">
+        <p14:creationId xmlns:p14="http://schemas.microsoft.com/office/powerpoint/2010/main" val="2136568793"/>
+      </p:ext>
+    </p:extLst>
+  </p:cSld>
+  <p:clrMapOvr>
+    <a:masterClrMapping/>
+  </p:clrMapOvr>
+</p:sld>
+</file>
+
+<file path=ppt/slides/slide32.xml><?xml version="1.0" encoding="utf-8"?>
+<p:sld xmlns:a="http://schemas.openxmlformats.org/drawingml/2006/main" xmlns:r="http://schemas.openxmlformats.org/officeDocument/2006/relationships" xmlns:p="http://schemas.openxmlformats.org/presentationml/2006/main">
+  <p:cSld>
+    <p:spTree>
+      <p:nvGrpSpPr>
+        <p:cNvPr id="1" name=""/>
+        <p:cNvGrpSpPr/>
+        <p:nvPr/>
+      </p:nvGrpSpPr>
+      <p:grpSpPr>
+        <a:xfrm>
+          <a:off x="0" y="0"/>
+          <a:ext cx="0" cy="0"/>
+          <a:chOff x="0" y="0"/>
+          <a:chExt cx="0" cy="0"/>
+        </a:xfrm>
+      </p:grpSpPr>
+      <p:sp>
+        <p:nvSpPr>
+          <p:cNvPr id="277506" name="Rectangle 2"/>
+          <p:cNvSpPr>
+            <a:spLocks noGrp="1" noChangeArrowheads="1"/>
+          </p:cNvSpPr>
+          <p:nvPr>
+            <p:ph type="title"/>
+          </p:nvPr>
+        </p:nvSpPr>
+        <p:spPr>
+          <a:xfrm>
+            <a:off x="685800" y="0"/>
+            <a:ext cx="7772400" cy="1143000"/>
+          </a:xfrm>
+        </p:spPr>
+        <p:txBody>
+          <a:bodyPr/>
+          <a:lstStyle/>
+          <a:p>
+            <a:r>
+              <a:rPr lang="de-DE" sz="3600" dirty="0">
+                <a:latin typeface="Candara" panose="020E0502030303020204" pitchFamily="34" charset="0"/>
+              </a:rPr>
+              <a:t>Carbon Sinks</a:t>
+            </a:r>
+            <a:endParaRPr lang="en-GB" sz="3600" dirty="0">
+              <a:latin typeface="Candara" panose="020E0502030303020204" pitchFamily="34" charset="0"/>
+            </a:endParaRPr>
+          </a:p>
+        </p:txBody>
+      </p:sp>
+      <p:sp>
+        <p:nvSpPr>
+          <p:cNvPr id="277507" name="Rectangle 3"/>
+          <p:cNvSpPr>
+            <a:spLocks noGrp="1" noChangeArrowheads="1"/>
+          </p:cNvSpPr>
+          <p:nvPr>
+            <p:ph type="body" idx="1"/>
+          </p:nvPr>
+        </p:nvSpPr>
+        <p:spPr>
+          <a:xfrm>
+            <a:off x="685800" y="990600"/>
+            <a:ext cx="7772400" cy="4419600"/>
+          </a:xfrm>
+        </p:spPr>
+        <p:txBody>
+          <a:bodyPr/>
+          <a:lstStyle/>
+          <a:p>
+            <a:pPr>
+              <a:lnSpc>
+                <a:spcPct val="90000"/>
+              </a:lnSpc>
+            </a:pPr>
+            <a:r>
+              <a:rPr lang="de-DE" sz="2800" dirty="0">
+                <a:latin typeface="Candara" panose="020E0502030303020204" pitchFamily="34" charset="0"/>
+              </a:rPr>
+              <a:t>As deforestation is a source of carbon dioxide emissions, afforestation is a sink</a:t>
+            </a:r>
+          </a:p>
+          <a:p>
+            <a:pPr>
+              <a:lnSpc>
+                <a:spcPct val="90000"/>
+              </a:lnSpc>
+            </a:pPr>
+            <a:r>
+              <a:rPr lang="de-DE" sz="2800" dirty="0">
+                <a:latin typeface="Candara" panose="020E0502030303020204" pitchFamily="34" charset="0"/>
+              </a:rPr>
+              <a:t>Note that the forests of North America and Europe are growing back</a:t>
+            </a:r>
+          </a:p>
+          <a:p>
+            <a:pPr>
+              <a:lnSpc>
+                <a:spcPct val="90000"/>
+              </a:lnSpc>
+            </a:pPr>
+            <a:r>
+              <a:rPr lang="de-DE" sz="2800" dirty="0">
+                <a:latin typeface="Candara" panose="020E0502030303020204" pitchFamily="34" charset="0"/>
+              </a:rPr>
+              <a:t>If slowing deforestation in the tropics were easy, it would have been done for other reasons</a:t>
+            </a:r>
+            <a:endParaRPr lang="en-GB" sz="2800" dirty="0">
+              <a:latin typeface="Candara" panose="020E0502030303020204" pitchFamily="34" charset="0"/>
+            </a:endParaRPr>
+          </a:p>
+        </p:txBody>
+      </p:sp>
+    </p:spTree>
+  </p:cSld>
+  <p:clrMapOvr>
+    <a:masterClrMapping/>
+  </p:clrMapOvr>
+</p:sld>
+</file>
+
+<file path=ppt/slides/slide33.xml><?xml version="1.0" encoding="utf-8"?>
+<p:sld xmlns:a="http://schemas.openxmlformats.org/drawingml/2006/main" xmlns:r="http://schemas.openxmlformats.org/officeDocument/2006/relationships" xmlns:p="http://schemas.openxmlformats.org/presentationml/2006/main">
+  <p:cSld>
+    <p:spTree>
+      <p:nvGrpSpPr>
+        <p:cNvPr id="1" name=""/>
+        <p:cNvGrpSpPr/>
+        <p:nvPr/>
+      </p:nvGrpSpPr>
+      <p:grpSpPr>
+        <a:xfrm>
+          <a:off x="0" y="0"/>
+          <a:ext cx="0" cy="0"/>
+          <a:chOff x="0" y="0"/>
+          <a:chExt cx="0" cy="0"/>
+        </a:xfrm>
+      </p:grpSpPr>
+      <p:sp>
+        <p:nvSpPr>
+          <p:cNvPr id="279554" name="Rectangle 2"/>
+          <p:cNvSpPr>
+            <a:spLocks noGrp="1" noChangeArrowheads="1"/>
+          </p:cNvSpPr>
+          <p:nvPr>
+            <p:ph type="title"/>
+          </p:nvPr>
+        </p:nvSpPr>
+        <p:spPr>
+          <a:xfrm>
+            <a:off x="685800" y="0"/>
+            <a:ext cx="7772400" cy="1143000"/>
+          </a:xfrm>
+        </p:spPr>
+        <p:txBody>
+          <a:bodyPr/>
+          <a:lstStyle/>
+          <a:p>
+            <a:r>
+              <a:rPr lang="de-DE" sz="3600" dirty="0">
+                <a:latin typeface="Candara" panose="020E0502030303020204" pitchFamily="34" charset="0"/>
+              </a:rPr>
+              <a:t>Carbon Capture and Storage</a:t>
+            </a:r>
+            <a:endParaRPr lang="en-GB" sz="3600" dirty="0">
+              <a:latin typeface="Candara" panose="020E0502030303020204" pitchFamily="34" charset="0"/>
+            </a:endParaRPr>
+          </a:p>
+        </p:txBody>
+      </p:sp>
+      <p:sp>
+        <p:nvSpPr>
+          <p:cNvPr id="279555" name="Rectangle 3"/>
+          <p:cNvSpPr>
+            <a:spLocks noGrp="1" noChangeArrowheads="1"/>
+          </p:cNvSpPr>
+          <p:nvPr>
+            <p:ph type="body" idx="1"/>
+          </p:nvPr>
+        </p:nvSpPr>
+        <p:spPr>
+          <a:xfrm>
+            <a:off x="685800" y="990600"/>
+            <a:ext cx="7772400" cy="4876800"/>
+          </a:xfrm>
+        </p:spPr>
+        <p:txBody>
+          <a:bodyPr/>
+          <a:lstStyle/>
+          <a:p>
+            <a:pPr>
+              <a:lnSpc>
+                <a:spcPct val="90000"/>
+              </a:lnSpc>
+            </a:pPr>
+            <a:r>
+              <a:rPr lang="de-DE" sz="2800" dirty="0">
+                <a:latin typeface="Candara" panose="020E0502030303020204" pitchFamily="34" charset="0"/>
+              </a:rPr>
+              <a:t>Take the CO2 out of the exhaust gas, and stick it in the ground</a:t>
+            </a:r>
+          </a:p>
+          <a:p>
+            <a:pPr>
+              <a:lnSpc>
+                <a:spcPct val="90000"/>
+              </a:lnSpc>
+            </a:pPr>
+            <a:r>
+              <a:rPr lang="de-DE" sz="2800" dirty="0">
+                <a:latin typeface="Candara" panose="020E0502030303020204" pitchFamily="34" charset="0"/>
+              </a:rPr>
+              <a:t>Proven technology: soda, beer,  greenhouses, and enhanced oil recovery</a:t>
+            </a:r>
+          </a:p>
+          <a:p>
+            <a:pPr>
+              <a:lnSpc>
+                <a:spcPct val="90000"/>
+              </a:lnSpc>
+            </a:pPr>
+            <a:r>
+              <a:rPr lang="de-DE" sz="2800" dirty="0">
+                <a:latin typeface="Candara" panose="020E0502030303020204" pitchFamily="34" charset="0"/>
+              </a:rPr>
+              <a:t>However, abatement requires purpose-build storage at a much larger scale</a:t>
+            </a:r>
+          </a:p>
+          <a:p>
+            <a:pPr>
+              <a:lnSpc>
+                <a:spcPct val="90000"/>
+              </a:lnSpc>
+            </a:pPr>
+            <a:r>
+              <a:rPr lang="de-DE" sz="2800" dirty="0">
+                <a:latin typeface="Candara" panose="020E0502030303020204" pitchFamily="34" charset="0"/>
+              </a:rPr>
+              <a:t>Retrofit expensive, so for new power stations only</a:t>
+            </a:r>
+          </a:p>
+          <a:p>
+            <a:pPr>
+              <a:lnSpc>
+                <a:spcPct val="90000"/>
+              </a:lnSpc>
+            </a:pPr>
+            <a:r>
+              <a:rPr lang="de-DE" sz="2800" dirty="0">
+                <a:latin typeface="Candara" panose="020E0502030303020204" pitchFamily="34" charset="0"/>
+              </a:rPr>
+              <a:t>Issues with efficiency, cost, safety</a:t>
+            </a:r>
+          </a:p>
+          <a:p>
+            <a:pPr>
+              <a:lnSpc>
+                <a:spcPct val="90000"/>
+              </a:lnSpc>
+            </a:pPr>
+            <a:r>
+              <a:rPr lang="de-DE" sz="2800" dirty="0">
+                <a:latin typeface="Candara" panose="020E0502030303020204" pitchFamily="34" charset="0"/>
+              </a:rPr>
+              <a:t>End-of-pipe technology</a:t>
+            </a:r>
+            <a:endParaRPr lang="en-GB" sz="2800" dirty="0">
+              <a:latin typeface="Candara" panose="020E0502030303020204" pitchFamily="34" charset="0"/>
+            </a:endParaRPr>
+          </a:p>
+        </p:txBody>
+      </p:sp>
+    </p:spTree>
+  </p:cSld>
+  <p:clrMapOvr>
+    <a:masterClrMapping/>
+  </p:clrMapOvr>
+</p:sld>
+</file>
+
+<file path=ppt/slides/slide34.xml><?xml version="1.0" encoding="utf-8"?>
+<p:sld xmlns:a="http://schemas.openxmlformats.org/drawingml/2006/main" xmlns:r="http://schemas.openxmlformats.org/officeDocument/2006/relationships" xmlns:p="http://schemas.openxmlformats.org/presentationml/2006/main">
+  <p:cSld>
+    <p:spTree>
+      <p:nvGrpSpPr>
+        <p:cNvPr id="1" name=""/>
+        <p:cNvGrpSpPr/>
+        <p:nvPr/>
+      </p:nvGrpSpPr>
+      <p:grpSpPr>
+        <a:xfrm>
+          <a:off x="0" y="0"/>
+          <a:ext cx="0" cy="0"/>
+          <a:chOff x="0" y="0"/>
+          <a:chExt cx="0" cy="0"/>
+        </a:xfrm>
+      </p:grpSpPr>
+      <p:sp>
+        <p:nvSpPr>
+          <p:cNvPr id="281602" name="Rectangle 2"/>
+          <p:cNvSpPr>
+            <a:spLocks noGrp="1" noChangeArrowheads="1"/>
+          </p:cNvSpPr>
+          <p:nvPr>
+            <p:ph type="title"/>
+          </p:nvPr>
+        </p:nvSpPr>
+        <p:spPr>
+          <a:xfrm>
+            <a:off x="685800" y="0"/>
+            <a:ext cx="7772400" cy="1143000"/>
+          </a:xfrm>
+        </p:spPr>
+        <p:txBody>
+          <a:bodyPr/>
+          <a:lstStyle/>
+          <a:p>
+            <a:r>
+              <a:rPr lang="de-DE" sz="3600" dirty="0">
+                <a:latin typeface="Candara" panose="020E0502030303020204" pitchFamily="34" charset="0"/>
+              </a:rPr>
+              <a:t>Geoengineering</a:t>
+            </a:r>
+            <a:endParaRPr lang="en-GB" sz="3600" dirty="0">
+              <a:latin typeface="Candara" panose="020E0502030303020204" pitchFamily="34" charset="0"/>
+            </a:endParaRPr>
+          </a:p>
+        </p:txBody>
+      </p:sp>
+      <p:sp>
+        <p:nvSpPr>
+          <p:cNvPr id="281603" name="Rectangle 3"/>
+          <p:cNvSpPr>
+            <a:spLocks noGrp="1" noChangeArrowheads="1"/>
+          </p:cNvSpPr>
+          <p:nvPr>
+            <p:ph type="body" idx="1"/>
+          </p:nvPr>
+        </p:nvSpPr>
+        <p:spPr>
+          <a:xfrm>
+            <a:off x="685800" y="1066800"/>
+            <a:ext cx="7772400" cy="4114800"/>
+          </a:xfrm>
+        </p:spPr>
+        <p:txBody>
+          <a:bodyPr/>
+          <a:lstStyle/>
+          <a:p>
+            <a:pPr>
+              <a:lnSpc>
+                <a:spcPct val="90000"/>
+              </a:lnSpc>
+            </a:pPr>
+            <a:r>
+              <a:rPr lang="de-DE" sz="2800" dirty="0">
+                <a:latin typeface="Candara" panose="020E0502030303020204" pitchFamily="34" charset="0"/>
+              </a:rPr>
+              <a:t>Change the climate again</a:t>
+            </a:r>
+          </a:p>
+          <a:p>
+            <a:pPr>
+              <a:lnSpc>
+                <a:spcPct val="90000"/>
+              </a:lnSpc>
+            </a:pPr>
+            <a:r>
+              <a:rPr lang="de-DE" sz="2800" dirty="0">
+                <a:latin typeface="Candara" panose="020E0502030303020204" pitchFamily="34" charset="0"/>
+              </a:rPr>
+              <a:t>Dust in the atmosphere</a:t>
+            </a:r>
+          </a:p>
+          <a:p>
+            <a:pPr>
+              <a:lnSpc>
+                <a:spcPct val="90000"/>
+              </a:lnSpc>
+            </a:pPr>
+            <a:r>
+              <a:rPr lang="de-DE" sz="2800" dirty="0">
+                <a:latin typeface="Candara" panose="020E0502030303020204" pitchFamily="34" charset="0"/>
+              </a:rPr>
+              <a:t>Mirrors in space</a:t>
+            </a:r>
+          </a:p>
+          <a:p>
+            <a:pPr>
+              <a:lnSpc>
+                <a:spcPct val="90000"/>
+              </a:lnSpc>
+            </a:pPr>
+            <a:r>
+              <a:rPr lang="de-DE" sz="2800" dirty="0">
+                <a:solidFill>
+                  <a:schemeClr val="tx1">
+                    <a:lumMod val="50000"/>
+                    <a:lumOff val="50000"/>
+                  </a:schemeClr>
+                </a:solidFill>
+                <a:latin typeface="Candara" panose="020E0502030303020204" pitchFamily="34" charset="0"/>
+              </a:rPr>
+              <a:t>Great uncertainty</a:t>
+            </a:r>
+          </a:p>
+          <a:p>
+            <a:pPr>
+              <a:lnSpc>
+                <a:spcPct val="90000"/>
+              </a:lnSpc>
+            </a:pPr>
+            <a:r>
+              <a:rPr lang="de-DE" sz="2800" dirty="0">
+                <a:solidFill>
+                  <a:schemeClr val="tx1">
+                    <a:lumMod val="50000"/>
+                    <a:lumOff val="50000"/>
+                  </a:schemeClr>
+                </a:solidFill>
+                <a:latin typeface="Candara" panose="020E0502030303020204" pitchFamily="34" charset="0"/>
+              </a:rPr>
+              <a:t>Previous experiments went wrong (quite so)</a:t>
+            </a:r>
+          </a:p>
+          <a:p>
+            <a:pPr>
+              <a:lnSpc>
+                <a:spcPct val="90000"/>
+              </a:lnSpc>
+            </a:pPr>
+            <a:r>
+              <a:rPr lang="de-DE" sz="2800" dirty="0">
+                <a:solidFill>
+                  <a:schemeClr val="tx1">
+                    <a:lumMod val="50000"/>
+                    <a:lumOff val="50000"/>
+                  </a:schemeClr>
+                </a:solidFill>
+                <a:latin typeface="Candara" panose="020E0502030303020204" pitchFamily="34" charset="0"/>
+              </a:rPr>
+              <a:t>Nonetheless, most of this is cheap and simple</a:t>
+            </a:r>
+          </a:p>
+          <a:p>
+            <a:pPr>
+              <a:lnSpc>
+                <a:spcPct val="90000"/>
+              </a:lnSpc>
+            </a:pPr>
+            <a:r>
+              <a:rPr lang="de-DE" sz="2800" dirty="0">
+                <a:solidFill>
+                  <a:schemeClr val="tx1">
+                    <a:lumMod val="50000"/>
+                    <a:lumOff val="50000"/>
+                  </a:schemeClr>
+                </a:solidFill>
+                <a:latin typeface="Candara" panose="020E0502030303020204" pitchFamily="34" charset="0"/>
+              </a:rPr>
+              <a:t>Unclear who will/should decide on geoengineering</a:t>
+            </a:r>
+            <a:endParaRPr lang="en-GB" sz="2800" dirty="0">
+              <a:solidFill>
+                <a:schemeClr val="tx1">
+                  <a:lumMod val="50000"/>
+                  <a:lumOff val="50000"/>
+                </a:schemeClr>
+              </a:solidFill>
+              <a:latin typeface="Candara" panose="020E0502030303020204" pitchFamily="34" charset="0"/>
+            </a:endParaRPr>
+          </a:p>
+        </p:txBody>
+      </p:sp>
+    </p:spTree>
+  </p:cSld>
+  <p:clrMapOvr>
+    <a:masterClrMapping/>
+  </p:clrMapOvr>
+</p:sld>
+</file>
+
+<file path=ppt/slides/slide35.xml><?xml version="1.0" encoding="utf-8"?>
 <p:sld xmlns:a="http://schemas.openxmlformats.org/drawingml/2006/main" xmlns:r="http://schemas.openxmlformats.org/officeDocument/2006/relationships" xmlns:p="http://schemas.openxmlformats.org/presentationml/2006/main">
   <p:cSld>
     <p:spTree>
@@ -10211,7 +11769,7 @@
 </p:sld>
 </file>
 
-<file path=ppt/slides/slide31.xml><?xml version="1.0" encoding="utf-8"?>
+<file path=ppt/slides/slide36.xml><?xml version="1.0" encoding="utf-8"?>
 <p:sld xmlns:a="http://schemas.openxmlformats.org/drawingml/2006/main" xmlns:r="http://schemas.openxmlformats.org/officeDocument/2006/relationships" xmlns:p="http://schemas.openxmlformats.org/presentationml/2006/main">
   <p:cSld>
     <p:spTree>
